--- a/food_and_gold.pptx
+++ b/food_and_gold.pptx
@@ -6,6 +6,7 @@
   </p:sldMasterIdLst>
   <p:sldIdLst>
     <p:sldId id="256" r:id="rId2"/>
+    <p:sldId id="257" r:id="rId3"/>
   </p:sldIdLst>
   <p:sldSz cx="9906000" cy="6858000" type="A4"/>
   <p:notesSz cx="6858000" cy="9144000"/>
@@ -154,7 +155,7 @@
           </a:lstStyle>
           <a:p>
             <a:r>
-              <a:rPr lang="en-US" smtClean="0"/>
+              <a:rPr lang="en-US"/>
               <a:t>Click to edit Master title style</a:t>
             </a:r>
             <a:endParaRPr lang="en-US" dirty="0"/>
@@ -219,7 +220,7 @@
           </a:lstStyle>
           <a:p>
             <a:r>
-              <a:rPr lang="en-US" smtClean="0"/>
+              <a:rPr lang="en-US"/>
               <a:t>Click to edit Master subtitle style</a:t>
             </a:r>
             <a:endParaRPr lang="en-US" dirty="0"/>
@@ -243,7 +244,7 @@
           <a:p>
             <a:fld id="{BD3583C3-D11B-4712-BAA4-D3100A00F92F}" type="datetimeFigureOut">
               <a:rPr lang="en-US" smtClean="0"/>
-              <a:t>6/6/2022</a:t>
+              <a:t>6/7/2022</a:t>
             </a:fld>
             <a:endParaRPr lang="en-US"/>
           </a:p>
@@ -337,7 +338,7 @@
           <a:lstStyle/>
           <a:p>
             <a:r>
-              <a:rPr lang="en-US" smtClean="0"/>
+              <a:rPr lang="en-US"/>
               <a:t>Click to edit Master title style</a:t>
             </a:r>
             <a:endParaRPr lang="en-US" dirty="0"/>
@@ -361,35 +362,35 @@
           <a:p>
             <a:pPr lvl="0"/>
             <a:r>
-              <a:rPr lang="en-US" smtClean="0"/>
+              <a:rPr lang="en-US"/>
               <a:t>Edit Master text styles</a:t>
             </a:r>
           </a:p>
           <a:p>
             <a:pPr lvl="1"/>
             <a:r>
-              <a:rPr lang="en-US" smtClean="0"/>
+              <a:rPr lang="en-US"/>
               <a:t>Second level</a:t>
             </a:r>
           </a:p>
           <a:p>
             <a:pPr lvl="2"/>
             <a:r>
-              <a:rPr lang="en-US" smtClean="0"/>
+              <a:rPr lang="en-US"/>
               <a:t>Third level</a:t>
             </a:r>
           </a:p>
           <a:p>
             <a:pPr lvl="3"/>
             <a:r>
-              <a:rPr lang="en-US" smtClean="0"/>
+              <a:rPr lang="en-US"/>
               <a:t>Fourth level</a:t>
             </a:r>
           </a:p>
           <a:p>
             <a:pPr lvl="4"/>
             <a:r>
-              <a:rPr lang="en-US" smtClean="0"/>
+              <a:rPr lang="en-US"/>
               <a:t>Fifth level</a:t>
             </a:r>
             <a:endParaRPr lang="en-US" dirty="0"/>
@@ -413,7 +414,7 @@
           <a:p>
             <a:fld id="{BD3583C3-D11B-4712-BAA4-D3100A00F92F}" type="datetimeFigureOut">
               <a:rPr lang="en-US" smtClean="0"/>
-              <a:t>6/6/2022</a:t>
+              <a:t>6/7/2022</a:t>
             </a:fld>
             <a:endParaRPr lang="en-US"/>
           </a:p>
@@ -512,7 +513,7 @@
           <a:lstStyle/>
           <a:p>
             <a:r>
-              <a:rPr lang="en-US" smtClean="0"/>
+              <a:rPr lang="en-US"/>
               <a:t>Click to edit Master title style</a:t>
             </a:r>
             <a:endParaRPr lang="en-US" dirty="0"/>
@@ -541,35 +542,35 @@
           <a:p>
             <a:pPr lvl="0"/>
             <a:r>
-              <a:rPr lang="en-US" smtClean="0"/>
+              <a:rPr lang="en-US"/>
               <a:t>Edit Master text styles</a:t>
             </a:r>
           </a:p>
           <a:p>
             <a:pPr lvl="1"/>
             <a:r>
-              <a:rPr lang="en-US" smtClean="0"/>
+              <a:rPr lang="en-US"/>
               <a:t>Second level</a:t>
             </a:r>
           </a:p>
           <a:p>
             <a:pPr lvl="2"/>
             <a:r>
-              <a:rPr lang="en-US" smtClean="0"/>
+              <a:rPr lang="en-US"/>
               <a:t>Third level</a:t>
             </a:r>
           </a:p>
           <a:p>
             <a:pPr lvl="3"/>
             <a:r>
-              <a:rPr lang="en-US" smtClean="0"/>
+              <a:rPr lang="en-US"/>
               <a:t>Fourth level</a:t>
             </a:r>
           </a:p>
           <a:p>
             <a:pPr lvl="4"/>
             <a:r>
-              <a:rPr lang="en-US" smtClean="0"/>
+              <a:rPr lang="en-US"/>
               <a:t>Fifth level</a:t>
             </a:r>
             <a:endParaRPr lang="en-US" dirty="0"/>
@@ -593,7 +594,7 @@
           <a:p>
             <a:fld id="{BD3583C3-D11B-4712-BAA4-D3100A00F92F}" type="datetimeFigureOut">
               <a:rPr lang="en-US" smtClean="0"/>
-              <a:t>6/6/2022</a:t>
+              <a:t>6/7/2022</a:t>
             </a:fld>
             <a:endParaRPr lang="en-US"/>
           </a:p>
@@ -687,7 +688,7 @@
           <a:lstStyle/>
           <a:p>
             <a:r>
-              <a:rPr lang="en-US" smtClean="0"/>
+              <a:rPr lang="en-US"/>
               <a:t>Click to edit Master title style</a:t>
             </a:r>
             <a:endParaRPr lang="en-US" dirty="0"/>
@@ -711,35 +712,35 @@
           <a:p>
             <a:pPr lvl="0"/>
             <a:r>
-              <a:rPr lang="en-US" smtClean="0"/>
+              <a:rPr lang="en-US"/>
               <a:t>Edit Master text styles</a:t>
             </a:r>
           </a:p>
           <a:p>
             <a:pPr lvl="1"/>
             <a:r>
-              <a:rPr lang="en-US" smtClean="0"/>
+              <a:rPr lang="en-US"/>
               <a:t>Second level</a:t>
             </a:r>
           </a:p>
           <a:p>
             <a:pPr lvl="2"/>
             <a:r>
-              <a:rPr lang="en-US" smtClean="0"/>
+              <a:rPr lang="en-US"/>
               <a:t>Third level</a:t>
             </a:r>
           </a:p>
           <a:p>
             <a:pPr lvl="3"/>
             <a:r>
-              <a:rPr lang="en-US" smtClean="0"/>
+              <a:rPr lang="en-US"/>
               <a:t>Fourth level</a:t>
             </a:r>
           </a:p>
           <a:p>
             <a:pPr lvl="4"/>
             <a:r>
-              <a:rPr lang="en-US" smtClean="0"/>
+              <a:rPr lang="en-US"/>
               <a:t>Fifth level</a:t>
             </a:r>
             <a:endParaRPr lang="en-US" dirty="0"/>
@@ -763,7 +764,7 @@
           <a:p>
             <a:fld id="{BD3583C3-D11B-4712-BAA4-D3100A00F92F}" type="datetimeFigureOut">
               <a:rPr lang="en-US" smtClean="0"/>
-              <a:t>6/6/2022</a:t>
+              <a:t>6/7/2022</a:t>
             </a:fld>
             <a:endParaRPr lang="en-US"/>
           </a:p>
@@ -866,7 +867,7 @@
           </a:lstStyle>
           <a:p>
             <a:r>
-              <a:rPr lang="en-US" smtClean="0"/>
+              <a:rPr lang="en-US"/>
               <a:t>Click to edit Master title style</a:t>
             </a:r>
             <a:endParaRPr lang="en-US" dirty="0"/>
@@ -984,7 +985,7 @@
           <a:p>
             <a:pPr lvl="0"/>
             <a:r>
-              <a:rPr lang="en-US" smtClean="0"/>
+              <a:rPr lang="en-US"/>
               <a:t>Edit Master text styles</a:t>
             </a:r>
           </a:p>
@@ -1007,7 +1008,7 @@
           <a:p>
             <a:fld id="{BD3583C3-D11B-4712-BAA4-D3100A00F92F}" type="datetimeFigureOut">
               <a:rPr lang="en-US" smtClean="0"/>
-              <a:t>6/6/2022</a:t>
+              <a:t>6/7/2022</a:t>
             </a:fld>
             <a:endParaRPr lang="en-US"/>
           </a:p>
@@ -1101,7 +1102,7 @@
           <a:lstStyle/>
           <a:p>
             <a:r>
-              <a:rPr lang="en-US" smtClean="0"/>
+              <a:rPr lang="en-US"/>
               <a:t>Click to edit Master title style</a:t>
             </a:r>
             <a:endParaRPr lang="en-US" dirty="0"/>
@@ -1130,35 +1131,35 @@
           <a:p>
             <a:pPr lvl="0"/>
             <a:r>
-              <a:rPr lang="en-US" smtClean="0"/>
+              <a:rPr lang="en-US"/>
               <a:t>Edit Master text styles</a:t>
             </a:r>
           </a:p>
           <a:p>
             <a:pPr lvl="1"/>
             <a:r>
-              <a:rPr lang="en-US" smtClean="0"/>
+              <a:rPr lang="en-US"/>
               <a:t>Second level</a:t>
             </a:r>
           </a:p>
           <a:p>
             <a:pPr lvl="2"/>
             <a:r>
-              <a:rPr lang="en-US" smtClean="0"/>
+              <a:rPr lang="en-US"/>
               <a:t>Third level</a:t>
             </a:r>
           </a:p>
           <a:p>
             <a:pPr lvl="3"/>
             <a:r>
-              <a:rPr lang="en-US" smtClean="0"/>
+              <a:rPr lang="en-US"/>
               <a:t>Fourth level</a:t>
             </a:r>
           </a:p>
           <a:p>
             <a:pPr lvl="4"/>
             <a:r>
-              <a:rPr lang="en-US" smtClean="0"/>
+              <a:rPr lang="en-US"/>
               <a:t>Fifth level</a:t>
             </a:r>
             <a:endParaRPr lang="en-US" dirty="0"/>
@@ -1187,35 +1188,35 @@
           <a:p>
             <a:pPr lvl="0"/>
             <a:r>
-              <a:rPr lang="en-US" smtClean="0"/>
+              <a:rPr lang="en-US"/>
               <a:t>Edit Master text styles</a:t>
             </a:r>
           </a:p>
           <a:p>
             <a:pPr lvl="1"/>
             <a:r>
-              <a:rPr lang="en-US" smtClean="0"/>
+              <a:rPr lang="en-US"/>
               <a:t>Second level</a:t>
             </a:r>
           </a:p>
           <a:p>
             <a:pPr lvl="2"/>
             <a:r>
-              <a:rPr lang="en-US" smtClean="0"/>
+              <a:rPr lang="en-US"/>
               <a:t>Third level</a:t>
             </a:r>
           </a:p>
           <a:p>
             <a:pPr lvl="3"/>
             <a:r>
-              <a:rPr lang="en-US" smtClean="0"/>
+              <a:rPr lang="en-US"/>
               <a:t>Fourth level</a:t>
             </a:r>
           </a:p>
           <a:p>
             <a:pPr lvl="4"/>
             <a:r>
-              <a:rPr lang="en-US" smtClean="0"/>
+              <a:rPr lang="en-US"/>
               <a:t>Fifth level</a:t>
             </a:r>
             <a:endParaRPr lang="en-US" dirty="0"/>
@@ -1239,7 +1240,7 @@
           <a:p>
             <a:fld id="{BD3583C3-D11B-4712-BAA4-D3100A00F92F}" type="datetimeFigureOut">
               <a:rPr lang="en-US" smtClean="0"/>
-              <a:t>6/6/2022</a:t>
+              <a:t>6/7/2022</a:t>
             </a:fld>
             <a:endParaRPr lang="en-US"/>
           </a:p>
@@ -1338,7 +1339,7 @@
           <a:lstStyle/>
           <a:p>
             <a:r>
-              <a:rPr lang="en-US" smtClean="0"/>
+              <a:rPr lang="en-US"/>
               <a:t>Click to edit Master title style</a:t>
             </a:r>
             <a:endParaRPr lang="en-US" dirty="0"/>
@@ -1404,7 +1405,7 @@
           <a:p>
             <a:pPr lvl="0"/>
             <a:r>
-              <a:rPr lang="en-US" smtClean="0"/>
+              <a:rPr lang="en-US"/>
               <a:t>Edit Master text styles</a:t>
             </a:r>
           </a:p>
@@ -1432,35 +1433,35 @@
           <a:p>
             <a:pPr lvl="0"/>
             <a:r>
-              <a:rPr lang="en-US" smtClean="0"/>
+              <a:rPr lang="en-US"/>
               <a:t>Edit Master text styles</a:t>
             </a:r>
           </a:p>
           <a:p>
             <a:pPr lvl="1"/>
             <a:r>
-              <a:rPr lang="en-US" smtClean="0"/>
+              <a:rPr lang="en-US"/>
               <a:t>Second level</a:t>
             </a:r>
           </a:p>
           <a:p>
             <a:pPr lvl="2"/>
             <a:r>
-              <a:rPr lang="en-US" smtClean="0"/>
+              <a:rPr lang="en-US"/>
               <a:t>Third level</a:t>
             </a:r>
           </a:p>
           <a:p>
             <a:pPr lvl="3"/>
             <a:r>
-              <a:rPr lang="en-US" smtClean="0"/>
+              <a:rPr lang="en-US"/>
               <a:t>Fourth level</a:t>
             </a:r>
           </a:p>
           <a:p>
             <a:pPr lvl="4"/>
             <a:r>
-              <a:rPr lang="en-US" smtClean="0"/>
+              <a:rPr lang="en-US"/>
               <a:t>Fifth level</a:t>
             </a:r>
             <a:endParaRPr lang="en-US" dirty="0"/>
@@ -1526,7 +1527,7 @@
           <a:p>
             <a:pPr lvl="0"/>
             <a:r>
-              <a:rPr lang="en-US" smtClean="0"/>
+              <a:rPr lang="en-US"/>
               <a:t>Edit Master text styles</a:t>
             </a:r>
           </a:p>
@@ -1554,35 +1555,35 @@
           <a:p>
             <a:pPr lvl="0"/>
             <a:r>
-              <a:rPr lang="en-US" smtClean="0"/>
+              <a:rPr lang="en-US"/>
               <a:t>Edit Master text styles</a:t>
             </a:r>
           </a:p>
           <a:p>
             <a:pPr lvl="1"/>
             <a:r>
-              <a:rPr lang="en-US" smtClean="0"/>
+              <a:rPr lang="en-US"/>
               <a:t>Second level</a:t>
             </a:r>
           </a:p>
           <a:p>
             <a:pPr lvl="2"/>
             <a:r>
-              <a:rPr lang="en-US" smtClean="0"/>
+              <a:rPr lang="en-US"/>
               <a:t>Third level</a:t>
             </a:r>
           </a:p>
           <a:p>
             <a:pPr lvl="3"/>
             <a:r>
-              <a:rPr lang="en-US" smtClean="0"/>
+              <a:rPr lang="en-US"/>
               <a:t>Fourth level</a:t>
             </a:r>
           </a:p>
           <a:p>
             <a:pPr lvl="4"/>
             <a:r>
-              <a:rPr lang="en-US" smtClean="0"/>
+              <a:rPr lang="en-US"/>
               <a:t>Fifth level</a:t>
             </a:r>
             <a:endParaRPr lang="en-US" dirty="0"/>
@@ -1606,7 +1607,7 @@
           <a:p>
             <a:fld id="{BD3583C3-D11B-4712-BAA4-D3100A00F92F}" type="datetimeFigureOut">
               <a:rPr lang="en-US" smtClean="0"/>
-              <a:t>6/6/2022</a:t>
+              <a:t>6/7/2022</a:t>
             </a:fld>
             <a:endParaRPr lang="en-US"/>
           </a:p>
@@ -1700,7 +1701,7 @@
           <a:lstStyle/>
           <a:p>
             <a:r>
-              <a:rPr lang="en-US" smtClean="0"/>
+              <a:rPr lang="en-US"/>
               <a:t>Click to edit Master title style</a:t>
             </a:r>
             <a:endParaRPr lang="en-US" dirty="0"/>
@@ -1724,7 +1725,7 @@
           <a:p>
             <a:fld id="{BD3583C3-D11B-4712-BAA4-D3100A00F92F}" type="datetimeFigureOut">
               <a:rPr lang="en-US" smtClean="0"/>
-              <a:t>6/6/2022</a:t>
+              <a:t>6/7/2022</a:t>
             </a:fld>
             <a:endParaRPr lang="en-US"/>
           </a:p>
@@ -1819,7 +1820,7 @@
           <a:p>
             <a:fld id="{BD3583C3-D11B-4712-BAA4-D3100A00F92F}" type="datetimeFigureOut">
               <a:rPr lang="en-US" smtClean="0"/>
-              <a:t>6/6/2022</a:t>
+              <a:t>6/7/2022</a:t>
             </a:fld>
             <a:endParaRPr lang="en-US"/>
           </a:p>
@@ -1922,7 +1923,7 @@
           </a:lstStyle>
           <a:p>
             <a:r>
-              <a:rPr lang="en-US" smtClean="0"/>
+              <a:rPr lang="en-US"/>
               <a:t>Click to edit Master title style</a:t>
             </a:r>
             <a:endParaRPr lang="en-US" dirty="0"/>
@@ -1979,35 +1980,35 @@
           <a:p>
             <a:pPr lvl="0"/>
             <a:r>
-              <a:rPr lang="en-US" smtClean="0"/>
+              <a:rPr lang="en-US"/>
               <a:t>Edit Master text styles</a:t>
             </a:r>
           </a:p>
           <a:p>
             <a:pPr lvl="1"/>
             <a:r>
-              <a:rPr lang="en-US" smtClean="0"/>
+              <a:rPr lang="en-US"/>
               <a:t>Second level</a:t>
             </a:r>
           </a:p>
           <a:p>
             <a:pPr lvl="2"/>
             <a:r>
-              <a:rPr lang="en-US" smtClean="0"/>
+              <a:rPr lang="en-US"/>
               <a:t>Third level</a:t>
             </a:r>
           </a:p>
           <a:p>
             <a:pPr lvl="3"/>
             <a:r>
-              <a:rPr lang="en-US" smtClean="0"/>
+              <a:rPr lang="en-US"/>
               <a:t>Fourth level</a:t>
             </a:r>
           </a:p>
           <a:p>
             <a:pPr lvl="4"/>
             <a:r>
-              <a:rPr lang="en-US" smtClean="0"/>
+              <a:rPr lang="en-US"/>
               <a:t>Fifth level</a:t>
             </a:r>
             <a:endParaRPr lang="en-US" dirty="0"/>
@@ -2073,7 +2074,7 @@
           <a:p>
             <a:pPr lvl="0"/>
             <a:r>
-              <a:rPr lang="en-US" smtClean="0"/>
+              <a:rPr lang="en-US"/>
               <a:t>Edit Master text styles</a:t>
             </a:r>
           </a:p>
@@ -2096,7 +2097,7 @@
           <a:p>
             <a:fld id="{BD3583C3-D11B-4712-BAA4-D3100A00F92F}" type="datetimeFigureOut">
               <a:rPr lang="en-US" smtClean="0"/>
-              <a:t>6/6/2022</a:t>
+              <a:t>6/7/2022</a:t>
             </a:fld>
             <a:endParaRPr lang="en-US"/>
           </a:p>
@@ -2199,7 +2200,7 @@
           </a:lstStyle>
           <a:p>
             <a:r>
-              <a:rPr lang="en-US" smtClean="0"/>
+              <a:rPr lang="en-US"/>
               <a:t>Click to edit Master title style</a:t>
             </a:r>
             <a:endParaRPr lang="en-US" dirty="0"/>
@@ -2264,7 +2265,7 @@
           </a:lstStyle>
           <a:p>
             <a:r>
-              <a:rPr lang="en-US" smtClean="0"/>
+              <a:rPr lang="en-US"/>
               <a:t>Click icon to add picture</a:t>
             </a:r>
             <a:endParaRPr lang="en-US" dirty="0"/>
@@ -2330,7 +2331,7 @@
           <a:p>
             <a:pPr lvl="0"/>
             <a:r>
-              <a:rPr lang="en-US" smtClean="0"/>
+              <a:rPr lang="en-US"/>
               <a:t>Edit Master text styles</a:t>
             </a:r>
           </a:p>
@@ -2353,7 +2354,7 @@
           <a:p>
             <a:fld id="{BD3583C3-D11B-4712-BAA4-D3100A00F92F}" type="datetimeFigureOut">
               <a:rPr lang="en-US" smtClean="0"/>
-              <a:t>6/6/2022</a:t>
+              <a:t>6/7/2022</a:t>
             </a:fld>
             <a:endParaRPr lang="en-US"/>
           </a:p>
@@ -2462,7 +2463,7 @@
           <a:lstStyle/>
           <a:p>
             <a:r>
-              <a:rPr lang="en-US" smtClean="0"/>
+              <a:rPr lang="en-US"/>
               <a:t>Click to edit Master title style</a:t>
             </a:r>
             <a:endParaRPr lang="en-US" dirty="0"/>
@@ -2496,35 +2497,35 @@
           <a:p>
             <a:pPr lvl="0"/>
             <a:r>
-              <a:rPr lang="en-US" smtClean="0"/>
+              <a:rPr lang="en-US"/>
               <a:t>Edit Master text styles</a:t>
             </a:r>
           </a:p>
           <a:p>
             <a:pPr lvl="1"/>
             <a:r>
-              <a:rPr lang="en-US" smtClean="0"/>
+              <a:rPr lang="en-US"/>
               <a:t>Second level</a:t>
             </a:r>
           </a:p>
           <a:p>
             <a:pPr lvl="2"/>
             <a:r>
-              <a:rPr lang="en-US" smtClean="0"/>
+              <a:rPr lang="en-US"/>
               <a:t>Third level</a:t>
             </a:r>
           </a:p>
           <a:p>
             <a:pPr lvl="3"/>
             <a:r>
-              <a:rPr lang="en-US" smtClean="0"/>
+              <a:rPr lang="en-US"/>
               <a:t>Fourth level</a:t>
             </a:r>
           </a:p>
           <a:p>
             <a:pPr lvl="4"/>
             <a:r>
-              <a:rPr lang="en-US" smtClean="0"/>
+              <a:rPr lang="en-US"/>
               <a:t>Fifth level</a:t>
             </a:r>
             <a:endParaRPr lang="en-US" dirty="0"/>
@@ -2566,7 +2567,7 @@
           <a:p>
             <a:fld id="{BD3583C3-D11B-4712-BAA4-D3100A00F92F}" type="datetimeFigureOut">
               <a:rPr lang="en-US" smtClean="0"/>
-              <a:t>6/6/2022</a:t>
+              <a:t>6/7/2022</a:t>
             </a:fld>
             <a:endParaRPr lang="en-US"/>
           </a:p>
@@ -2957,6 +2958,16 @@
 <file path=ppt/slides/slide1.xml><?xml version="1.0" encoding="utf-8"?>
 <p:sld xmlns:a="http://schemas.openxmlformats.org/drawingml/2006/main" xmlns:r="http://schemas.openxmlformats.org/officeDocument/2006/relationships" xmlns:p="http://schemas.openxmlformats.org/presentationml/2006/main">
   <p:cSld>
+    <p:bg>
+      <p:bgPr>
+        <a:solidFill>
+          <a:schemeClr val="bg1">
+            <a:alpha val="85000"/>
+          </a:schemeClr>
+        </a:solidFill>
+        <a:effectLst/>
+      </p:bgPr>
+    </p:bg>
     <p:spTree>
       <p:nvGrpSpPr>
         <p:cNvPr id="1" name=""/>
@@ -2971,19 +2982,293 @@
           <a:chExt cx="0" cy="0"/>
         </a:xfrm>
       </p:grpSpPr>
+      <p:pic>
+        <p:nvPicPr>
+          <p:cNvPr id="1030" name="Picture 6" descr="Пустыня Сахара">
+            <a:extLst>
+              <a:ext uri="{FF2B5EF4-FFF2-40B4-BE49-F238E27FC236}">
+                <a16:creationId xmlns:a16="http://schemas.microsoft.com/office/drawing/2014/main" id="{3F4F7144-0D8C-441D-9A54-303B8CA503AD}"/>
+              </a:ext>
+            </a:extLst>
+          </p:cNvPr>
+          <p:cNvPicPr>
+            <a:picLocks noChangeAspect="1" noChangeArrowheads="1"/>
+          </p:cNvPicPr>
+          <p:nvPr/>
+        </p:nvPicPr>
+        <p:blipFill>
+          <a:blip r:embed="rId2">
+            <a:alphaModFix amt="35000"/>
+            <a:extLst>
+              <a:ext uri="{28A0092B-C50C-407E-A947-70E740481C1C}">
+                <a14:useLocalDpi xmlns:a14="http://schemas.microsoft.com/office/drawing/2010/main" val="0"/>
+              </a:ext>
+            </a:extLst>
+          </a:blip>
+          <a:srcRect/>
+          <a:stretch>
+            <a:fillRect/>
+          </a:stretch>
+        </p:blipFill>
+        <p:spPr bwMode="auto">
+          <a:xfrm>
+            <a:off x="100668" y="3406138"/>
+            <a:ext cx="9706062" cy="3324862"/>
+          </a:xfrm>
+          <a:prstGeom prst="rect">
+            <a:avLst/>
+          </a:prstGeom>
+          <a:noFill/>
+          <a:effectLst>
+            <a:softEdge rad="127000"/>
+          </a:effectLst>
+          <a:extLst>
+            <a:ext uri="{909E8E84-426E-40DD-AFC4-6F175D3DCCD1}">
+              <a14:hiddenFill xmlns:a14="http://schemas.microsoft.com/office/drawing/2010/main">
+                <a:solidFill>
+                  <a:srgbClr val="FFFFFF"/>
+                </a:solidFill>
+              </a14:hiddenFill>
+            </a:ext>
+          </a:extLst>
+        </p:spPr>
+      </p:pic>
       <p:cxnSp>
         <p:nvCxnSpPr>
-          <p:cNvPr id="106" name="Straight Connector 105"/>
+          <p:cNvPr id="122" name="Straight Connector 121">
+            <a:extLst>
+              <a:ext uri="{FF2B5EF4-FFF2-40B4-BE49-F238E27FC236}">
+                <a16:creationId xmlns:a16="http://schemas.microsoft.com/office/drawing/2014/main" id="{DD7EC649-5A01-4DFE-B952-058EDBDBD1A0}"/>
+              </a:ext>
+            </a:extLst>
+          </p:cNvPr>
           <p:cNvCxnSpPr>
-            <a:stCxn id="95" idx="3"/>
-            <a:endCxn id="99" idx="2"/>
+            <a:cxnSpLocks/>
+          </p:cNvCxnSpPr>
+          <p:nvPr/>
+        </p:nvCxnSpPr>
+        <p:spPr>
+          <a:xfrm>
+            <a:off x="7850385" y="4654356"/>
+            <a:ext cx="1185919" cy="1208226"/>
+          </a:xfrm>
+          <a:prstGeom prst="line">
+            <a:avLst/>
+          </a:prstGeom>
+          <a:ln w="63500">
+            <a:solidFill>
+              <a:schemeClr val="tx1"/>
+            </a:solidFill>
+          </a:ln>
+        </p:spPr>
+        <p:style>
+          <a:lnRef idx="1">
+            <a:schemeClr val="accent1"/>
+          </a:lnRef>
+          <a:fillRef idx="0">
+            <a:schemeClr val="accent1"/>
+          </a:fillRef>
+          <a:effectRef idx="0">
+            <a:schemeClr val="accent1"/>
+          </a:effectRef>
+          <a:fontRef idx="minor">
+            <a:schemeClr val="tx1"/>
+          </a:fontRef>
+        </p:style>
+      </p:cxnSp>
+      <p:cxnSp>
+        <p:nvCxnSpPr>
+          <p:cNvPr id="123" name="Straight Connector 122">
+            <a:extLst>
+              <a:ext uri="{FF2B5EF4-FFF2-40B4-BE49-F238E27FC236}">
+                <a16:creationId xmlns:a16="http://schemas.microsoft.com/office/drawing/2014/main" id="{CB1A49BC-701F-4219-ACFA-756684169A0B}"/>
+              </a:ext>
+            </a:extLst>
+          </p:cNvPr>
+          <p:cNvCxnSpPr>
+            <a:cxnSpLocks/>
+          </p:cNvCxnSpPr>
+          <p:nvPr/>
+        </p:nvCxnSpPr>
+        <p:spPr>
+          <a:xfrm flipH="1">
+            <a:off x="8067818" y="2927380"/>
+            <a:ext cx="996024" cy="1196053"/>
+          </a:xfrm>
+          <a:prstGeom prst="line">
+            <a:avLst/>
+          </a:prstGeom>
+          <a:ln w="63500">
+            <a:solidFill>
+              <a:schemeClr val="tx1"/>
+            </a:solidFill>
+          </a:ln>
+        </p:spPr>
+        <p:style>
+          <a:lnRef idx="1">
+            <a:schemeClr val="accent1"/>
+          </a:lnRef>
+          <a:fillRef idx="0">
+            <a:schemeClr val="accent1"/>
+          </a:fillRef>
+          <a:effectRef idx="0">
+            <a:schemeClr val="accent1"/>
+          </a:effectRef>
+          <a:fontRef idx="minor">
+            <a:schemeClr val="tx1"/>
+          </a:fontRef>
+        </p:style>
+      </p:cxnSp>
+      <p:cxnSp>
+        <p:nvCxnSpPr>
+          <p:cNvPr id="109" name="Straight Connector 108">
+            <a:extLst>
+              <a:ext uri="{FF2B5EF4-FFF2-40B4-BE49-F238E27FC236}">
+                <a16:creationId xmlns:a16="http://schemas.microsoft.com/office/drawing/2014/main" id="{CE4B7DDB-B9AA-4A7A-AB58-21E51A45EC7C}"/>
+              </a:ext>
+            </a:extLst>
+          </p:cNvPr>
+          <p:cNvCxnSpPr>
+            <a:cxnSpLocks/>
+          </p:cNvCxnSpPr>
+          <p:nvPr/>
+        </p:nvCxnSpPr>
+        <p:spPr>
+          <a:xfrm flipH="1">
+            <a:off x="5531181" y="4556787"/>
+            <a:ext cx="1876505" cy="1598564"/>
+          </a:xfrm>
+          <a:prstGeom prst="line">
+            <a:avLst/>
+          </a:prstGeom>
+          <a:ln w="63500">
+            <a:solidFill>
+              <a:schemeClr val="tx1"/>
+            </a:solidFill>
+          </a:ln>
+        </p:spPr>
+        <p:style>
+          <a:lnRef idx="1">
+            <a:schemeClr val="accent1"/>
+          </a:lnRef>
+          <a:fillRef idx="0">
+            <a:schemeClr val="accent1"/>
+          </a:fillRef>
+          <a:effectRef idx="0">
+            <a:schemeClr val="accent1"/>
+          </a:effectRef>
+          <a:fontRef idx="minor">
+            <a:schemeClr val="tx1"/>
+          </a:fontRef>
+        </p:style>
+      </p:cxnSp>
+      <p:cxnSp>
+        <p:nvCxnSpPr>
+          <p:cNvPr id="103" name="Straight Connector 102">
+            <a:extLst>
+              <a:ext uri="{FF2B5EF4-FFF2-40B4-BE49-F238E27FC236}">
+                <a16:creationId xmlns:a16="http://schemas.microsoft.com/office/drawing/2014/main" id="{DF41597B-EBD6-469F-983A-2D2C91609634}"/>
+              </a:ext>
+            </a:extLst>
+          </p:cNvPr>
+          <p:cNvCxnSpPr>
+            <a:cxnSpLocks/>
+            <a:endCxn id="108" idx="3"/>
+          </p:cNvCxnSpPr>
+          <p:nvPr/>
+        </p:nvCxnSpPr>
+        <p:spPr>
+          <a:xfrm>
+            <a:off x="4271613" y="4890364"/>
+            <a:ext cx="1408262" cy="1141177"/>
+          </a:xfrm>
+          <a:prstGeom prst="line">
+            <a:avLst/>
+          </a:prstGeom>
+          <a:ln w="63500">
+            <a:solidFill>
+              <a:schemeClr val="tx1"/>
+            </a:solidFill>
+          </a:ln>
+        </p:spPr>
+        <p:style>
+          <a:lnRef idx="1">
+            <a:schemeClr val="accent1"/>
+          </a:lnRef>
+          <a:fillRef idx="0">
+            <a:schemeClr val="accent1"/>
+          </a:fillRef>
+          <a:effectRef idx="0">
+            <a:schemeClr val="accent1"/>
+          </a:effectRef>
+          <a:fontRef idx="minor">
+            <a:schemeClr val="tx1"/>
+          </a:fontRef>
+        </p:style>
+      </p:cxnSp>
+      <p:cxnSp>
+        <p:nvCxnSpPr>
+          <p:cNvPr id="102" name="Straight Connector 101">
+            <a:extLst>
+              <a:ext uri="{FF2B5EF4-FFF2-40B4-BE49-F238E27FC236}">
+                <a16:creationId xmlns:a16="http://schemas.microsoft.com/office/drawing/2014/main" id="{21F8BADD-9E5D-4244-B754-3F98821FC949}"/>
+              </a:ext>
+            </a:extLst>
+          </p:cNvPr>
+          <p:cNvCxnSpPr>
+            <a:cxnSpLocks/>
+            <a:stCxn id="66" idx="3"/>
+          </p:cNvCxnSpPr>
+          <p:nvPr/>
+        </p:nvCxnSpPr>
+        <p:spPr>
+          <a:xfrm flipV="1">
+            <a:off x="2869208" y="4924234"/>
+            <a:ext cx="1292020" cy="698258"/>
+          </a:xfrm>
+          <a:prstGeom prst="line">
+            <a:avLst/>
+          </a:prstGeom>
+          <a:ln w="63500">
+            <a:solidFill>
+              <a:schemeClr val="tx1"/>
+            </a:solidFill>
+          </a:ln>
+        </p:spPr>
+        <p:style>
+          <a:lnRef idx="1">
+            <a:schemeClr val="accent1"/>
+          </a:lnRef>
+          <a:fillRef idx="0">
+            <a:schemeClr val="accent1"/>
+          </a:fillRef>
+          <a:effectRef idx="0">
+            <a:schemeClr val="accent1"/>
+          </a:effectRef>
+          <a:fontRef idx="minor">
+            <a:schemeClr val="tx1"/>
+          </a:fontRef>
+        </p:style>
+      </p:cxnSp>
+      <p:cxnSp>
+        <p:nvCxnSpPr>
+          <p:cNvPr id="68" name="Straight Connector 67">
+            <a:extLst>
+              <a:ext uri="{FF2B5EF4-FFF2-40B4-BE49-F238E27FC236}">
+                <a16:creationId xmlns:a16="http://schemas.microsoft.com/office/drawing/2014/main" id="{682D8120-600F-41B7-B992-E411B32A444A}"/>
+              </a:ext>
+            </a:extLst>
+          </p:cNvPr>
+          <p:cNvCxnSpPr>
+            <a:cxnSpLocks/>
+            <a:stCxn id="66" idx="3"/>
           </p:cNvCxnSpPr>
           <p:nvPr/>
         </p:nvCxnSpPr>
         <p:spPr>
           <a:xfrm flipH="1" flipV="1">
-            <a:off x="2250711" y="2971084"/>
-            <a:ext cx="1102634" cy="869430"/>
+            <a:off x="1130694" y="4702982"/>
+            <a:ext cx="1738514" cy="919510"/>
           </a:xfrm>
           <a:prstGeom prst="line">
             <a:avLst/>
@@ -3018,7 +3303,8 @@
           <p:nvPr/>
         </p:nvPicPr>
         <p:blipFill>
-          <a:blip r:embed="rId2" cstate="print">
+          <a:blip r:embed="rId3" cstate="print">
+            <a:alphaModFix amt="50000"/>
             <a:extLst>
               <a:ext uri="{28A0092B-C50C-407E-A947-70E740481C1C}">
                 <a14:useLocalDpi xmlns:a14="http://schemas.microsoft.com/office/drawing/2010/main" val="0"/>
@@ -3032,8 +3318,8 @@
         </p:blipFill>
         <p:spPr bwMode="auto">
           <a:xfrm>
-            <a:off x="1172553" y="-86375"/>
-            <a:ext cx="3370100" cy="1987633"/>
+            <a:off x="1" y="-86376"/>
+            <a:ext cx="4950850" cy="3324862"/>
           </a:xfrm>
           <a:prstGeom prst="rect">
             <a:avLst/>
@@ -3053,6 +3339,138 @@
           </a:extLst>
         </p:spPr>
       </p:pic>
+      <p:pic>
+        <p:nvPicPr>
+          <p:cNvPr id="5" name="Picture 4" descr="Картинки Природа Леса болотом мхом Деревья">
+            <a:extLst>
+              <a:ext uri="{FF2B5EF4-FFF2-40B4-BE49-F238E27FC236}">
+                <a16:creationId xmlns:a16="http://schemas.microsoft.com/office/drawing/2014/main" id="{D1869DB3-6694-4A04-94DA-6E7C32D1F4CF}"/>
+              </a:ext>
+            </a:extLst>
+          </p:cNvPr>
+          <p:cNvPicPr>
+            <a:picLocks noChangeAspect="1" noChangeArrowheads="1"/>
+          </p:cNvPicPr>
+          <p:nvPr/>
+        </p:nvPicPr>
+        <p:blipFill>
+          <a:blip r:embed="rId4" cstate="print">
+            <a:alphaModFix amt="35000"/>
+            <a:extLst>
+              <a:ext uri="{28A0092B-C50C-407E-A947-70E740481C1C}">
+                <a14:useLocalDpi xmlns:a14="http://schemas.microsoft.com/office/drawing/2010/main" val="0"/>
+              </a:ext>
+            </a:extLst>
+          </a:blip>
+          <a:srcRect/>
+          <a:stretch>
+            <a:fillRect/>
+          </a:stretch>
+        </p:blipFill>
+        <p:spPr bwMode="auto">
+          <a:xfrm>
+            <a:off x="4979295" y="-46047"/>
+            <a:ext cx="4966163" cy="3306000"/>
+          </a:xfrm>
+          <a:prstGeom prst="rect">
+            <a:avLst/>
+          </a:prstGeom>
+          <a:noFill/>
+          <a:effectLst>
+            <a:softEdge rad="304800"/>
+          </a:effectLst>
+          <a:extLst>
+            <a:ext uri="{909E8E84-426E-40DD-AFC4-6F175D3DCCD1}">
+              <a14:hiddenFill xmlns:a14="http://schemas.microsoft.com/office/drawing/2010/main">
+                <a:solidFill>
+                  <a:srgbClr val="FFFFFF"/>
+                </a:solidFill>
+              </a14:hiddenFill>
+            </a:ext>
+          </a:extLst>
+        </p:spPr>
+      </p:pic>
+      <p:cxnSp>
+        <p:nvCxnSpPr>
+          <p:cNvPr id="55" name="Straight Connector 54">
+            <a:extLst>
+              <a:ext uri="{FF2B5EF4-FFF2-40B4-BE49-F238E27FC236}">
+                <a16:creationId xmlns:a16="http://schemas.microsoft.com/office/drawing/2014/main" id="{974BB0DF-34C3-45E4-AC7F-EC2C340A3C42}"/>
+              </a:ext>
+            </a:extLst>
+          </p:cNvPr>
+          <p:cNvCxnSpPr>
+            <a:cxnSpLocks/>
+          </p:cNvCxnSpPr>
+          <p:nvPr/>
+        </p:nvCxnSpPr>
+        <p:spPr>
+          <a:xfrm flipH="1">
+            <a:off x="1280916" y="3224202"/>
+            <a:ext cx="716025" cy="1342927"/>
+          </a:xfrm>
+          <a:prstGeom prst="line">
+            <a:avLst/>
+          </a:prstGeom>
+          <a:ln w="63500">
+            <a:solidFill>
+              <a:schemeClr val="tx1"/>
+            </a:solidFill>
+          </a:ln>
+        </p:spPr>
+        <p:style>
+          <a:lnRef idx="1">
+            <a:schemeClr val="accent1"/>
+          </a:lnRef>
+          <a:fillRef idx="0">
+            <a:schemeClr val="accent1"/>
+          </a:fillRef>
+          <a:effectRef idx="0">
+            <a:schemeClr val="accent1"/>
+          </a:effectRef>
+          <a:fontRef idx="minor">
+            <a:schemeClr val="tx1"/>
+          </a:fontRef>
+        </p:style>
+      </p:cxnSp>
+      <p:cxnSp>
+        <p:nvCxnSpPr>
+          <p:cNvPr id="106" name="Straight Connector 105"/>
+          <p:cNvCxnSpPr>
+            <a:stCxn id="95" idx="3"/>
+            <a:endCxn id="99" idx="2"/>
+          </p:cNvCxnSpPr>
+          <p:nvPr/>
+        </p:nvCxnSpPr>
+        <p:spPr>
+          <a:xfrm flipH="1" flipV="1">
+            <a:off x="2006918" y="3080141"/>
+            <a:ext cx="1346427" cy="760373"/>
+          </a:xfrm>
+          <a:prstGeom prst="line">
+            <a:avLst/>
+          </a:prstGeom>
+          <a:ln w="63500">
+            <a:solidFill>
+              <a:schemeClr val="tx1"/>
+            </a:solidFill>
+          </a:ln>
+        </p:spPr>
+        <p:style>
+          <a:lnRef idx="1">
+            <a:schemeClr val="accent1"/>
+          </a:lnRef>
+          <a:fillRef idx="0">
+            <a:schemeClr val="accent1"/>
+          </a:fillRef>
+          <a:effectRef idx="0">
+            <a:schemeClr val="accent1"/>
+          </a:effectRef>
+          <a:fontRef idx="minor">
+            <a:schemeClr val="tx1"/>
+          </a:fontRef>
+        </p:style>
+      </p:cxnSp>
       <p:cxnSp>
         <p:nvCxnSpPr>
           <p:cNvPr id="22" name="Straight Connector 21"/>
@@ -3349,7 +3767,7 @@
           <p:nvPr/>
         </p:nvPicPr>
         <p:blipFill>
-          <a:blip r:embed="rId3" cstate="print">
+          <a:blip r:embed="rId5" cstate="print">
             <a:extLst>
               <a:ext uri="{28A0092B-C50C-407E-A947-70E740481C1C}">
                 <a14:useLocalDpi xmlns:a14="http://schemas.microsoft.com/office/drawing/2010/main" val="0"/>
@@ -3363,14 +3781,14 @@
         </p:blipFill>
         <p:spPr bwMode="auto">
           <a:xfrm>
-            <a:off x="6304525" y="780918"/>
-            <a:ext cx="1261938" cy="1226364"/>
+            <a:off x="6304524" y="597538"/>
+            <a:ext cx="1450637" cy="1409744"/>
           </a:xfrm>
           <a:prstGeom prst="ellipse">
             <a:avLst/>
           </a:prstGeom>
           <a:noFill/>
-          <a:ln w="44450">
+          <a:ln w="63500">
             <a:solidFill>
               <a:srgbClr val="C00000"/>
             </a:solidFill>
@@ -3402,7 +3820,7 @@
           <p:nvPr/>
         </p:nvPicPr>
         <p:blipFill>
-          <a:blip r:embed="rId4" cstate="print">
+          <a:blip r:embed="rId6" cstate="print">
             <a:extLst>
               <a:ext uri="{28A0092B-C50C-407E-A947-70E740481C1C}">
                 <a14:useLocalDpi xmlns:a14="http://schemas.microsoft.com/office/drawing/2010/main" val="0"/>
@@ -3423,7 +3841,7 @@
             <a:avLst/>
           </a:prstGeom>
           <a:noFill/>
-          <a:ln w="50800">
+          <a:ln w="63500">
             <a:solidFill>
               <a:schemeClr val="accent6">
                 <a:lumMod val="75000"/>
@@ -3458,7 +3876,7 @@
           <p:nvPr/>
         </p:nvPicPr>
         <p:blipFill>
-          <a:blip r:embed="rId5">
+          <a:blip r:embed="rId7">
             <a:extLst>
               <a:ext uri="{28A0092B-C50C-407E-A947-70E740481C1C}">
                 <a14:useLocalDpi xmlns:a14="http://schemas.microsoft.com/office/drawing/2010/main" val="0"/>
@@ -3479,7 +3897,7 @@
             <a:avLst/>
           </a:prstGeom>
           <a:noFill/>
-          <a:ln w="50800">
+          <a:ln w="63500">
             <a:solidFill>
               <a:schemeClr val="accent6">
                 <a:lumMod val="75000"/>
@@ -3527,7 +3945,7 @@
             <p:nvPr/>
           </p:nvPicPr>
           <p:blipFill>
-            <a:blip r:embed="rId6"/>
+            <a:blip r:embed="rId8"/>
             <a:stretch>
               <a:fillRect/>
             </a:stretch>
@@ -3572,7 +3990,7 @@
             <a:lstStyle/>
             <a:p>
               <a:r>
-                <a:rPr lang="nl-NL" sz="3200" dirty="0" smtClean="0">
+                <a:rPr lang="nl-NL" sz="3200" dirty="0">
                   <a:solidFill>
                     <a:schemeClr val="accent6">
                       <a:lumMod val="75000"/>
@@ -3580,7 +3998,7 @@
                   </a:solidFill>
                   <a:latin typeface="Cooper Black" panose="0208090404030B020404" pitchFamily="18" charset="0"/>
                 </a:rPr>
-                <a:t>+8</a:t>
+                <a:t>+3</a:t>
               </a:r>
               <a:endParaRPr lang="en-US" sz="3200" dirty="0">
                 <a:solidFill>
@@ -3602,7 +4020,7 @@
         </p:nvGrpSpPr>
         <p:grpSpPr>
           <a:xfrm>
-            <a:off x="6501811" y="1984201"/>
+            <a:off x="6571632" y="1938672"/>
             <a:ext cx="911294" cy="584775"/>
             <a:chOff x="6563464" y="1499260"/>
             <a:chExt cx="911294" cy="584775"/>
@@ -3617,7 +4035,7 @@
             <p:nvPr/>
           </p:nvPicPr>
           <p:blipFill>
-            <a:blip r:embed="rId6"/>
+            <a:blip r:embed="rId8"/>
             <a:stretch>
               <a:fillRect/>
             </a:stretch>
@@ -3660,7 +4078,7 @@
             <a:lstStyle/>
             <a:p>
               <a:r>
-                <a:rPr lang="nl-NL" sz="3200" dirty="0" smtClean="0">
+                <a:rPr lang="nl-NL" sz="3200" dirty="0">
                   <a:solidFill>
                     <a:srgbClr val="C00000"/>
                   </a:solidFill>
@@ -3761,7 +4179,7 @@
             <p:nvPr/>
           </p:nvPicPr>
           <p:blipFill>
-            <a:blip r:embed="rId6"/>
+            <a:blip r:embed="rId8"/>
             <a:stretch>
               <a:fillRect/>
             </a:stretch>
@@ -3804,7 +4222,7 @@
             <a:lstStyle/>
             <a:p>
               <a:r>
-                <a:rPr lang="nl-NL" sz="3200" dirty="0" smtClean="0">
+                <a:rPr lang="nl-NL" sz="3200" dirty="0">
                   <a:solidFill>
                     <a:schemeClr val="accent2">
                       <a:lumMod val="75000"/>
@@ -3849,7 +4267,7 @@
             <p:nvPr/>
           </p:nvPicPr>
           <p:blipFill>
-            <a:blip r:embed="rId6"/>
+            <a:blip r:embed="rId8"/>
             <a:stretch>
               <a:fillRect/>
             </a:stretch>
@@ -3897,7 +4315,7 @@
             <a:lstStyle/>
             <a:p>
               <a:r>
-                <a:rPr lang="nl-NL" sz="3200" dirty="0" smtClean="0">
+                <a:rPr lang="nl-NL" sz="3200" dirty="0">
                   <a:solidFill>
                     <a:schemeClr val="accent6">
                       <a:lumMod val="75000"/>
@@ -3956,7 +4374,7 @@
           <a:lstStyle/>
           <a:p>
             <a:r>
-              <a:rPr lang="nl-NL" sz="2400" dirty="0" smtClean="0">
+              <a:rPr lang="nl-NL" sz="2400" dirty="0">
                 <a:latin typeface="Cooper Black" panose="0208090404030B020404" pitchFamily="18" charset="0"/>
               </a:rPr>
               <a:t>1...3</a:t>
@@ -3975,7 +4393,7 @@
         </p:nvSpPr>
         <p:spPr>
           <a:xfrm rot="20695039">
-            <a:off x="7651679" y="617414"/>
+            <a:off x="7800891" y="582549"/>
             <a:ext cx="832279" cy="461665"/>
           </a:xfrm>
           <a:prstGeom prst="rect">
@@ -3993,13 +4411,7 @@
               <a:rPr lang="nl-NL" sz="2400" dirty="0">
                 <a:latin typeface="Cooper Black" panose="0208090404030B020404" pitchFamily="18" charset="0"/>
               </a:rPr>
-              <a:t>4</a:t>
-            </a:r>
-            <a:r>
-              <a:rPr lang="nl-NL" sz="2400" dirty="0" smtClean="0">
-                <a:latin typeface="Cooper Black" panose="0208090404030B020404" pitchFamily="18" charset="0"/>
-              </a:rPr>
-              <a:t>...6</a:t>
+              <a:t>4...6</a:t>
             </a:r>
             <a:endParaRPr lang="en-US" sz="2400" dirty="0">
               <a:latin typeface="Cooper Black" panose="0208090404030B020404" pitchFamily="18" charset="0"/>
@@ -4090,7 +4502,7 @@
             <p:nvPr/>
           </p:nvPicPr>
           <p:blipFill>
-            <a:blip r:embed="rId6"/>
+            <a:blip r:embed="rId8"/>
             <a:stretch>
               <a:fillRect/>
             </a:stretch>
@@ -4133,7 +4545,7 @@
             <a:lstStyle/>
             <a:p>
               <a:r>
-                <a:rPr lang="nl-NL" sz="3200" dirty="0" smtClean="0">
+                <a:rPr lang="nl-NL" sz="3200" dirty="0">
                   <a:solidFill>
                     <a:schemeClr val="accent2">
                       <a:lumMod val="75000"/>
@@ -4238,7 +4650,7 @@
             <p:nvPr/>
           </p:nvPicPr>
           <p:blipFill>
-            <a:blip r:embed="rId6"/>
+            <a:blip r:embed="rId8"/>
             <a:stretch>
               <a:fillRect/>
             </a:stretch>
@@ -4281,7 +4693,7 @@
             <a:lstStyle/>
             <a:p>
               <a:r>
-                <a:rPr lang="ru-RU" sz="3200" dirty="0" smtClean="0">
+                <a:rPr lang="ru-RU" sz="3200" dirty="0">
                   <a:solidFill>
                     <a:srgbClr val="C00000"/>
                   </a:solidFill>
@@ -4382,7 +4794,7 @@
             <p:nvPr/>
           </p:nvPicPr>
           <p:blipFill>
-            <a:blip r:embed="rId6"/>
+            <a:blip r:embed="rId8"/>
             <a:stretch>
               <a:fillRect/>
             </a:stretch>
@@ -4425,7 +4837,7 @@
             <a:lstStyle/>
             <a:p>
               <a:r>
-                <a:rPr lang="ru-RU" sz="3200" dirty="0" smtClean="0">
+                <a:rPr lang="ru-RU" sz="3200" dirty="0">
                   <a:solidFill>
                     <a:srgbClr val="C00000"/>
                   </a:solidFill>
@@ -4526,7 +4938,7 @@
             <p:nvPr/>
           </p:nvPicPr>
           <p:blipFill>
-            <a:blip r:embed="rId6"/>
+            <a:blip r:embed="rId8"/>
             <a:stretch>
               <a:fillRect/>
             </a:stretch>
@@ -4569,7 +4981,7 @@
             <a:lstStyle/>
             <a:p>
               <a:r>
-                <a:rPr lang="ru-RU" sz="3200" dirty="0" smtClean="0">
+                <a:rPr lang="ru-RU" sz="3200" dirty="0">
                   <a:solidFill>
                     <a:srgbClr val="C00000"/>
                   </a:solidFill>
@@ -4670,7 +5082,7 @@
             <p:nvPr/>
           </p:nvPicPr>
           <p:blipFill>
-            <a:blip r:embed="rId6"/>
+            <a:blip r:embed="rId8"/>
             <a:stretch>
               <a:fillRect/>
             </a:stretch>
@@ -4713,7 +5125,7 @@
             <a:lstStyle/>
             <a:p>
               <a:r>
-                <a:rPr lang="nl-NL" sz="3200" dirty="0" smtClean="0">
+                <a:rPr lang="nl-NL" sz="3200" dirty="0">
                   <a:solidFill>
                     <a:schemeClr val="accent2">
                       <a:lumMod val="75000"/>
@@ -4743,7 +5155,7 @@
         </p:nvGrpSpPr>
         <p:grpSpPr>
           <a:xfrm>
-            <a:off x="1892242" y="2585173"/>
+            <a:off x="1648449" y="2694230"/>
             <a:ext cx="799061" cy="768207"/>
             <a:chOff x="2134230" y="1207242"/>
             <a:chExt cx="799061" cy="768207"/>
@@ -4818,7 +5230,7 @@
             <p:nvPr/>
           </p:nvPicPr>
           <p:blipFill>
-            <a:blip r:embed="rId6"/>
+            <a:blip r:embed="rId8"/>
             <a:stretch>
               <a:fillRect/>
             </a:stretch>
@@ -4861,7 +5273,3676 @@
             <a:lstStyle/>
             <a:p>
               <a:r>
-                <a:rPr lang="nl-NL" sz="3200" dirty="0" smtClean="0">
+                <a:rPr lang="nl-NL" sz="3200" dirty="0">
+                  <a:solidFill>
+                    <a:schemeClr val="accent2">
+                      <a:lumMod val="75000"/>
+                    </a:schemeClr>
+                  </a:solidFill>
+                  <a:latin typeface="Cooper Black" panose="0208090404030B020404" pitchFamily="18" charset="0"/>
+                </a:rPr>
+                <a:t>0</a:t>
+              </a:r>
+              <a:endParaRPr lang="en-US" sz="3200" dirty="0">
+                <a:solidFill>
+                  <a:schemeClr val="accent2">
+                    <a:lumMod val="75000"/>
+                  </a:schemeClr>
+                </a:solidFill>
+                <a:latin typeface="Cooper Black" panose="0208090404030B020404" pitchFamily="18" charset="0"/>
+              </a:endParaRPr>
+            </a:p>
+          </p:txBody>
+        </p:sp>
+      </p:grpSp>
+      <p:pic>
+        <p:nvPicPr>
+          <p:cNvPr id="2" name="Picture 2" descr="Must explore markets in Old Delhi for ardent shoppers | Times of India  Travel">
+            <a:extLst>
+              <a:ext uri="{FF2B5EF4-FFF2-40B4-BE49-F238E27FC236}">
+                <a16:creationId xmlns:a16="http://schemas.microsoft.com/office/drawing/2014/main" id="{0FE23F11-0A02-4B5B-92C8-409B00D337D8}"/>
+              </a:ext>
+            </a:extLst>
+          </p:cNvPr>
+          <p:cNvPicPr>
+            <a:picLocks noChangeAspect="1" noChangeArrowheads="1"/>
+          </p:cNvPicPr>
+          <p:nvPr/>
+        </p:nvPicPr>
+        <p:blipFill>
+          <a:blip r:embed="rId9" cstate="print">
+            <a:extLst>
+              <a:ext uri="{28A0092B-C50C-407E-A947-70E740481C1C}">
+                <a14:useLocalDpi xmlns:a14="http://schemas.microsoft.com/office/drawing/2010/main" val="0"/>
+              </a:ext>
+            </a:extLst>
+          </a:blip>
+          <a:srcRect/>
+          <a:stretch>
+            <a:fillRect/>
+          </a:stretch>
+        </p:blipFill>
+        <p:spPr bwMode="auto">
+          <a:xfrm>
+            <a:off x="545864" y="3898514"/>
+            <a:ext cx="1578433" cy="1511684"/>
+          </a:xfrm>
+          <a:prstGeom prst="ellipse">
+            <a:avLst/>
+          </a:prstGeom>
+          <a:noFill/>
+          <a:ln w="63500">
+            <a:solidFill>
+              <a:schemeClr val="accent5"/>
+            </a:solidFill>
+          </a:ln>
+          <a:scene3d>
+            <a:camera prst="orthographicFront"/>
+            <a:lightRig rig="threePt" dir="t"/>
+          </a:scene3d>
+          <a:sp3d>
+            <a:bevelT prst="angle"/>
+          </a:sp3d>
+          <a:extLst>
+            <a:ext uri="{909E8E84-426E-40DD-AFC4-6F175D3DCCD1}">
+              <a14:hiddenFill xmlns:a14="http://schemas.microsoft.com/office/drawing/2010/main">
+                <a:solidFill>
+                  <a:srgbClr val="FFFFFF"/>
+                </a:solidFill>
+              </a14:hiddenFill>
+            </a:ext>
+          </a:extLst>
+        </p:spPr>
+      </p:pic>
+      <p:grpSp>
+        <p:nvGrpSpPr>
+          <p:cNvPr id="61" name="Group 60">
+            <a:extLst>
+              <a:ext uri="{FF2B5EF4-FFF2-40B4-BE49-F238E27FC236}">
+                <a16:creationId xmlns:a16="http://schemas.microsoft.com/office/drawing/2014/main" id="{7F1DED5E-C2B2-4F50-9A8E-684A3349BE32}"/>
+              </a:ext>
+            </a:extLst>
+          </p:cNvPr>
+          <p:cNvGrpSpPr/>
+          <p:nvPr/>
+        </p:nvGrpSpPr>
+        <p:grpSpPr>
+          <a:xfrm>
+            <a:off x="2437680" y="5244415"/>
+            <a:ext cx="799061" cy="768207"/>
+            <a:chOff x="2134230" y="1207242"/>
+            <a:chExt cx="799061" cy="768207"/>
+          </a:xfrm>
+        </p:grpSpPr>
+        <p:sp>
+          <p:nvSpPr>
+            <p:cNvPr id="64" name="Oval 63">
+              <a:extLst>
+                <a:ext uri="{FF2B5EF4-FFF2-40B4-BE49-F238E27FC236}">
+                  <a16:creationId xmlns:a16="http://schemas.microsoft.com/office/drawing/2014/main" id="{13B8A4E0-AFC3-4461-87BA-AD86B8ADC91F}"/>
+                </a:ext>
+              </a:extLst>
+            </p:cNvPr>
+            <p:cNvSpPr/>
+            <p:nvPr/>
+          </p:nvSpPr>
+          <p:spPr>
+            <a:xfrm>
+              <a:off x="2150838" y="1207242"/>
+              <a:ext cx="782453" cy="768207"/>
+            </a:xfrm>
+            <a:prstGeom prst="ellipse">
+              <a:avLst/>
+            </a:prstGeom>
+            <a:solidFill>
+              <a:schemeClr val="accent4"/>
+            </a:solidFill>
+            <a:ln w="25400">
+              <a:solidFill>
+                <a:schemeClr val="tx1"/>
+              </a:solidFill>
+            </a:ln>
+            <a:effectLst>
+              <a:outerShdw blurRad="63500" sx="102000" sy="102000" algn="ctr" rotWithShape="0">
+                <a:prstClr val="black">
+                  <a:alpha val="40000"/>
+                </a:prstClr>
+              </a:outerShdw>
+            </a:effectLst>
+          </p:spPr>
+          <p:style>
+            <a:lnRef idx="2">
+              <a:schemeClr val="accent1">
+                <a:shade val="50000"/>
+              </a:schemeClr>
+            </a:lnRef>
+            <a:fillRef idx="1">
+              <a:schemeClr val="accent1"/>
+            </a:fillRef>
+            <a:effectRef idx="0">
+              <a:schemeClr val="accent1"/>
+            </a:effectRef>
+            <a:fontRef idx="minor">
+              <a:schemeClr val="lt1"/>
+            </a:fontRef>
+          </p:style>
+          <p:txBody>
+            <a:bodyPr rot="0" spcFirstLastPara="0" vertOverflow="overflow" horzOverflow="overflow" vert="horz" wrap="square" lIns="74295" tIns="37148" rIns="74295" bIns="37148" numCol="1" spcCol="0" rtlCol="0" fromWordArt="0" anchor="ctr" anchorCtr="0" forceAA="0" compatLnSpc="1">
+              <a:prstTxWarp prst="textNoShape">
+                <a:avLst/>
+              </a:prstTxWarp>
+              <a:noAutofit/>
+            </a:bodyPr>
+            <a:lstStyle/>
+            <a:p>
+              <a:pPr algn="ctr"/>
+              <a:endParaRPr lang="en-US" sz="1463"/>
+            </a:p>
+          </p:txBody>
+        </p:sp>
+        <p:pic>
+          <p:nvPicPr>
+            <p:cNvPr id="65" name="Picture 64">
+              <a:extLst>
+                <a:ext uri="{FF2B5EF4-FFF2-40B4-BE49-F238E27FC236}">
+                  <a16:creationId xmlns:a16="http://schemas.microsoft.com/office/drawing/2014/main" id="{93B5B05F-58DF-4D68-B2F2-152689992F54}"/>
+                </a:ext>
+              </a:extLst>
+            </p:cNvPr>
+            <p:cNvPicPr>
+              <a:picLocks noChangeAspect="1"/>
+            </p:cNvPicPr>
+            <p:nvPr/>
+          </p:nvPicPr>
+          <p:blipFill>
+            <a:blip r:embed="rId8"/>
+            <a:stretch>
+              <a:fillRect/>
+            </a:stretch>
+          </p:blipFill>
+          <p:spPr>
+            <a:xfrm>
+              <a:off x="2492699" y="1409333"/>
+              <a:ext cx="367640" cy="367640"/>
+            </a:xfrm>
+            <a:prstGeom prst="ellipse">
+              <a:avLst/>
+            </a:prstGeom>
+            <a:ln w="25400">
+              <a:solidFill>
+                <a:schemeClr val="accent2"/>
+              </a:solidFill>
+            </a:ln>
+          </p:spPr>
+        </p:pic>
+        <p:sp>
+          <p:nvSpPr>
+            <p:cNvPr id="66" name="TextBox 65">
+              <a:extLst>
+                <a:ext uri="{FF2B5EF4-FFF2-40B4-BE49-F238E27FC236}">
+                  <a16:creationId xmlns:a16="http://schemas.microsoft.com/office/drawing/2014/main" id="{31B4344A-F38A-4BB7-9A9D-D432D9AA400C}"/>
+                </a:ext>
+              </a:extLst>
+            </p:cNvPr>
+            <p:cNvSpPr txBox="1"/>
+            <p:nvPr/>
+          </p:nvSpPr>
+          <p:spPr>
+            <a:xfrm>
+              <a:off x="2134230" y="1292931"/>
+              <a:ext cx="431528" cy="584775"/>
+            </a:xfrm>
+            <a:prstGeom prst="rect">
+              <a:avLst/>
+            </a:prstGeom>
+            <a:noFill/>
+          </p:spPr>
+          <p:txBody>
+            <a:bodyPr wrap="none" rtlCol="0">
+              <a:spAutoFit/>
+            </a:bodyPr>
+            <a:lstStyle/>
+            <a:p>
+              <a:r>
+                <a:rPr lang="nl-NL" sz="3200" dirty="0">
+                  <a:solidFill>
+                    <a:schemeClr val="accent2">
+                      <a:lumMod val="75000"/>
+                    </a:schemeClr>
+                  </a:solidFill>
+                  <a:latin typeface="Cooper Black" panose="0208090404030B020404" pitchFamily="18" charset="0"/>
+                </a:rPr>
+                <a:t>0</a:t>
+              </a:r>
+              <a:endParaRPr lang="en-US" sz="3200" dirty="0">
+                <a:solidFill>
+                  <a:schemeClr val="accent2">
+                    <a:lumMod val="75000"/>
+                  </a:schemeClr>
+                </a:solidFill>
+                <a:latin typeface="Cooper Black" panose="0208090404030B020404" pitchFamily="18" charset="0"/>
+              </a:endParaRPr>
+            </a:p>
+          </p:txBody>
+        </p:sp>
+      </p:grpSp>
+      <p:grpSp>
+        <p:nvGrpSpPr>
+          <p:cNvPr id="104" name="Group 103">
+            <a:extLst>
+              <a:ext uri="{FF2B5EF4-FFF2-40B4-BE49-F238E27FC236}">
+                <a16:creationId xmlns:a16="http://schemas.microsoft.com/office/drawing/2014/main" id="{ECA9D030-2929-45DD-8DAD-5EBB2AEFF2B7}"/>
+              </a:ext>
+            </a:extLst>
+          </p:cNvPr>
+          <p:cNvGrpSpPr/>
+          <p:nvPr/>
+        </p:nvGrpSpPr>
+        <p:grpSpPr>
+          <a:xfrm>
+            <a:off x="5131327" y="5609775"/>
+            <a:ext cx="916081" cy="872182"/>
+            <a:chOff x="4500040" y="256852"/>
+            <a:chExt cx="916081" cy="872182"/>
+          </a:xfrm>
+        </p:grpSpPr>
+        <p:sp>
+          <p:nvSpPr>
+            <p:cNvPr id="105" name="Oval 104">
+              <a:extLst>
+                <a:ext uri="{FF2B5EF4-FFF2-40B4-BE49-F238E27FC236}">
+                  <a16:creationId xmlns:a16="http://schemas.microsoft.com/office/drawing/2014/main" id="{181F08F4-BA9D-4F6D-AA91-EDE7BB5920B2}"/>
+                </a:ext>
+              </a:extLst>
+            </p:cNvPr>
+            <p:cNvSpPr/>
+            <p:nvPr/>
+          </p:nvSpPr>
+          <p:spPr>
+            <a:xfrm>
+              <a:off x="4504808" y="256852"/>
+              <a:ext cx="911313" cy="872182"/>
+            </a:xfrm>
+            <a:prstGeom prst="ellipse">
+              <a:avLst/>
+            </a:prstGeom>
+            <a:solidFill>
+              <a:schemeClr val="accent4"/>
+            </a:solidFill>
+            <a:ln w="25400">
+              <a:solidFill>
+                <a:schemeClr val="tx1"/>
+              </a:solidFill>
+            </a:ln>
+            <a:effectLst>
+              <a:outerShdw blurRad="63500" sx="102000" sy="102000" algn="ctr" rotWithShape="0">
+                <a:prstClr val="black">
+                  <a:alpha val="40000"/>
+                </a:prstClr>
+              </a:outerShdw>
+            </a:effectLst>
+          </p:spPr>
+          <p:style>
+            <a:lnRef idx="2">
+              <a:schemeClr val="accent1">
+                <a:shade val="50000"/>
+              </a:schemeClr>
+            </a:lnRef>
+            <a:fillRef idx="1">
+              <a:schemeClr val="accent1"/>
+            </a:fillRef>
+            <a:effectRef idx="0">
+              <a:schemeClr val="accent1"/>
+            </a:effectRef>
+            <a:fontRef idx="minor">
+              <a:schemeClr val="lt1"/>
+            </a:fontRef>
+          </p:style>
+          <p:txBody>
+            <a:bodyPr rot="0" spcFirstLastPara="0" vertOverflow="overflow" horzOverflow="overflow" vert="horz" wrap="square" lIns="74295" tIns="37148" rIns="74295" bIns="37148" numCol="1" spcCol="0" rtlCol="0" fromWordArt="0" anchor="ctr" anchorCtr="0" forceAA="0" compatLnSpc="1">
+              <a:prstTxWarp prst="textNoShape">
+                <a:avLst/>
+              </a:prstTxWarp>
+              <a:noAutofit/>
+            </a:bodyPr>
+            <a:lstStyle/>
+            <a:p>
+              <a:pPr algn="ctr"/>
+              <a:endParaRPr lang="en-US" sz="1463"/>
+            </a:p>
+          </p:txBody>
+        </p:sp>
+        <p:pic>
+          <p:nvPicPr>
+            <p:cNvPr id="107" name="Picture 106">
+              <a:extLst>
+                <a:ext uri="{FF2B5EF4-FFF2-40B4-BE49-F238E27FC236}">
+                  <a16:creationId xmlns:a16="http://schemas.microsoft.com/office/drawing/2014/main" id="{A83AF8E7-20F5-4A85-B5B2-13039B376DC0}"/>
+                </a:ext>
+              </a:extLst>
+            </p:cNvPr>
+            <p:cNvPicPr>
+              <a:picLocks noChangeAspect="1"/>
+            </p:cNvPicPr>
+            <p:nvPr/>
+          </p:nvPicPr>
+          <p:blipFill>
+            <a:blip r:embed="rId8"/>
+            <a:stretch>
+              <a:fillRect/>
+            </a:stretch>
+          </p:blipFill>
+          <p:spPr>
+            <a:xfrm>
+              <a:off x="4947507" y="502972"/>
+              <a:ext cx="367640" cy="367640"/>
+            </a:xfrm>
+            <a:prstGeom prst="ellipse">
+              <a:avLst/>
+            </a:prstGeom>
+            <a:ln w="25400">
+              <a:solidFill>
+                <a:srgbClr val="C00000"/>
+              </a:solidFill>
+            </a:ln>
+          </p:spPr>
+        </p:pic>
+        <p:sp>
+          <p:nvSpPr>
+            <p:cNvPr id="108" name="TextBox 107">
+              <a:extLst>
+                <a:ext uri="{FF2B5EF4-FFF2-40B4-BE49-F238E27FC236}">
+                  <a16:creationId xmlns:a16="http://schemas.microsoft.com/office/drawing/2014/main" id="{F36E018C-EC23-4C0A-B958-716DADC39AB3}"/>
+                </a:ext>
+              </a:extLst>
+            </p:cNvPr>
+            <p:cNvSpPr txBox="1"/>
+            <p:nvPr/>
+          </p:nvSpPr>
+          <p:spPr>
+            <a:xfrm>
+              <a:off x="4500040" y="386230"/>
+              <a:ext cx="548548" cy="584775"/>
+            </a:xfrm>
+            <a:prstGeom prst="rect">
+              <a:avLst/>
+            </a:prstGeom>
+            <a:noFill/>
+          </p:spPr>
+          <p:txBody>
+            <a:bodyPr wrap="none" rtlCol="0">
+              <a:spAutoFit/>
+            </a:bodyPr>
+            <a:lstStyle/>
+            <a:p>
+              <a:r>
+                <a:rPr lang="ru-RU" sz="3200" dirty="0">
+                  <a:solidFill>
+                    <a:srgbClr val="C00000"/>
+                  </a:solidFill>
+                  <a:latin typeface="Cooper Black" panose="0208090404030B020404" pitchFamily="18" charset="0"/>
+                </a:rPr>
+                <a:t>-1</a:t>
+              </a:r>
+              <a:endParaRPr lang="en-US" sz="3200" dirty="0">
+                <a:solidFill>
+                  <a:srgbClr val="C00000"/>
+                </a:solidFill>
+                <a:latin typeface="Cooper Black" panose="0208090404030B020404" pitchFamily="18" charset="0"/>
+              </a:endParaRPr>
+            </a:p>
+          </p:txBody>
+        </p:sp>
+      </p:grpSp>
+      <p:pic>
+        <p:nvPicPr>
+          <p:cNvPr id="1032" name="Picture 8" descr="Ниагарский водопад | turcentr.by">
+            <a:extLst>
+              <a:ext uri="{FF2B5EF4-FFF2-40B4-BE49-F238E27FC236}">
+                <a16:creationId xmlns:a16="http://schemas.microsoft.com/office/drawing/2014/main" id="{46A23A48-844E-4850-B1A3-1E87FE1F31EB}"/>
+              </a:ext>
+            </a:extLst>
+          </p:cNvPr>
+          <p:cNvPicPr>
+            <a:picLocks noChangeAspect="1" noChangeArrowheads="1"/>
+          </p:cNvPicPr>
+          <p:nvPr/>
+        </p:nvPicPr>
+        <p:blipFill>
+          <a:blip r:embed="rId10" cstate="print">
+            <a:extLst>
+              <a:ext uri="{28A0092B-C50C-407E-A947-70E740481C1C}">
+                <a14:useLocalDpi xmlns:a14="http://schemas.microsoft.com/office/drawing/2010/main" val="0"/>
+              </a:ext>
+            </a:extLst>
+          </a:blip>
+          <a:srcRect/>
+          <a:stretch>
+            <a:fillRect/>
+          </a:stretch>
+        </p:blipFill>
+        <p:spPr bwMode="auto">
+          <a:xfrm>
+            <a:off x="6827092" y="3663710"/>
+            <a:ext cx="1702597" cy="1616123"/>
+          </a:xfrm>
+          <a:prstGeom prst="ellipse">
+            <a:avLst/>
+          </a:prstGeom>
+          <a:noFill/>
+          <a:ln w="63500">
+            <a:solidFill>
+              <a:srgbClr val="C00000"/>
+            </a:solidFill>
+          </a:ln>
+          <a:extLst>
+            <a:ext uri="{909E8E84-426E-40DD-AFC4-6F175D3DCCD1}">
+              <a14:hiddenFill xmlns:a14="http://schemas.microsoft.com/office/drawing/2010/main">
+                <a:solidFill>
+                  <a:srgbClr val="FFFFFF"/>
+                </a:solidFill>
+              </a14:hiddenFill>
+            </a:ext>
+          </a:extLst>
+        </p:spPr>
+      </p:pic>
+      <p:grpSp>
+        <p:nvGrpSpPr>
+          <p:cNvPr id="110" name="Group 109">
+            <a:extLst>
+              <a:ext uri="{FF2B5EF4-FFF2-40B4-BE49-F238E27FC236}">
+                <a16:creationId xmlns:a16="http://schemas.microsoft.com/office/drawing/2014/main" id="{97CFEAE2-3B20-46A2-81F2-183E1BE68D17}"/>
+              </a:ext>
+            </a:extLst>
+          </p:cNvPr>
+          <p:cNvGrpSpPr/>
+          <p:nvPr/>
+        </p:nvGrpSpPr>
+        <p:grpSpPr>
+          <a:xfrm>
+            <a:off x="3757887" y="4461764"/>
+            <a:ext cx="916081" cy="872182"/>
+            <a:chOff x="4500040" y="256852"/>
+            <a:chExt cx="916081" cy="872182"/>
+          </a:xfrm>
+        </p:grpSpPr>
+        <p:sp>
+          <p:nvSpPr>
+            <p:cNvPr id="111" name="Oval 110">
+              <a:extLst>
+                <a:ext uri="{FF2B5EF4-FFF2-40B4-BE49-F238E27FC236}">
+                  <a16:creationId xmlns:a16="http://schemas.microsoft.com/office/drawing/2014/main" id="{4EDA9AE5-4B60-421A-B147-741A64631C47}"/>
+                </a:ext>
+              </a:extLst>
+            </p:cNvPr>
+            <p:cNvSpPr/>
+            <p:nvPr/>
+          </p:nvSpPr>
+          <p:spPr>
+            <a:xfrm>
+              <a:off x="4504808" y="256852"/>
+              <a:ext cx="911313" cy="872182"/>
+            </a:xfrm>
+            <a:prstGeom prst="ellipse">
+              <a:avLst/>
+            </a:prstGeom>
+            <a:solidFill>
+              <a:schemeClr val="accent4"/>
+            </a:solidFill>
+            <a:ln w="25400">
+              <a:solidFill>
+                <a:schemeClr val="tx1"/>
+              </a:solidFill>
+            </a:ln>
+            <a:effectLst>
+              <a:outerShdw blurRad="63500" sx="102000" sy="102000" algn="ctr" rotWithShape="0">
+                <a:prstClr val="black">
+                  <a:alpha val="40000"/>
+                </a:prstClr>
+              </a:outerShdw>
+            </a:effectLst>
+          </p:spPr>
+          <p:style>
+            <a:lnRef idx="2">
+              <a:schemeClr val="accent1">
+                <a:shade val="50000"/>
+              </a:schemeClr>
+            </a:lnRef>
+            <a:fillRef idx="1">
+              <a:schemeClr val="accent1"/>
+            </a:fillRef>
+            <a:effectRef idx="0">
+              <a:schemeClr val="accent1"/>
+            </a:effectRef>
+            <a:fontRef idx="minor">
+              <a:schemeClr val="lt1"/>
+            </a:fontRef>
+          </p:style>
+          <p:txBody>
+            <a:bodyPr rot="0" spcFirstLastPara="0" vertOverflow="overflow" horzOverflow="overflow" vert="horz" wrap="square" lIns="74295" tIns="37148" rIns="74295" bIns="37148" numCol="1" spcCol="0" rtlCol="0" fromWordArt="0" anchor="ctr" anchorCtr="0" forceAA="0" compatLnSpc="1">
+              <a:prstTxWarp prst="textNoShape">
+                <a:avLst/>
+              </a:prstTxWarp>
+              <a:noAutofit/>
+            </a:bodyPr>
+            <a:lstStyle/>
+            <a:p>
+              <a:pPr algn="ctr"/>
+              <a:endParaRPr lang="en-US" sz="1463"/>
+            </a:p>
+          </p:txBody>
+        </p:sp>
+        <p:pic>
+          <p:nvPicPr>
+            <p:cNvPr id="112" name="Picture 111">
+              <a:extLst>
+                <a:ext uri="{FF2B5EF4-FFF2-40B4-BE49-F238E27FC236}">
+                  <a16:creationId xmlns:a16="http://schemas.microsoft.com/office/drawing/2014/main" id="{46CE0AC0-9D10-4B3F-B55C-F16D677E09F5}"/>
+                </a:ext>
+              </a:extLst>
+            </p:cNvPr>
+            <p:cNvPicPr>
+              <a:picLocks noChangeAspect="1"/>
+            </p:cNvPicPr>
+            <p:nvPr/>
+          </p:nvPicPr>
+          <p:blipFill>
+            <a:blip r:embed="rId8"/>
+            <a:stretch>
+              <a:fillRect/>
+            </a:stretch>
+          </p:blipFill>
+          <p:spPr>
+            <a:xfrm>
+              <a:off x="4947507" y="502972"/>
+              <a:ext cx="367640" cy="367640"/>
+            </a:xfrm>
+            <a:prstGeom prst="ellipse">
+              <a:avLst/>
+            </a:prstGeom>
+            <a:ln w="25400">
+              <a:solidFill>
+                <a:srgbClr val="C00000"/>
+              </a:solidFill>
+            </a:ln>
+          </p:spPr>
+        </p:pic>
+        <p:sp>
+          <p:nvSpPr>
+            <p:cNvPr id="113" name="TextBox 112">
+              <a:extLst>
+                <a:ext uri="{FF2B5EF4-FFF2-40B4-BE49-F238E27FC236}">
+                  <a16:creationId xmlns:a16="http://schemas.microsoft.com/office/drawing/2014/main" id="{FCCAC013-C76C-4058-A0AA-29E1E1CE8643}"/>
+                </a:ext>
+              </a:extLst>
+            </p:cNvPr>
+            <p:cNvSpPr txBox="1"/>
+            <p:nvPr/>
+          </p:nvSpPr>
+          <p:spPr>
+            <a:xfrm>
+              <a:off x="4500040" y="386230"/>
+              <a:ext cx="548548" cy="584775"/>
+            </a:xfrm>
+            <a:prstGeom prst="rect">
+              <a:avLst/>
+            </a:prstGeom>
+            <a:noFill/>
+          </p:spPr>
+          <p:txBody>
+            <a:bodyPr wrap="none" rtlCol="0">
+              <a:spAutoFit/>
+            </a:bodyPr>
+            <a:lstStyle/>
+            <a:p>
+              <a:r>
+                <a:rPr lang="ru-RU" sz="3200" dirty="0">
+                  <a:solidFill>
+                    <a:srgbClr val="C00000"/>
+                  </a:solidFill>
+                  <a:latin typeface="Cooper Black" panose="0208090404030B020404" pitchFamily="18" charset="0"/>
+                </a:rPr>
+                <a:t>-1</a:t>
+              </a:r>
+              <a:endParaRPr lang="en-US" sz="3200" dirty="0">
+                <a:solidFill>
+                  <a:srgbClr val="C00000"/>
+                </a:solidFill>
+                <a:latin typeface="Cooper Black" panose="0208090404030B020404" pitchFamily="18" charset="0"/>
+              </a:endParaRPr>
+            </a:p>
+          </p:txBody>
+        </p:sp>
+      </p:grpSp>
+      <p:grpSp>
+        <p:nvGrpSpPr>
+          <p:cNvPr id="114" name="Group 113">
+            <a:extLst>
+              <a:ext uri="{FF2B5EF4-FFF2-40B4-BE49-F238E27FC236}">
+                <a16:creationId xmlns:a16="http://schemas.microsoft.com/office/drawing/2014/main" id="{CF780B7C-4485-4882-A08D-C0784E58DA28}"/>
+              </a:ext>
+            </a:extLst>
+          </p:cNvPr>
+          <p:cNvGrpSpPr/>
+          <p:nvPr/>
+        </p:nvGrpSpPr>
+        <p:grpSpPr>
+          <a:xfrm>
+            <a:off x="8659364" y="2418634"/>
+            <a:ext cx="916081" cy="872182"/>
+            <a:chOff x="4500040" y="256852"/>
+            <a:chExt cx="916081" cy="872182"/>
+          </a:xfrm>
+        </p:grpSpPr>
+        <p:sp>
+          <p:nvSpPr>
+            <p:cNvPr id="115" name="Oval 114">
+              <a:extLst>
+                <a:ext uri="{FF2B5EF4-FFF2-40B4-BE49-F238E27FC236}">
+                  <a16:creationId xmlns:a16="http://schemas.microsoft.com/office/drawing/2014/main" id="{ACACF835-00F3-4B9F-AD21-0075AE995521}"/>
+                </a:ext>
+              </a:extLst>
+            </p:cNvPr>
+            <p:cNvSpPr/>
+            <p:nvPr/>
+          </p:nvSpPr>
+          <p:spPr>
+            <a:xfrm>
+              <a:off x="4504808" y="256852"/>
+              <a:ext cx="911313" cy="872182"/>
+            </a:xfrm>
+            <a:prstGeom prst="ellipse">
+              <a:avLst/>
+            </a:prstGeom>
+            <a:solidFill>
+              <a:schemeClr val="accent4"/>
+            </a:solidFill>
+            <a:ln w="25400">
+              <a:solidFill>
+                <a:schemeClr val="tx1"/>
+              </a:solidFill>
+            </a:ln>
+            <a:effectLst>
+              <a:outerShdw blurRad="63500" sx="102000" sy="102000" algn="ctr" rotWithShape="0">
+                <a:prstClr val="black">
+                  <a:alpha val="40000"/>
+                </a:prstClr>
+              </a:outerShdw>
+            </a:effectLst>
+          </p:spPr>
+          <p:style>
+            <a:lnRef idx="2">
+              <a:schemeClr val="accent1">
+                <a:shade val="50000"/>
+              </a:schemeClr>
+            </a:lnRef>
+            <a:fillRef idx="1">
+              <a:schemeClr val="accent1"/>
+            </a:fillRef>
+            <a:effectRef idx="0">
+              <a:schemeClr val="accent1"/>
+            </a:effectRef>
+            <a:fontRef idx="minor">
+              <a:schemeClr val="lt1"/>
+            </a:fontRef>
+          </p:style>
+          <p:txBody>
+            <a:bodyPr rot="0" spcFirstLastPara="0" vertOverflow="overflow" horzOverflow="overflow" vert="horz" wrap="square" lIns="74295" tIns="37148" rIns="74295" bIns="37148" numCol="1" spcCol="0" rtlCol="0" fromWordArt="0" anchor="ctr" anchorCtr="0" forceAA="0" compatLnSpc="1">
+              <a:prstTxWarp prst="textNoShape">
+                <a:avLst/>
+              </a:prstTxWarp>
+              <a:noAutofit/>
+            </a:bodyPr>
+            <a:lstStyle/>
+            <a:p>
+              <a:pPr algn="ctr"/>
+              <a:endParaRPr lang="en-US" sz="1463"/>
+            </a:p>
+          </p:txBody>
+        </p:sp>
+        <p:pic>
+          <p:nvPicPr>
+            <p:cNvPr id="116" name="Picture 115">
+              <a:extLst>
+                <a:ext uri="{FF2B5EF4-FFF2-40B4-BE49-F238E27FC236}">
+                  <a16:creationId xmlns:a16="http://schemas.microsoft.com/office/drawing/2014/main" id="{D0C29AA4-C6FE-47B9-819B-A77691CCCF6A}"/>
+                </a:ext>
+              </a:extLst>
+            </p:cNvPr>
+            <p:cNvPicPr>
+              <a:picLocks noChangeAspect="1"/>
+            </p:cNvPicPr>
+            <p:nvPr/>
+          </p:nvPicPr>
+          <p:blipFill>
+            <a:blip r:embed="rId8"/>
+            <a:stretch>
+              <a:fillRect/>
+            </a:stretch>
+          </p:blipFill>
+          <p:spPr>
+            <a:xfrm>
+              <a:off x="4947507" y="502972"/>
+              <a:ext cx="367640" cy="367640"/>
+            </a:xfrm>
+            <a:prstGeom prst="ellipse">
+              <a:avLst/>
+            </a:prstGeom>
+            <a:ln w="25400">
+              <a:solidFill>
+                <a:srgbClr val="C00000"/>
+              </a:solidFill>
+            </a:ln>
+          </p:spPr>
+        </p:pic>
+        <p:sp>
+          <p:nvSpPr>
+            <p:cNvPr id="117" name="TextBox 116">
+              <a:extLst>
+                <a:ext uri="{FF2B5EF4-FFF2-40B4-BE49-F238E27FC236}">
+                  <a16:creationId xmlns:a16="http://schemas.microsoft.com/office/drawing/2014/main" id="{7DB23433-9CA9-4AB9-9AB7-1607BB7071AF}"/>
+                </a:ext>
+              </a:extLst>
+            </p:cNvPr>
+            <p:cNvSpPr txBox="1"/>
+            <p:nvPr/>
+          </p:nvSpPr>
+          <p:spPr>
+            <a:xfrm>
+              <a:off x="4500040" y="386230"/>
+              <a:ext cx="548548" cy="584775"/>
+            </a:xfrm>
+            <a:prstGeom prst="rect">
+              <a:avLst/>
+            </a:prstGeom>
+            <a:noFill/>
+          </p:spPr>
+          <p:txBody>
+            <a:bodyPr wrap="none" rtlCol="0">
+              <a:spAutoFit/>
+            </a:bodyPr>
+            <a:lstStyle/>
+            <a:p>
+              <a:r>
+                <a:rPr lang="ru-RU" sz="3200" dirty="0">
+                  <a:solidFill>
+                    <a:srgbClr val="C00000"/>
+                  </a:solidFill>
+                  <a:latin typeface="Cooper Black" panose="0208090404030B020404" pitchFamily="18" charset="0"/>
+                </a:rPr>
+                <a:t>-1</a:t>
+              </a:r>
+              <a:endParaRPr lang="en-US" sz="3200" dirty="0">
+                <a:solidFill>
+                  <a:srgbClr val="C00000"/>
+                </a:solidFill>
+                <a:latin typeface="Cooper Black" panose="0208090404030B020404" pitchFamily="18" charset="0"/>
+              </a:endParaRPr>
+            </a:p>
+          </p:txBody>
+        </p:sp>
+      </p:grpSp>
+      <p:grpSp>
+        <p:nvGrpSpPr>
+          <p:cNvPr id="118" name="Group 117">
+            <a:extLst>
+              <a:ext uri="{FF2B5EF4-FFF2-40B4-BE49-F238E27FC236}">
+                <a16:creationId xmlns:a16="http://schemas.microsoft.com/office/drawing/2014/main" id="{A6B76F7D-9D22-42E7-8567-FE9941B2E7C8}"/>
+              </a:ext>
+            </a:extLst>
+          </p:cNvPr>
+          <p:cNvGrpSpPr/>
+          <p:nvPr/>
+        </p:nvGrpSpPr>
+        <p:grpSpPr>
+          <a:xfrm>
+            <a:off x="8616375" y="5575557"/>
+            <a:ext cx="916081" cy="872182"/>
+            <a:chOff x="4500040" y="256852"/>
+            <a:chExt cx="916081" cy="872182"/>
+          </a:xfrm>
+        </p:grpSpPr>
+        <p:sp>
+          <p:nvSpPr>
+            <p:cNvPr id="119" name="Oval 118">
+              <a:extLst>
+                <a:ext uri="{FF2B5EF4-FFF2-40B4-BE49-F238E27FC236}">
+                  <a16:creationId xmlns:a16="http://schemas.microsoft.com/office/drawing/2014/main" id="{3F72F804-EF0A-49A6-A6AF-8DDB46EFE38D}"/>
+                </a:ext>
+              </a:extLst>
+            </p:cNvPr>
+            <p:cNvSpPr/>
+            <p:nvPr/>
+          </p:nvSpPr>
+          <p:spPr>
+            <a:xfrm>
+              <a:off x="4504808" y="256852"/>
+              <a:ext cx="911313" cy="872182"/>
+            </a:xfrm>
+            <a:prstGeom prst="ellipse">
+              <a:avLst/>
+            </a:prstGeom>
+            <a:solidFill>
+              <a:schemeClr val="accent4"/>
+            </a:solidFill>
+            <a:ln w="25400">
+              <a:solidFill>
+                <a:schemeClr val="tx1"/>
+              </a:solidFill>
+            </a:ln>
+            <a:effectLst>
+              <a:outerShdw blurRad="63500" sx="102000" sy="102000" algn="ctr" rotWithShape="0">
+                <a:prstClr val="black">
+                  <a:alpha val="40000"/>
+                </a:prstClr>
+              </a:outerShdw>
+            </a:effectLst>
+          </p:spPr>
+          <p:style>
+            <a:lnRef idx="2">
+              <a:schemeClr val="accent1">
+                <a:shade val="50000"/>
+              </a:schemeClr>
+            </a:lnRef>
+            <a:fillRef idx="1">
+              <a:schemeClr val="accent1"/>
+            </a:fillRef>
+            <a:effectRef idx="0">
+              <a:schemeClr val="accent1"/>
+            </a:effectRef>
+            <a:fontRef idx="minor">
+              <a:schemeClr val="lt1"/>
+            </a:fontRef>
+          </p:style>
+          <p:txBody>
+            <a:bodyPr rot="0" spcFirstLastPara="0" vertOverflow="overflow" horzOverflow="overflow" vert="horz" wrap="square" lIns="74295" tIns="37148" rIns="74295" bIns="37148" numCol="1" spcCol="0" rtlCol="0" fromWordArt="0" anchor="ctr" anchorCtr="0" forceAA="0" compatLnSpc="1">
+              <a:prstTxWarp prst="textNoShape">
+                <a:avLst/>
+              </a:prstTxWarp>
+              <a:noAutofit/>
+            </a:bodyPr>
+            <a:lstStyle/>
+            <a:p>
+              <a:pPr algn="ctr"/>
+              <a:endParaRPr lang="en-US" sz="1463"/>
+            </a:p>
+          </p:txBody>
+        </p:sp>
+        <p:pic>
+          <p:nvPicPr>
+            <p:cNvPr id="120" name="Picture 119">
+              <a:extLst>
+                <a:ext uri="{FF2B5EF4-FFF2-40B4-BE49-F238E27FC236}">
+                  <a16:creationId xmlns:a16="http://schemas.microsoft.com/office/drawing/2014/main" id="{E69477E3-CEEF-418A-8473-2AA2FB7DEC7C}"/>
+                </a:ext>
+              </a:extLst>
+            </p:cNvPr>
+            <p:cNvPicPr>
+              <a:picLocks noChangeAspect="1"/>
+            </p:cNvPicPr>
+            <p:nvPr/>
+          </p:nvPicPr>
+          <p:blipFill>
+            <a:blip r:embed="rId8"/>
+            <a:stretch>
+              <a:fillRect/>
+            </a:stretch>
+          </p:blipFill>
+          <p:spPr>
+            <a:xfrm>
+              <a:off x="4947507" y="502972"/>
+              <a:ext cx="367640" cy="367640"/>
+            </a:xfrm>
+            <a:prstGeom prst="ellipse">
+              <a:avLst/>
+            </a:prstGeom>
+            <a:ln w="25400">
+              <a:solidFill>
+                <a:srgbClr val="C00000"/>
+              </a:solidFill>
+            </a:ln>
+          </p:spPr>
+        </p:pic>
+        <p:sp>
+          <p:nvSpPr>
+            <p:cNvPr id="121" name="TextBox 120">
+              <a:extLst>
+                <a:ext uri="{FF2B5EF4-FFF2-40B4-BE49-F238E27FC236}">
+                  <a16:creationId xmlns:a16="http://schemas.microsoft.com/office/drawing/2014/main" id="{1950399D-4D26-4CC5-8557-8AD4FA9AC5D3}"/>
+                </a:ext>
+              </a:extLst>
+            </p:cNvPr>
+            <p:cNvSpPr txBox="1"/>
+            <p:nvPr/>
+          </p:nvSpPr>
+          <p:spPr>
+            <a:xfrm>
+              <a:off x="4500040" y="386230"/>
+              <a:ext cx="548548" cy="584775"/>
+            </a:xfrm>
+            <a:prstGeom prst="rect">
+              <a:avLst/>
+            </a:prstGeom>
+            <a:noFill/>
+          </p:spPr>
+          <p:txBody>
+            <a:bodyPr wrap="none" rtlCol="0">
+              <a:spAutoFit/>
+            </a:bodyPr>
+            <a:lstStyle/>
+            <a:p>
+              <a:r>
+                <a:rPr lang="ru-RU" sz="3200" dirty="0">
+                  <a:solidFill>
+                    <a:srgbClr val="C00000"/>
+                  </a:solidFill>
+                  <a:latin typeface="Cooper Black" panose="0208090404030B020404" pitchFamily="18" charset="0"/>
+                </a:rPr>
+                <a:t>-1</a:t>
+              </a:r>
+              <a:endParaRPr lang="en-US" sz="3200" dirty="0">
+                <a:solidFill>
+                  <a:srgbClr val="C00000"/>
+                </a:solidFill>
+                <a:latin typeface="Cooper Black" panose="0208090404030B020404" pitchFamily="18" charset="0"/>
+              </a:endParaRPr>
+            </a:p>
+          </p:txBody>
+        </p:sp>
+      </p:grpSp>
+      <p:sp>
+        <p:nvSpPr>
+          <p:cNvPr id="124" name="TextBox 123">
+            <a:extLst>
+              <a:ext uri="{FF2B5EF4-FFF2-40B4-BE49-F238E27FC236}">
+                <a16:creationId xmlns:a16="http://schemas.microsoft.com/office/drawing/2014/main" id="{4C946028-A001-4047-BC74-D079BD6966F9}"/>
+              </a:ext>
+            </a:extLst>
+          </p:cNvPr>
+          <p:cNvSpPr txBox="1"/>
+          <p:nvPr/>
+        </p:nvSpPr>
+        <p:spPr>
+          <a:xfrm rot="18697146">
+            <a:off x="7976664" y="3159854"/>
+            <a:ext cx="832279" cy="461665"/>
+          </a:xfrm>
+          <a:prstGeom prst="rect">
+            <a:avLst/>
+          </a:prstGeom>
+          <a:noFill/>
+        </p:spPr>
+        <p:txBody>
+          <a:bodyPr wrap="none" rtlCol="0">
+            <a:spAutoFit/>
+          </a:bodyPr>
+          <a:lstStyle/>
+          <a:p>
+            <a:r>
+              <a:rPr lang="nl-NL" sz="2400" dirty="0">
+                <a:latin typeface="Cooper Black" panose="0208090404030B020404" pitchFamily="18" charset="0"/>
+              </a:rPr>
+              <a:t>4...6</a:t>
+            </a:r>
+            <a:endParaRPr lang="en-US" sz="2400" dirty="0">
+              <a:latin typeface="Cooper Black" panose="0208090404030B020404" pitchFamily="18" charset="0"/>
+            </a:endParaRPr>
+          </a:p>
+        </p:txBody>
+      </p:sp>
+      <p:sp>
+        <p:nvSpPr>
+          <p:cNvPr id="125" name="TextBox 124">
+            <a:extLst>
+              <a:ext uri="{FF2B5EF4-FFF2-40B4-BE49-F238E27FC236}">
+                <a16:creationId xmlns:a16="http://schemas.microsoft.com/office/drawing/2014/main" id="{082B595C-6A3D-4805-93CF-D0585650F194}"/>
+              </a:ext>
+            </a:extLst>
+          </p:cNvPr>
+          <p:cNvSpPr txBox="1"/>
+          <p:nvPr/>
+        </p:nvSpPr>
+        <p:spPr>
+          <a:xfrm rot="2688031">
+            <a:off x="8301574" y="4986648"/>
+            <a:ext cx="829138" cy="461665"/>
+          </a:xfrm>
+          <a:prstGeom prst="rect">
+            <a:avLst/>
+          </a:prstGeom>
+          <a:noFill/>
+        </p:spPr>
+        <p:txBody>
+          <a:bodyPr wrap="none" rtlCol="0">
+            <a:spAutoFit/>
+          </a:bodyPr>
+          <a:lstStyle/>
+          <a:p>
+            <a:r>
+              <a:rPr lang="nl-NL" sz="2400" dirty="0">
+                <a:latin typeface="Cooper Black" panose="0208090404030B020404" pitchFamily="18" charset="0"/>
+              </a:rPr>
+              <a:t>1...3</a:t>
+            </a:r>
+            <a:endParaRPr lang="en-US" sz="2400" dirty="0">
+              <a:latin typeface="Cooper Black" panose="0208090404030B020404" pitchFamily="18" charset="0"/>
+            </a:endParaRPr>
+          </a:p>
+        </p:txBody>
+      </p:sp>
+      <p:grpSp>
+        <p:nvGrpSpPr>
+          <p:cNvPr id="129" name="Group 128">
+            <a:extLst>
+              <a:ext uri="{FF2B5EF4-FFF2-40B4-BE49-F238E27FC236}">
+                <a16:creationId xmlns:a16="http://schemas.microsoft.com/office/drawing/2014/main" id="{A29DDF68-5592-4DED-8483-CD9492749F5E}"/>
+              </a:ext>
+            </a:extLst>
+          </p:cNvPr>
+          <p:cNvGrpSpPr/>
+          <p:nvPr/>
+        </p:nvGrpSpPr>
+        <p:grpSpPr>
+          <a:xfrm>
+            <a:off x="7194625" y="5265582"/>
+            <a:ext cx="911294" cy="584775"/>
+            <a:chOff x="6563464" y="1499260"/>
+            <a:chExt cx="911294" cy="584775"/>
+          </a:xfrm>
+        </p:grpSpPr>
+        <p:pic>
+          <p:nvPicPr>
+            <p:cNvPr id="130" name="Picture 129">
+              <a:extLst>
+                <a:ext uri="{FF2B5EF4-FFF2-40B4-BE49-F238E27FC236}">
+                  <a16:creationId xmlns:a16="http://schemas.microsoft.com/office/drawing/2014/main" id="{479D23E7-F7E4-45D1-8A74-35B0B1C19B9C}"/>
+                </a:ext>
+              </a:extLst>
+            </p:cNvPr>
+            <p:cNvPicPr>
+              <a:picLocks noChangeAspect="1"/>
+            </p:cNvPicPr>
+            <p:nvPr/>
+          </p:nvPicPr>
+          <p:blipFill>
+            <a:blip r:embed="rId8"/>
+            <a:stretch>
+              <a:fillRect/>
+            </a:stretch>
+          </p:blipFill>
+          <p:spPr>
+            <a:xfrm>
+              <a:off x="7107118" y="1639353"/>
+              <a:ext cx="367640" cy="367640"/>
+            </a:xfrm>
+            <a:prstGeom prst="ellipse">
+              <a:avLst/>
+            </a:prstGeom>
+            <a:ln w="25400">
+              <a:solidFill>
+                <a:srgbClr val="C00000"/>
+              </a:solidFill>
+            </a:ln>
+          </p:spPr>
+        </p:pic>
+        <p:sp>
+          <p:nvSpPr>
+            <p:cNvPr id="131" name="TextBox 130">
+              <a:extLst>
+                <a:ext uri="{FF2B5EF4-FFF2-40B4-BE49-F238E27FC236}">
+                  <a16:creationId xmlns:a16="http://schemas.microsoft.com/office/drawing/2014/main" id="{4B41D0F7-30F0-476E-8859-467E1DAC18FE}"/>
+                </a:ext>
+              </a:extLst>
+            </p:cNvPr>
+            <p:cNvSpPr txBox="1"/>
+            <p:nvPr/>
+          </p:nvSpPr>
+          <p:spPr>
+            <a:xfrm>
+              <a:off x="6563464" y="1499260"/>
+              <a:ext cx="548548" cy="584775"/>
+            </a:xfrm>
+            <a:prstGeom prst="rect">
+              <a:avLst/>
+            </a:prstGeom>
+            <a:noFill/>
+          </p:spPr>
+          <p:txBody>
+            <a:bodyPr wrap="none" rtlCol="0">
+              <a:spAutoFit/>
+            </a:bodyPr>
+            <a:lstStyle/>
+            <a:p>
+              <a:r>
+                <a:rPr lang="nl-NL" sz="3200" dirty="0">
+                  <a:solidFill>
+                    <a:srgbClr val="C00000"/>
+                  </a:solidFill>
+                  <a:latin typeface="Cooper Black" panose="0208090404030B020404" pitchFamily="18" charset="0"/>
+                </a:rPr>
+                <a:t>-2</a:t>
+              </a:r>
+              <a:endParaRPr lang="en-US" sz="3200" dirty="0">
+                <a:solidFill>
+                  <a:srgbClr val="C00000"/>
+                </a:solidFill>
+                <a:latin typeface="Cooper Black" panose="0208090404030B020404" pitchFamily="18" charset="0"/>
+              </a:endParaRPr>
+            </a:p>
+          </p:txBody>
+        </p:sp>
+      </p:grpSp>
+      <p:sp>
+        <p:nvSpPr>
+          <p:cNvPr id="38" name="TextBox 37">
+            <a:extLst>
+              <a:ext uri="{FF2B5EF4-FFF2-40B4-BE49-F238E27FC236}">
+                <a16:creationId xmlns:a16="http://schemas.microsoft.com/office/drawing/2014/main" id="{51AEFC44-900C-4585-8CBF-027650E0F863}"/>
+              </a:ext>
+            </a:extLst>
+          </p:cNvPr>
+          <p:cNvSpPr txBox="1"/>
+          <p:nvPr/>
+        </p:nvSpPr>
+        <p:spPr>
+          <a:xfrm>
+            <a:off x="153667" y="2809621"/>
+            <a:ext cx="544922" cy="646331"/>
+          </a:xfrm>
+          <a:prstGeom prst="rect">
+            <a:avLst/>
+          </a:prstGeom>
+          <a:noFill/>
+        </p:spPr>
+        <p:txBody>
+          <a:bodyPr wrap="square" rtlCol="0">
+            <a:spAutoFit/>
+          </a:bodyPr>
+          <a:lstStyle/>
+          <a:p>
+            <a:r>
+              <a:rPr lang="en-US" dirty="0"/>
+              <a:t>Top</a:t>
+            </a:r>
+          </a:p>
+          <a:p>
+            <a:r>
+              <a:rPr lang="en-US" dirty="0"/>
+              <a:t>left</a:t>
+            </a:r>
+          </a:p>
+        </p:txBody>
+      </p:sp>
+    </p:spTree>
+    <p:extLst>
+      <p:ext uri="{BB962C8B-B14F-4D97-AF65-F5344CB8AC3E}">
+        <p14:creationId xmlns:p14="http://schemas.microsoft.com/office/powerpoint/2010/main" val="3382698257"/>
+      </p:ext>
+    </p:extLst>
+  </p:cSld>
+  <p:clrMapOvr>
+    <a:masterClrMapping/>
+  </p:clrMapOvr>
+</p:sld>
+</file>
+
+<file path=ppt/slides/slide2.xml><?xml version="1.0" encoding="utf-8"?>
+<p:sld xmlns:a="http://schemas.openxmlformats.org/drawingml/2006/main" xmlns:r="http://schemas.openxmlformats.org/officeDocument/2006/relationships" xmlns:p="http://schemas.openxmlformats.org/presentationml/2006/main">
+  <p:cSld>
+    <p:bg>
+      <p:bgPr>
+        <a:solidFill>
+          <a:schemeClr val="bg1">
+            <a:alpha val="85000"/>
+          </a:schemeClr>
+        </a:solidFill>
+        <a:effectLst/>
+      </p:bgPr>
+    </p:bg>
+    <p:spTree>
+      <p:nvGrpSpPr>
+        <p:cNvPr id="1" name=""/>
+        <p:cNvGrpSpPr/>
+        <p:nvPr/>
+      </p:nvGrpSpPr>
+      <p:grpSpPr>
+        <a:xfrm>
+          <a:off x="0" y="0"/>
+          <a:ext cx="0" cy="0"/>
+          <a:chOff x="0" y="0"/>
+          <a:chExt cx="0" cy="0"/>
+        </a:xfrm>
+      </p:grpSpPr>
+      <p:cxnSp>
+        <p:nvCxnSpPr>
+          <p:cNvPr id="188" name="Straight Connector 187">
+            <a:extLst>
+              <a:ext uri="{FF2B5EF4-FFF2-40B4-BE49-F238E27FC236}">
+                <a16:creationId xmlns:a16="http://schemas.microsoft.com/office/drawing/2014/main" id="{21FAB1B1-D56A-46CF-8919-EDD551A7CAB7}"/>
+              </a:ext>
+            </a:extLst>
+          </p:cNvPr>
+          <p:cNvCxnSpPr>
+            <a:cxnSpLocks/>
+          </p:cNvCxnSpPr>
+          <p:nvPr/>
+        </p:nvCxnSpPr>
+        <p:spPr>
+          <a:xfrm flipH="1">
+            <a:off x="5311956" y="4061570"/>
+            <a:ext cx="448291" cy="1223094"/>
+          </a:xfrm>
+          <a:prstGeom prst="line">
+            <a:avLst/>
+          </a:prstGeom>
+          <a:ln w="63500">
+            <a:solidFill>
+              <a:schemeClr val="tx1"/>
+            </a:solidFill>
+          </a:ln>
+        </p:spPr>
+        <p:style>
+          <a:lnRef idx="1">
+            <a:schemeClr val="accent1"/>
+          </a:lnRef>
+          <a:fillRef idx="0">
+            <a:schemeClr val="accent1"/>
+          </a:fillRef>
+          <a:effectRef idx="0">
+            <a:schemeClr val="accent1"/>
+          </a:effectRef>
+          <a:fontRef idx="minor">
+            <a:schemeClr val="tx1"/>
+          </a:fontRef>
+        </p:style>
+      </p:cxnSp>
+      <p:cxnSp>
+        <p:nvCxnSpPr>
+          <p:cNvPr id="186" name="Straight Connector 185">
+            <a:extLst>
+              <a:ext uri="{FF2B5EF4-FFF2-40B4-BE49-F238E27FC236}">
+                <a16:creationId xmlns:a16="http://schemas.microsoft.com/office/drawing/2014/main" id="{9D564A32-031A-4F98-9447-70B31E726B8F}"/>
+              </a:ext>
+            </a:extLst>
+          </p:cNvPr>
+          <p:cNvCxnSpPr>
+            <a:cxnSpLocks/>
+          </p:cNvCxnSpPr>
+          <p:nvPr/>
+        </p:nvCxnSpPr>
+        <p:spPr>
+          <a:xfrm flipH="1">
+            <a:off x="5728768" y="2222470"/>
+            <a:ext cx="366512" cy="1669427"/>
+          </a:xfrm>
+          <a:prstGeom prst="line">
+            <a:avLst/>
+          </a:prstGeom>
+          <a:ln w="63500">
+            <a:solidFill>
+              <a:schemeClr val="tx1"/>
+            </a:solidFill>
+          </a:ln>
+        </p:spPr>
+        <p:style>
+          <a:lnRef idx="1">
+            <a:schemeClr val="accent1"/>
+          </a:lnRef>
+          <a:fillRef idx="0">
+            <a:schemeClr val="accent1"/>
+          </a:fillRef>
+          <a:effectRef idx="0">
+            <a:schemeClr val="accent1"/>
+          </a:effectRef>
+          <a:fontRef idx="minor">
+            <a:schemeClr val="tx1"/>
+          </a:fontRef>
+        </p:style>
+      </p:cxnSp>
+      <p:cxnSp>
+        <p:nvCxnSpPr>
+          <p:cNvPr id="179" name="Straight Connector 178">
+            <a:extLst>
+              <a:ext uri="{FF2B5EF4-FFF2-40B4-BE49-F238E27FC236}">
+                <a16:creationId xmlns:a16="http://schemas.microsoft.com/office/drawing/2014/main" id="{1E8A7E6B-422D-45E8-9084-A276ED02B109}"/>
+              </a:ext>
+            </a:extLst>
+          </p:cNvPr>
+          <p:cNvCxnSpPr>
+            <a:cxnSpLocks/>
+          </p:cNvCxnSpPr>
+          <p:nvPr/>
+        </p:nvCxnSpPr>
+        <p:spPr>
+          <a:xfrm>
+            <a:off x="5577336" y="975763"/>
+            <a:ext cx="452123" cy="1207857"/>
+          </a:xfrm>
+          <a:prstGeom prst="line">
+            <a:avLst/>
+          </a:prstGeom>
+          <a:ln w="63500">
+            <a:solidFill>
+              <a:schemeClr val="tx1"/>
+            </a:solidFill>
+          </a:ln>
+        </p:spPr>
+        <p:style>
+          <a:lnRef idx="1">
+            <a:schemeClr val="accent1"/>
+          </a:lnRef>
+          <a:fillRef idx="0">
+            <a:schemeClr val="accent1"/>
+          </a:fillRef>
+          <a:effectRef idx="0">
+            <a:schemeClr val="accent1"/>
+          </a:effectRef>
+          <a:fontRef idx="minor">
+            <a:schemeClr val="tx1"/>
+          </a:fontRef>
+        </p:style>
+      </p:cxnSp>
+      <p:cxnSp>
+        <p:nvCxnSpPr>
+          <p:cNvPr id="176" name="Straight Connector 175">
+            <a:extLst>
+              <a:ext uri="{FF2B5EF4-FFF2-40B4-BE49-F238E27FC236}">
+                <a16:creationId xmlns:a16="http://schemas.microsoft.com/office/drawing/2014/main" id="{C6AE1712-5A8E-4A01-8675-4CF0053C95B3}"/>
+              </a:ext>
+            </a:extLst>
+          </p:cNvPr>
+          <p:cNvCxnSpPr>
+            <a:cxnSpLocks/>
+            <a:stCxn id="160" idx="6"/>
+            <a:endCxn id="167" idx="1"/>
+          </p:cNvCxnSpPr>
+          <p:nvPr/>
+        </p:nvCxnSpPr>
+        <p:spPr>
+          <a:xfrm flipV="1">
+            <a:off x="3846394" y="859957"/>
+            <a:ext cx="1182394" cy="14325"/>
+          </a:xfrm>
+          <a:prstGeom prst="line">
+            <a:avLst/>
+          </a:prstGeom>
+          <a:ln w="63500">
+            <a:solidFill>
+              <a:schemeClr val="tx1"/>
+            </a:solidFill>
+          </a:ln>
+        </p:spPr>
+        <p:style>
+          <a:lnRef idx="1">
+            <a:schemeClr val="accent1"/>
+          </a:lnRef>
+          <a:fillRef idx="0">
+            <a:schemeClr val="accent1"/>
+          </a:fillRef>
+          <a:effectRef idx="0">
+            <a:schemeClr val="accent1"/>
+          </a:effectRef>
+          <a:fontRef idx="minor">
+            <a:schemeClr val="tx1"/>
+          </a:fontRef>
+        </p:style>
+      </p:cxnSp>
+      <p:cxnSp>
+        <p:nvCxnSpPr>
+          <p:cNvPr id="163" name="Straight Connector 162">
+            <a:extLst>
+              <a:ext uri="{FF2B5EF4-FFF2-40B4-BE49-F238E27FC236}">
+                <a16:creationId xmlns:a16="http://schemas.microsoft.com/office/drawing/2014/main" id="{D8033448-192F-4D86-8023-6AE88A56BE3E}"/>
+              </a:ext>
+            </a:extLst>
+          </p:cNvPr>
+          <p:cNvCxnSpPr>
+            <a:cxnSpLocks/>
+          </p:cNvCxnSpPr>
+          <p:nvPr/>
+        </p:nvCxnSpPr>
+        <p:spPr>
+          <a:xfrm>
+            <a:off x="3446536" y="1006892"/>
+            <a:ext cx="649877" cy="1515782"/>
+          </a:xfrm>
+          <a:prstGeom prst="line">
+            <a:avLst/>
+          </a:prstGeom>
+          <a:ln w="63500">
+            <a:solidFill>
+              <a:schemeClr val="tx1"/>
+            </a:solidFill>
+          </a:ln>
+        </p:spPr>
+        <p:style>
+          <a:lnRef idx="1">
+            <a:schemeClr val="accent1"/>
+          </a:lnRef>
+          <a:fillRef idx="0">
+            <a:schemeClr val="accent1"/>
+          </a:fillRef>
+          <a:effectRef idx="0">
+            <a:schemeClr val="accent1"/>
+          </a:effectRef>
+          <a:fontRef idx="minor">
+            <a:schemeClr val="tx1"/>
+          </a:fontRef>
+        </p:style>
+      </p:cxnSp>
+      <p:cxnSp>
+        <p:nvCxnSpPr>
+          <p:cNvPr id="158" name="Straight Connector 157">
+            <a:extLst>
+              <a:ext uri="{FF2B5EF4-FFF2-40B4-BE49-F238E27FC236}">
+                <a16:creationId xmlns:a16="http://schemas.microsoft.com/office/drawing/2014/main" id="{0109B7B9-C8E4-4C5A-936F-C046EC4E8B64}"/>
+              </a:ext>
+            </a:extLst>
+          </p:cNvPr>
+          <p:cNvCxnSpPr>
+            <a:cxnSpLocks/>
+            <a:endCxn id="155" idx="1"/>
+          </p:cNvCxnSpPr>
+          <p:nvPr/>
+        </p:nvCxnSpPr>
+        <p:spPr>
+          <a:xfrm flipH="1">
+            <a:off x="3617598" y="2856642"/>
+            <a:ext cx="702734" cy="1808994"/>
+          </a:xfrm>
+          <a:prstGeom prst="line">
+            <a:avLst/>
+          </a:prstGeom>
+          <a:ln w="63500">
+            <a:solidFill>
+              <a:schemeClr val="tx1"/>
+            </a:solidFill>
+          </a:ln>
+        </p:spPr>
+        <p:style>
+          <a:lnRef idx="1">
+            <a:schemeClr val="accent1"/>
+          </a:lnRef>
+          <a:fillRef idx="0">
+            <a:schemeClr val="accent1"/>
+          </a:fillRef>
+          <a:effectRef idx="0">
+            <a:schemeClr val="accent1"/>
+          </a:effectRef>
+          <a:fontRef idx="minor">
+            <a:schemeClr val="tx1"/>
+          </a:fontRef>
+        </p:style>
+      </p:cxnSp>
+      <p:cxnSp>
+        <p:nvCxnSpPr>
+          <p:cNvPr id="157" name="Straight Connector 156">
+            <a:extLst>
+              <a:ext uri="{FF2B5EF4-FFF2-40B4-BE49-F238E27FC236}">
+                <a16:creationId xmlns:a16="http://schemas.microsoft.com/office/drawing/2014/main" id="{241FC959-252A-4206-ADC8-EA59D9583E18}"/>
+              </a:ext>
+            </a:extLst>
+          </p:cNvPr>
+          <p:cNvCxnSpPr>
+            <a:cxnSpLocks/>
+            <a:endCxn id="150" idx="3"/>
+          </p:cNvCxnSpPr>
+          <p:nvPr/>
+        </p:nvCxnSpPr>
+        <p:spPr>
+          <a:xfrm flipH="1">
+            <a:off x="1987759" y="4872644"/>
+            <a:ext cx="1549208" cy="1244733"/>
+          </a:xfrm>
+          <a:prstGeom prst="line">
+            <a:avLst/>
+          </a:prstGeom>
+          <a:ln w="63500">
+            <a:solidFill>
+              <a:schemeClr val="tx1"/>
+            </a:solidFill>
+          </a:ln>
+        </p:spPr>
+        <p:style>
+          <a:lnRef idx="1">
+            <a:schemeClr val="accent1"/>
+          </a:lnRef>
+          <a:fillRef idx="0">
+            <a:schemeClr val="accent1"/>
+          </a:fillRef>
+          <a:effectRef idx="0">
+            <a:schemeClr val="accent1"/>
+          </a:effectRef>
+          <a:fontRef idx="minor">
+            <a:schemeClr val="tx1"/>
+          </a:fontRef>
+        </p:style>
+      </p:cxnSp>
+      <p:cxnSp>
+        <p:nvCxnSpPr>
+          <p:cNvPr id="152" name="Straight Connector 151">
+            <a:extLst>
+              <a:ext uri="{FF2B5EF4-FFF2-40B4-BE49-F238E27FC236}">
+                <a16:creationId xmlns:a16="http://schemas.microsoft.com/office/drawing/2014/main" id="{D9CD4655-7B8A-4F4F-951D-849DE443F493}"/>
+              </a:ext>
+            </a:extLst>
+          </p:cNvPr>
+          <p:cNvCxnSpPr>
+            <a:cxnSpLocks/>
+          </p:cNvCxnSpPr>
+          <p:nvPr/>
+        </p:nvCxnSpPr>
+        <p:spPr>
+          <a:xfrm>
+            <a:off x="675349" y="5334092"/>
+            <a:ext cx="1100357" cy="665735"/>
+          </a:xfrm>
+          <a:prstGeom prst="line">
+            <a:avLst/>
+          </a:prstGeom>
+          <a:ln w="63500">
+            <a:solidFill>
+              <a:schemeClr val="tx1"/>
+            </a:solidFill>
+          </a:ln>
+        </p:spPr>
+        <p:style>
+          <a:lnRef idx="1">
+            <a:schemeClr val="accent1"/>
+          </a:lnRef>
+          <a:fillRef idx="0">
+            <a:schemeClr val="accent1"/>
+          </a:fillRef>
+          <a:effectRef idx="0">
+            <a:schemeClr val="accent1"/>
+          </a:effectRef>
+          <a:fontRef idx="minor">
+            <a:schemeClr val="tx1"/>
+          </a:fontRef>
+        </p:style>
+      </p:cxnSp>
+      <p:cxnSp>
+        <p:nvCxnSpPr>
+          <p:cNvPr id="151" name="Straight Connector 150">
+            <a:extLst>
+              <a:ext uri="{FF2B5EF4-FFF2-40B4-BE49-F238E27FC236}">
+                <a16:creationId xmlns:a16="http://schemas.microsoft.com/office/drawing/2014/main" id="{8BE14A68-3E47-43D9-B854-EE4688DB7F2D}"/>
+              </a:ext>
+            </a:extLst>
+          </p:cNvPr>
+          <p:cNvCxnSpPr>
+            <a:cxnSpLocks/>
+          </p:cNvCxnSpPr>
+          <p:nvPr/>
+        </p:nvCxnSpPr>
+        <p:spPr>
+          <a:xfrm flipH="1">
+            <a:off x="574856" y="3867325"/>
+            <a:ext cx="748612" cy="1415531"/>
+          </a:xfrm>
+          <a:prstGeom prst="line">
+            <a:avLst/>
+          </a:prstGeom>
+          <a:ln w="63500">
+            <a:solidFill>
+              <a:schemeClr val="tx1"/>
+            </a:solidFill>
+          </a:ln>
+        </p:spPr>
+        <p:style>
+          <a:lnRef idx="1">
+            <a:schemeClr val="accent1"/>
+          </a:lnRef>
+          <a:fillRef idx="0">
+            <a:schemeClr val="accent1"/>
+          </a:fillRef>
+          <a:effectRef idx="0">
+            <a:schemeClr val="accent1"/>
+          </a:effectRef>
+          <a:fontRef idx="minor">
+            <a:schemeClr val="tx1"/>
+          </a:fontRef>
+        </p:style>
+      </p:cxnSp>
+      <p:cxnSp>
+        <p:nvCxnSpPr>
+          <p:cNvPr id="139" name="Straight Connector 138">
+            <a:extLst>
+              <a:ext uri="{FF2B5EF4-FFF2-40B4-BE49-F238E27FC236}">
+                <a16:creationId xmlns:a16="http://schemas.microsoft.com/office/drawing/2014/main" id="{343B7CDE-3E76-42D2-81D4-75EBDD3E6333}"/>
+              </a:ext>
+            </a:extLst>
+          </p:cNvPr>
+          <p:cNvCxnSpPr>
+            <a:cxnSpLocks/>
+          </p:cNvCxnSpPr>
+          <p:nvPr/>
+        </p:nvCxnSpPr>
+        <p:spPr>
+          <a:xfrm flipH="1">
+            <a:off x="1378733" y="2170215"/>
+            <a:ext cx="978881" cy="1332099"/>
+          </a:xfrm>
+          <a:prstGeom prst="line">
+            <a:avLst/>
+          </a:prstGeom>
+          <a:ln w="63500">
+            <a:solidFill>
+              <a:schemeClr val="tx1"/>
+            </a:solidFill>
+          </a:ln>
+        </p:spPr>
+        <p:style>
+          <a:lnRef idx="1">
+            <a:schemeClr val="accent1"/>
+          </a:lnRef>
+          <a:fillRef idx="0">
+            <a:schemeClr val="accent1"/>
+          </a:fillRef>
+          <a:effectRef idx="0">
+            <a:schemeClr val="accent1"/>
+          </a:effectRef>
+          <a:fontRef idx="minor">
+            <a:schemeClr val="tx1"/>
+          </a:fontRef>
+        </p:style>
+      </p:cxnSp>
+      <p:cxnSp>
+        <p:nvCxnSpPr>
+          <p:cNvPr id="134" name="Straight Connector 133">
+            <a:extLst>
+              <a:ext uri="{FF2B5EF4-FFF2-40B4-BE49-F238E27FC236}">
+                <a16:creationId xmlns:a16="http://schemas.microsoft.com/office/drawing/2014/main" id="{64499B82-9A1B-4B85-B984-5383E0A74630}"/>
+              </a:ext>
+            </a:extLst>
+          </p:cNvPr>
+          <p:cNvCxnSpPr>
+            <a:cxnSpLocks/>
+            <a:stCxn id="126" idx="4"/>
+          </p:cNvCxnSpPr>
+          <p:nvPr/>
+        </p:nvCxnSpPr>
+        <p:spPr>
+          <a:xfrm>
+            <a:off x="1217172" y="1305659"/>
+            <a:ext cx="1100357" cy="665735"/>
+          </a:xfrm>
+          <a:prstGeom prst="line">
+            <a:avLst/>
+          </a:prstGeom>
+          <a:ln w="63500">
+            <a:solidFill>
+              <a:schemeClr val="tx1"/>
+            </a:solidFill>
+          </a:ln>
+        </p:spPr>
+        <p:style>
+          <a:lnRef idx="1">
+            <a:schemeClr val="accent1"/>
+          </a:lnRef>
+          <a:fillRef idx="0">
+            <a:schemeClr val="accent1"/>
+          </a:fillRef>
+          <a:effectRef idx="0">
+            <a:schemeClr val="accent1"/>
+          </a:effectRef>
+          <a:fontRef idx="minor">
+            <a:schemeClr val="tx1"/>
+          </a:fontRef>
+        </p:style>
+      </p:cxnSp>
+      <p:cxnSp>
+        <p:nvCxnSpPr>
+          <p:cNvPr id="132" name="Straight Connector 131">
+            <a:extLst>
+              <a:ext uri="{FF2B5EF4-FFF2-40B4-BE49-F238E27FC236}">
+                <a16:creationId xmlns:a16="http://schemas.microsoft.com/office/drawing/2014/main" id="{D000BE57-19FA-4946-8E78-20DF5DF636C4}"/>
+              </a:ext>
+            </a:extLst>
+          </p:cNvPr>
+          <p:cNvCxnSpPr>
+            <a:cxnSpLocks/>
+          </p:cNvCxnSpPr>
+          <p:nvPr/>
+        </p:nvCxnSpPr>
+        <p:spPr>
+          <a:xfrm flipH="1">
+            <a:off x="185943" y="1250809"/>
+            <a:ext cx="782514" cy="561213"/>
+          </a:xfrm>
+          <a:prstGeom prst="line">
+            <a:avLst/>
+          </a:prstGeom>
+          <a:ln w="63500">
+            <a:solidFill>
+              <a:schemeClr val="tx1"/>
+            </a:solidFill>
+          </a:ln>
+        </p:spPr>
+        <p:style>
+          <a:lnRef idx="1">
+            <a:schemeClr val="accent1"/>
+          </a:lnRef>
+          <a:fillRef idx="0">
+            <a:schemeClr val="accent1"/>
+          </a:fillRef>
+          <a:effectRef idx="0">
+            <a:schemeClr val="accent1"/>
+          </a:effectRef>
+          <a:fontRef idx="minor">
+            <a:schemeClr val="tx1"/>
+          </a:fontRef>
+        </p:style>
+      </p:cxnSp>
+      <p:cxnSp>
+        <p:nvCxnSpPr>
+          <p:cNvPr id="128" name="Straight Connector 127">
+            <a:extLst>
+              <a:ext uri="{FF2B5EF4-FFF2-40B4-BE49-F238E27FC236}">
+                <a16:creationId xmlns:a16="http://schemas.microsoft.com/office/drawing/2014/main" id="{D572D67B-BAB9-44D2-B927-01291A573017}"/>
+              </a:ext>
+            </a:extLst>
+          </p:cNvPr>
+          <p:cNvCxnSpPr>
+            <a:cxnSpLocks/>
+          </p:cNvCxnSpPr>
+          <p:nvPr/>
+        </p:nvCxnSpPr>
+        <p:spPr>
+          <a:xfrm>
+            <a:off x="301749" y="545284"/>
+            <a:ext cx="731603" cy="605297"/>
+          </a:xfrm>
+          <a:prstGeom prst="line">
+            <a:avLst/>
+          </a:prstGeom>
+          <a:ln w="63500">
+            <a:solidFill>
+              <a:schemeClr val="tx1"/>
+            </a:solidFill>
+          </a:ln>
+        </p:spPr>
+        <p:style>
+          <a:lnRef idx="1">
+            <a:schemeClr val="accent1"/>
+          </a:lnRef>
+          <a:fillRef idx="0">
+            <a:schemeClr val="accent1"/>
+          </a:fillRef>
+          <a:effectRef idx="0">
+            <a:schemeClr val="accent1"/>
+          </a:effectRef>
+          <a:fontRef idx="minor">
+            <a:schemeClr val="tx1"/>
+          </a:fontRef>
+        </p:style>
+      </p:cxnSp>
+      <p:grpSp>
+        <p:nvGrpSpPr>
+          <p:cNvPr id="96" name="Group 95">
+            <a:extLst>
+              <a:ext uri="{FF2B5EF4-FFF2-40B4-BE49-F238E27FC236}">
+                <a16:creationId xmlns:a16="http://schemas.microsoft.com/office/drawing/2014/main" id="{5D5B81AC-4390-4D7A-A7AE-7B8740AA1AFE}"/>
+              </a:ext>
+            </a:extLst>
+          </p:cNvPr>
+          <p:cNvGrpSpPr/>
+          <p:nvPr/>
+        </p:nvGrpSpPr>
+        <p:grpSpPr>
+          <a:xfrm>
+            <a:off x="585885" y="691899"/>
+            <a:ext cx="916081" cy="872182"/>
+            <a:chOff x="4500040" y="256852"/>
+            <a:chExt cx="916081" cy="872182"/>
+          </a:xfrm>
+        </p:grpSpPr>
+        <p:sp>
+          <p:nvSpPr>
+            <p:cNvPr id="101" name="Oval 100">
+              <a:extLst>
+                <a:ext uri="{FF2B5EF4-FFF2-40B4-BE49-F238E27FC236}">
+                  <a16:creationId xmlns:a16="http://schemas.microsoft.com/office/drawing/2014/main" id="{4EAFDD7D-472B-4722-9DFC-53D5A3315D1B}"/>
+                </a:ext>
+              </a:extLst>
+            </p:cNvPr>
+            <p:cNvSpPr/>
+            <p:nvPr/>
+          </p:nvSpPr>
+          <p:spPr>
+            <a:xfrm>
+              <a:off x="4504808" y="256852"/>
+              <a:ext cx="911313" cy="872182"/>
+            </a:xfrm>
+            <a:prstGeom prst="ellipse">
+              <a:avLst/>
+            </a:prstGeom>
+            <a:solidFill>
+              <a:schemeClr val="accent4"/>
+            </a:solidFill>
+            <a:ln w="25400">
+              <a:solidFill>
+                <a:schemeClr val="tx1"/>
+              </a:solidFill>
+            </a:ln>
+            <a:effectLst>
+              <a:outerShdw blurRad="63500" sx="102000" sy="102000" algn="ctr" rotWithShape="0">
+                <a:prstClr val="black">
+                  <a:alpha val="40000"/>
+                </a:prstClr>
+              </a:outerShdw>
+            </a:effectLst>
+          </p:spPr>
+          <p:style>
+            <a:lnRef idx="2">
+              <a:schemeClr val="accent1">
+                <a:shade val="50000"/>
+              </a:schemeClr>
+            </a:lnRef>
+            <a:fillRef idx="1">
+              <a:schemeClr val="accent1"/>
+            </a:fillRef>
+            <a:effectRef idx="0">
+              <a:schemeClr val="accent1"/>
+            </a:effectRef>
+            <a:fontRef idx="minor">
+              <a:schemeClr val="lt1"/>
+            </a:fontRef>
+          </p:style>
+          <p:txBody>
+            <a:bodyPr rot="0" spcFirstLastPara="0" vertOverflow="overflow" horzOverflow="overflow" vert="horz" wrap="square" lIns="74295" tIns="37148" rIns="74295" bIns="37148" numCol="1" spcCol="0" rtlCol="0" fromWordArt="0" anchor="ctr" anchorCtr="0" forceAA="0" compatLnSpc="1">
+              <a:prstTxWarp prst="textNoShape">
+                <a:avLst/>
+              </a:prstTxWarp>
+              <a:noAutofit/>
+            </a:bodyPr>
+            <a:lstStyle/>
+            <a:p>
+              <a:pPr algn="ctr"/>
+              <a:endParaRPr lang="en-US" sz="1463"/>
+            </a:p>
+          </p:txBody>
+        </p:sp>
+        <p:pic>
+          <p:nvPicPr>
+            <p:cNvPr id="126" name="Picture 125">
+              <a:extLst>
+                <a:ext uri="{FF2B5EF4-FFF2-40B4-BE49-F238E27FC236}">
+                  <a16:creationId xmlns:a16="http://schemas.microsoft.com/office/drawing/2014/main" id="{7B9027CD-6D3B-4133-814E-C82811BB4CC1}"/>
+                </a:ext>
+              </a:extLst>
+            </p:cNvPr>
+            <p:cNvPicPr>
+              <a:picLocks noChangeAspect="1"/>
+            </p:cNvPicPr>
+            <p:nvPr/>
+          </p:nvPicPr>
+          <p:blipFill>
+            <a:blip r:embed="rId2"/>
+            <a:stretch>
+              <a:fillRect/>
+            </a:stretch>
+          </p:blipFill>
+          <p:spPr>
+            <a:xfrm>
+              <a:off x="4947507" y="502972"/>
+              <a:ext cx="367640" cy="367640"/>
+            </a:xfrm>
+            <a:prstGeom prst="ellipse">
+              <a:avLst/>
+            </a:prstGeom>
+            <a:ln w="25400">
+              <a:solidFill>
+                <a:srgbClr val="C00000"/>
+              </a:solidFill>
+            </a:ln>
+          </p:spPr>
+        </p:pic>
+        <p:sp>
+          <p:nvSpPr>
+            <p:cNvPr id="127" name="TextBox 126">
+              <a:extLst>
+                <a:ext uri="{FF2B5EF4-FFF2-40B4-BE49-F238E27FC236}">
+                  <a16:creationId xmlns:a16="http://schemas.microsoft.com/office/drawing/2014/main" id="{C54D8CA0-82E0-45AB-B238-70D201866A16}"/>
+                </a:ext>
+              </a:extLst>
+            </p:cNvPr>
+            <p:cNvSpPr txBox="1"/>
+            <p:nvPr/>
+          </p:nvSpPr>
+          <p:spPr>
+            <a:xfrm>
+              <a:off x="4500040" y="386230"/>
+              <a:ext cx="548548" cy="584775"/>
+            </a:xfrm>
+            <a:prstGeom prst="rect">
+              <a:avLst/>
+            </a:prstGeom>
+            <a:noFill/>
+          </p:spPr>
+          <p:txBody>
+            <a:bodyPr wrap="none" rtlCol="0">
+              <a:spAutoFit/>
+            </a:bodyPr>
+            <a:lstStyle/>
+            <a:p>
+              <a:r>
+                <a:rPr lang="ru-RU" sz="3200" dirty="0">
+                  <a:solidFill>
+                    <a:srgbClr val="C00000"/>
+                  </a:solidFill>
+                  <a:latin typeface="Cooper Black" panose="0208090404030B020404" pitchFamily="18" charset="0"/>
+                </a:rPr>
+                <a:t>-1</a:t>
+              </a:r>
+              <a:endParaRPr lang="en-US" sz="3200" dirty="0">
+                <a:solidFill>
+                  <a:srgbClr val="C00000"/>
+                </a:solidFill>
+                <a:latin typeface="Cooper Black" panose="0208090404030B020404" pitchFamily="18" charset="0"/>
+              </a:endParaRPr>
+            </a:p>
+          </p:txBody>
+        </p:sp>
+      </p:grpSp>
+      <p:sp>
+        <p:nvSpPr>
+          <p:cNvPr id="133" name="TextBox 132">
+            <a:extLst>
+              <a:ext uri="{FF2B5EF4-FFF2-40B4-BE49-F238E27FC236}">
+                <a16:creationId xmlns:a16="http://schemas.microsoft.com/office/drawing/2014/main" id="{E42F7404-7E58-431D-8F4D-EE8744F3AA64}"/>
+              </a:ext>
+            </a:extLst>
+          </p:cNvPr>
+          <p:cNvSpPr txBox="1"/>
+          <p:nvPr/>
+        </p:nvSpPr>
+        <p:spPr>
+          <a:xfrm>
+            <a:off x="0" y="2483001"/>
+            <a:ext cx="544922" cy="646331"/>
+          </a:xfrm>
+          <a:prstGeom prst="rect">
+            <a:avLst/>
+          </a:prstGeom>
+          <a:noFill/>
+        </p:spPr>
+        <p:txBody>
+          <a:bodyPr wrap="square" rtlCol="0">
+            <a:spAutoFit/>
+          </a:bodyPr>
+          <a:lstStyle/>
+          <a:p>
+            <a:r>
+              <a:rPr lang="en-US" dirty="0"/>
+              <a:t>Top</a:t>
+            </a:r>
+          </a:p>
+          <a:p>
+            <a:r>
+              <a:rPr lang="en-US" dirty="0"/>
+              <a:t>mid</a:t>
+            </a:r>
+          </a:p>
+        </p:txBody>
+      </p:sp>
+      <p:grpSp>
+        <p:nvGrpSpPr>
+          <p:cNvPr id="135" name="Group 134">
+            <a:extLst>
+              <a:ext uri="{FF2B5EF4-FFF2-40B4-BE49-F238E27FC236}">
+                <a16:creationId xmlns:a16="http://schemas.microsoft.com/office/drawing/2014/main" id="{919FC881-D9FA-4350-B51F-8C15A9ACB222}"/>
+              </a:ext>
+            </a:extLst>
+          </p:cNvPr>
+          <p:cNvGrpSpPr/>
+          <p:nvPr/>
+        </p:nvGrpSpPr>
+        <p:grpSpPr>
+          <a:xfrm>
+            <a:off x="1971036" y="1610819"/>
+            <a:ext cx="916081" cy="872182"/>
+            <a:chOff x="4500040" y="256852"/>
+            <a:chExt cx="916081" cy="872182"/>
+          </a:xfrm>
+        </p:grpSpPr>
+        <p:sp>
+          <p:nvSpPr>
+            <p:cNvPr id="136" name="Oval 135">
+              <a:extLst>
+                <a:ext uri="{FF2B5EF4-FFF2-40B4-BE49-F238E27FC236}">
+                  <a16:creationId xmlns:a16="http://schemas.microsoft.com/office/drawing/2014/main" id="{5161B42F-EFC0-4233-9186-3490D5E066DE}"/>
+                </a:ext>
+              </a:extLst>
+            </p:cNvPr>
+            <p:cNvSpPr/>
+            <p:nvPr/>
+          </p:nvSpPr>
+          <p:spPr>
+            <a:xfrm>
+              <a:off x="4504808" y="256852"/>
+              <a:ext cx="911313" cy="872182"/>
+            </a:xfrm>
+            <a:prstGeom prst="ellipse">
+              <a:avLst/>
+            </a:prstGeom>
+            <a:solidFill>
+              <a:schemeClr val="accent4"/>
+            </a:solidFill>
+            <a:ln w="25400">
+              <a:solidFill>
+                <a:schemeClr val="tx1"/>
+              </a:solidFill>
+            </a:ln>
+            <a:effectLst>
+              <a:outerShdw blurRad="63500" sx="102000" sy="102000" algn="ctr" rotWithShape="0">
+                <a:prstClr val="black">
+                  <a:alpha val="40000"/>
+                </a:prstClr>
+              </a:outerShdw>
+            </a:effectLst>
+          </p:spPr>
+          <p:style>
+            <a:lnRef idx="2">
+              <a:schemeClr val="accent1">
+                <a:shade val="50000"/>
+              </a:schemeClr>
+            </a:lnRef>
+            <a:fillRef idx="1">
+              <a:schemeClr val="accent1"/>
+            </a:fillRef>
+            <a:effectRef idx="0">
+              <a:schemeClr val="accent1"/>
+            </a:effectRef>
+            <a:fontRef idx="minor">
+              <a:schemeClr val="lt1"/>
+            </a:fontRef>
+          </p:style>
+          <p:txBody>
+            <a:bodyPr rot="0" spcFirstLastPara="0" vertOverflow="overflow" horzOverflow="overflow" vert="horz" wrap="square" lIns="74295" tIns="37148" rIns="74295" bIns="37148" numCol="1" spcCol="0" rtlCol="0" fromWordArt="0" anchor="ctr" anchorCtr="0" forceAA="0" compatLnSpc="1">
+              <a:prstTxWarp prst="textNoShape">
+                <a:avLst/>
+              </a:prstTxWarp>
+              <a:noAutofit/>
+            </a:bodyPr>
+            <a:lstStyle/>
+            <a:p>
+              <a:pPr algn="ctr"/>
+              <a:endParaRPr lang="en-US" sz="1463"/>
+            </a:p>
+          </p:txBody>
+        </p:sp>
+        <p:pic>
+          <p:nvPicPr>
+            <p:cNvPr id="137" name="Picture 136">
+              <a:extLst>
+                <a:ext uri="{FF2B5EF4-FFF2-40B4-BE49-F238E27FC236}">
+                  <a16:creationId xmlns:a16="http://schemas.microsoft.com/office/drawing/2014/main" id="{433DEA78-E176-42A2-8E78-87F7694B6572}"/>
+                </a:ext>
+              </a:extLst>
+            </p:cNvPr>
+            <p:cNvPicPr>
+              <a:picLocks noChangeAspect="1"/>
+            </p:cNvPicPr>
+            <p:nvPr/>
+          </p:nvPicPr>
+          <p:blipFill>
+            <a:blip r:embed="rId2"/>
+            <a:stretch>
+              <a:fillRect/>
+            </a:stretch>
+          </p:blipFill>
+          <p:spPr>
+            <a:xfrm>
+              <a:off x="4947507" y="502972"/>
+              <a:ext cx="367640" cy="367640"/>
+            </a:xfrm>
+            <a:prstGeom prst="ellipse">
+              <a:avLst/>
+            </a:prstGeom>
+            <a:ln w="25400">
+              <a:solidFill>
+                <a:srgbClr val="C00000"/>
+              </a:solidFill>
+            </a:ln>
+          </p:spPr>
+        </p:pic>
+        <p:sp>
+          <p:nvSpPr>
+            <p:cNvPr id="138" name="TextBox 137">
+              <a:extLst>
+                <a:ext uri="{FF2B5EF4-FFF2-40B4-BE49-F238E27FC236}">
+                  <a16:creationId xmlns:a16="http://schemas.microsoft.com/office/drawing/2014/main" id="{28449CC0-DBBC-4FC0-9549-603D61979E3D}"/>
+                </a:ext>
+              </a:extLst>
+            </p:cNvPr>
+            <p:cNvSpPr txBox="1"/>
+            <p:nvPr/>
+          </p:nvSpPr>
+          <p:spPr>
+            <a:xfrm>
+              <a:off x="4500040" y="386230"/>
+              <a:ext cx="548548" cy="584775"/>
+            </a:xfrm>
+            <a:prstGeom prst="rect">
+              <a:avLst/>
+            </a:prstGeom>
+            <a:noFill/>
+          </p:spPr>
+          <p:txBody>
+            <a:bodyPr wrap="none" rtlCol="0">
+              <a:spAutoFit/>
+            </a:bodyPr>
+            <a:lstStyle/>
+            <a:p>
+              <a:r>
+                <a:rPr lang="ru-RU" sz="3200" dirty="0">
+                  <a:solidFill>
+                    <a:srgbClr val="C00000"/>
+                  </a:solidFill>
+                  <a:latin typeface="Cooper Black" panose="0208090404030B020404" pitchFamily="18" charset="0"/>
+                </a:rPr>
+                <a:t>-1</a:t>
+              </a:r>
+              <a:endParaRPr lang="en-US" sz="3200" dirty="0">
+                <a:solidFill>
+                  <a:srgbClr val="C00000"/>
+                </a:solidFill>
+                <a:latin typeface="Cooper Black" panose="0208090404030B020404" pitchFamily="18" charset="0"/>
+              </a:endParaRPr>
+            </a:p>
+          </p:txBody>
+        </p:sp>
+      </p:grpSp>
+      <p:pic>
+        <p:nvPicPr>
+          <p:cNvPr id="2050" name="Picture 2" descr="Цветок, цветы, флора, макро, маки, мак, маковая поляна, маковое поле,  закат, пейзаж — #673869">
+            <a:extLst>
+              <a:ext uri="{FF2B5EF4-FFF2-40B4-BE49-F238E27FC236}">
+                <a16:creationId xmlns:a16="http://schemas.microsoft.com/office/drawing/2014/main" id="{DCCB12E7-B544-4647-A1F7-D358F1E55EF4}"/>
+              </a:ext>
+            </a:extLst>
+          </p:cNvPr>
+          <p:cNvPicPr>
+            <a:picLocks noChangeAspect="1" noChangeArrowheads="1"/>
+          </p:cNvPicPr>
+          <p:nvPr/>
+        </p:nvPicPr>
+        <p:blipFill>
+          <a:blip r:embed="rId3" cstate="print">
+            <a:extLst>
+              <a:ext uri="{28A0092B-C50C-407E-A947-70E740481C1C}">
+                <a14:useLocalDpi xmlns:a14="http://schemas.microsoft.com/office/drawing/2010/main" val="0"/>
+              </a:ext>
+            </a:extLst>
+          </a:blip>
+          <a:srcRect/>
+          <a:stretch>
+            <a:fillRect/>
+          </a:stretch>
+        </p:blipFill>
+        <p:spPr bwMode="auto">
+          <a:xfrm>
+            <a:off x="574855" y="2990707"/>
+            <a:ext cx="1497226" cy="1426666"/>
+          </a:xfrm>
+          <a:prstGeom prst="ellipse">
+            <a:avLst/>
+          </a:prstGeom>
+          <a:noFill/>
+          <a:ln w="63500">
+            <a:solidFill>
+              <a:schemeClr val="accent6">
+                <a:lumMod val="75000"/>
+              </a:schemeClr>
+            </a:solidFill>
+          </a:ln>
+          <a:extLst>
+            <a:ext uri="{909E8E84-426E-40DD-AFC4-6F175D3DCCD1}">
+              <a14:hiddenFill xmlns:a14="http://schemas.microsoft.com/office/drawing/2010/main">
+                <a:solidFill>
+                  <a:srgbClr val="FFFFFF"/>
+                </a:solidFill>
+              </a14:hiddenFill>
+            </a:ext>
+          </a:extLst>
+        </p:spPr>
+      </p:pic>
+      <p:grpSp>
+        <p:nvGrpSpPr>
+          <p:cNvPr id="140" name="Group 139">
+            <a:extLst>
+              <a:ext uri="{FF2B5EF4-FFF2-40B4-BE49-F238E27FC236}">
+                <a16:creationId xmlns:a16="http://schemas.microsoft.com/office/drawing/2014/main" id="{5B96D810-5614-44E4-B19A-7255E9932730}"/>
+              </a:ext>
+            </a:extLst>
+          </p:cNvPr>
+          <p:cNvGrpSpPr/>
+          <p:nvPr/>
+        </p:nvGrpSpPr>
+        <p:grpSpPr>
+          <a:xfrm>
+            <a:off x="928302" y="4365676"/>
+            <a:ext cx="1008636" cy="584775"/>
+            <a:chOff x="3724047" y="3238302"/>
+            <a:chExt cx="1008636" cy="584775"/>
+          </a:xfrm>
+        </p:grpSpPr>
+        <p:pic>
+          <p:nvPicPr>
+            <p:cNvPr id="141" name="Picture 140">
+              <a:extLst>
+                <a:ext uri="{FF2B5EF4-FFF2-40B4-BE49-F238E27FC236}">
+                  <a16:creationId xmlns:a16="http://schemas.microsoft.com/office/drawing/2014/main" id="{751F19D7-6B30-441E-B180-0CAFE5F353DF}"/>
+                </a:ext>
+              </a:extLst>
+            </p:cNvPr>
+            <p:cNvPicPr>
+              <a:picLocks noChangeAspect="1"/>
+            </p:cNvPicPr>
+            <p:nvPr/>
+          </p:nvPicPr>
+          <p:blipFill>
+            <a:blip r:embed="rId2"/>
+            <a:stretch>
+              <a:fillRect/>
+            </a:stretch>
+          </p:blipFill>
+          <p:spPr>
+            <a:xfrm>
+              <a:off x="4365043" y="3377630"/>
+              <a:ext cx="367640" cy="367640"/>
+            </a:xfrm>
+            <a:prstGeom prst="ellipse">
+              <a:avLst/>
+            </a:prstGeom>
+            <a:ln w="25400">
+              <a:solidFill>
+                <a:schemeClr val="accent6">
+                  <a:lumMod val="75000"/>
+                </a:schemeClr>
+              </a:solidFill>
+            </a:ln>
+          </p:spPr>
+        </p:pic>
+        <p:sp>
+          <p:nvSpPr>
+            <p:cNvPr id="142" name="TextBox 141">
+              <a:extLst>
+                <a:ext uri="{FF2B5EF4-FFF2-40B4-BE49-F238E27FC236}">
+                  <a16:creationId xmlns:a16="http://schemas.microsoft.com/office/drawing/2014/main" id="{93EDBBFE-0528-4419-B396-EDB50211B25D}"/>
+                </a:ext>
+              </a:extLst>
+            </p:cNvPr>
+            <p:cNvSpPr txBox="1"/>
+            <p:nvPr/>
+          </p:nvSpPr>
+          <p:spPr>
+            <a:xfrm>
+              <a:off x="3724047" y="3238302"/>
+              <a:ext cx="678391" cy="584775"/>
+            </a:xfrm>
+            <a:prstGeom prst="rect">
+              <a:avLst/>
+            </a:prstGeom>
+            <a:noFill/>
+          </p:spPr>
+          <p:txBody>
+            <a:bodyPr wrap="none" rtlCol="0">
+              <a:spAutoFit/>
+            </a:bodyPr>
+            <a:lstStyle/>
+            <a:p>
+              <a:r>
+                <a:rPr lang="nl-NL" sz="3200" dirty="0">
+                  <a:solidFill>
+                    <a:schemeClr val="accent6">
+                      <a:lumMod val="75000"/>
+                    </a:schemeClr>
+                  </a:solidFill>
+                  <a:latin typeface="Cooper Black" panose="0208090404030B020404" pitchFamily="18" charset="0"/>
+                </a:rPr>
+                <a:t>+2</a:t>
+              </a:r>
+              <a:endParaRPr lang="en-US" sz="3200" dirty="0">
+                <a:solidFill>
+                  <a:schemeClr val="accent6">
+                    <a:lumMod val="75000"/>
+                  </a:schemeClr>
+                </a:solidFill>
+                <a:latin typeface="Cooper Black" panose="0208090404030B020404" pitchFamily="18" charset="0"/>
+              </a:endParaRPr>
+            </a:p>
+          </p:txBody>
+        </p:sp>
+      </p:grpSp>
+      <p:grpSp>
+        <p:nvGrpSpPr>
+          <p:cNvPr id="143" name="Group 142">
+            <a:extLst>
+              <a:ext uri="{FF2B5EF4-FFF2-40B4-BE49-F238E27FC236}">
+                <a16:creationId xmlns:a16="http://schemas.microsoft.com/office/drawing/2014/main" id="{1A59C149-E2DF-4497-8CBD-E813A5DDFF42}"/>
+              </a:ext>
+            </a:extLst>
+          </p:cNvPr>
+          <p:cNvGrpSpPr/>
+          <p:nvPr/>
+        </p:nvGrpSpPr>
+        <p:grpSpPr>
+          <a:xfrm>
+            <a:off x="234291" y="4898753"/>
+            <a:ext cx="799061" cy="768207"/>
+            <a:chOff x="2134230" y="1207242"/>
+            <a:chExt cx="799061" cy="768207"/>
+          </a:xfrm>
+        </p:grpSpPr>
+        <p:sp>
+          <p:nvSpPr>
+            <p:cNvPr id="144" name="Oval 143">
+              <a:extLst>
+                <a:ext uri="{FF2B5EF4-FFF2-40B4-BE49-F238E27FC236}">
+                  <a16:creationId xmlns:a16="http://schemas.microsoft.com/office/drawing/2014/main" id="{23AB708A-3C49-4E3F-B111-ECA5CA66614D}"/>
+                </a:ext>
+              </a:extLst>
+            </p:cNvPr>
+            <p:cNvSpPr/>
+            <p:nvPr/>
+          </p:nvSpPr>
+          <p:spPr>
+            <a:xfrm>
+              <a:off x="2150838" y="1207242"/>
+              <a:ext cx="782453" cy="768207"/>
+            </a:xfrm>
+            <a:prstGeom prst="ellipse">
+              <a:avLst/>
+            </a:prstGeom>
+            <a:solidFill>
+              <a:schemeClr val="accent4"/>
+            </a:solidFill>
+            <a:ln w="25400">
+              <a:solidFill>
+                <a:schemeClr val="tx1"/>
+              </a:solidFill>
+            </a:ln>
+            <a:effectLst>
+              <a:outerShdw blurRad="63500" sx="102000" sy="102000" algn="ctr" rotWithShape="0">
+                <a:prstClr val="black">
+                  <a:alpha val="40000"/>
+                </a:prstClr>
+              </a:outerShdw>
+            </a:effectLst>
+          </p:spPr>
+          <p:style>
+            <a:lnRef idx="2">
+              <a:schemeClr val="accent1">
+                <a:shade val="50000"/>
+              </a:schemeClr>
+            </a:lnRef>
+            <a:fillRef idx="1">
+              <a:schemeClr val="accent1"/>
+            </a:fillRef>
+            <a:effectRef idx="0">
+              <a:schemeClr val="accent1"/>
+            </a:effectRef>
+            <a:fontRef idx="minor">
+              <a:schemeClr val="lt1"/>
+            </a:fontRef>
+          </p:style>
+          <p:txBody>
+            <a:bodyPr rot="0" spcFirstLastPara="0" vertOverflow="overflow" horzOverflow="overflow" vert="horz" wrap="square" lIns="74295" tIns="37148" rIns="74295" bIns="37148" numCol="1" spcCol="0" rtlCol="0" fromWordArt="0" anchor="ctr" anchorCtr="0" forceAA="0" compatLnSpc="1">
+              <a:prstTxWarp prst="textNoShape">
+                <a:avLst/>
+              </a:prstTxWarp>
+              <a:noAutofit/>
+            </a:bodyPr>
+            <a:lstStyle/>
+            <a:p>
+              <a:pPr algn="ctr"/>
+              <a:endParaRPr lang="en-US" sz="1463"/>
+            </a:p>
+          </p:txBody>
+        </p:sp>
+        <p:pic>
+          <p:nvPicPr>
+            <p:cNvPr id="145" name="Picture 144">
+              <a:extLst>
+                <a:ext uri="{FF2B5EF4-FFF2-40B4-BE49-F238E27FC236}">
+                  <a16:creationId xmlns:a16="http://schemas.microsoft.com/office/drawing/2014/main" id="{D41BCACF-2697-49CF-8B82-576F8195CDD2}"/>
+                </a:ext>
+              </a:extLst>
+            </p:cNvPr>
+            <p:cNvPicPr>
+              <a:picLocks noChangeAspect="1"/>
+            </p:cNvPicPr>
+            <p:nvPr/>
+          </p:nvPicPr>
+          <p:blipFill>
+            <a:blip r:embed="rId2"/>
+            <a:stretch>
+              <a:fillRect/>
+            </a:stretch>
+          </p:blipFill>
+          <p:spPr>
+            <a:xfrm>
+              <a:off x="2492699" y="1409333"/>
+              <a:ext cx="367640" cy="367640"/>
+            </a:xfrm>
+            <a:prstGeom prst="ellipse">
+              <a:avLst/>
+            </a:prstGeom>
+            <a:ln w="25400">
+              <a:solidFill>
+                <a:schemeClr val="accent2"/>
+              </a:solidFill>
+            </a:ln>
+          </p:spPr>
+        </p:pic>
+        <p:sp>
+          <p:nvSpPr>
+            <p:cNvPr id="146" name="TextBox 145">
+              <a:extLst>
+                <a:ext uri="{FF2B5EF4-FFF2-40B4-BE49-F238E27FC236}">
+                  <a16:creationId xmlns:a16="http://schemas.microsoft.com/office/drawing/2014/main" id="{136AB5D1-5546-4DCA-97B5-7395B8E5B974}"/>
+                </a:ext>
+              </a:extLst>
+            </p:cNvPr>
+            <p:cNvSpPr txBox="1"/>
+            <p:nvPr/>
+          </p:nvSpPr>
+          <p:spPr>
+            <a:xfrm rot="273870">
+              <a:off x="2134230" y="1292931"/>
+              <a:ext cx="431528" cy="584775"/>
+            </a:xfrm>
+            <a:prstGeom prst="rect">
+              <a:avLst/>
+            </a:prstGeom>
+            <a:noFill/>
+          </p:spPr>
+          <p:txBody>
+            <a:bodyPr wrap="none" rtlCol="0">
+              <a:spAutoFit/>
+            </a:bodyPr>
+            <a:lstStyle/>
+            <a:p>
+              <a:r>
+                <a:rPr lang="nl-NL" sz="3200" dirty="0">
+                  <a:solidFill>
+                    <a:schemeClr val="accent2">
+                      <a:lumMod val="75000"/>
+                    </a:schemeClr>
+                  </a:solidFill>
+                  <a:latin typeface="Cooper Black" panose="0208090404030B020404" pitchFamily="18" charset="0"/>
+                </a:rPr>
+                <a:t>0</a:t>
+              </a:r>
+              <a:endParaRPr lang="en-US" sz="3200" dirty="0">
+                <a:solidFill>
+                  <a:schemeClr val="accent2">
+                    <a:lumMod val="75000"/>
+                  </a:schemeClr>
+                </a:solidFill>
+                <a:latin typeface="Cooper Black" panose="0208090404030B020404" pitchFamily="18" charset="0"/>
+              </a:endParaRPr>
+            </a:p>
+          </p:txBody>
+        </p:sp>
+      </p:grpSp>
+      <p:grpSp>
+        <p:nvGrpSpPr>
+          <p:cNvPr id="147" name="Group 146">
+            <a:extLst>
+              <a:ext uri="{FF2B5EF4-FFF2-40B4-BE49-F238E27FC236}">
+                <a16:creationId xmlns:a16="http://schemas.microsoft.com/office/drawing/2014/main" id="{9A6B822A-8959-47B9-869F-31C4D24C3AB8}"/>
+              </a:ext>
+            </a:extLst>
+          </p:cNvPr>
+          <p:cNvGrpSpPr/>
+          <p:nvPr/>
+        </p:nvGrpSpPr>
+        <p:grpSpPr>
+          <a:xfrm>
+            <a:off x="1558553" y="5707733"/>
+            <a:ext cx="799061" cy="768207"/>
+            <a:chOff x="2134230" y="1207242"/>
+            <a:chExt cx="799061" cy="768207"/>
+          </a:xfrm>
+        </p:grpSpPr>
+        <p:sp>
+          <p:nvSpPr>
+            <p:cNvPr id="148" name="Oval 147">
+              <a:extLst>
+                <a:ext uri="{FF2B5EF4-FFF2-40B4-BE49-F238E27FC236}">
+                  <a16:creationId xmlns:a16="http://schemas.microsoft.com/office/drawing/2014/main" id="{59969486-6B4F-40AE-8574-85044E03BD07}"/>
+                </a:ext>
+              </a:extLst>
+            </p:cNvPr>
+            <p:cNvSpPr/>
+            <p:nvPr/>
+          </p:nvSpPr>
+          <p:spPr>
+            <a:xfrm>
+              <a:off x="2150838" y="1207242"/>
+              <a:ext cx="782453" cy="768207"/>
+            </a:xfrm>
+            <a:prstGeom prst="ellipse">
+              <a:avLst/>
+            </a:prstGeom>
+            <a:solidFill>
+              <a:schemeClr val="accent4"/>
+            </a:solidFill>
+            <a:ln w="25400">
+              <a:solidFill>
+                <a:schemeClr val="tx1"/>
+              </a:solidFill>
+            </a:ln>
+            <a:effectLst>
+              <a:outerShdw blurRad="63500" sx="102000" sy="102000" algn="ctr" rotWithShape="0">
+                <a:prstClr val="black">
+                  <a:alpha val="40000"/>
+                </a:prstClr>
+              </a:outerShdw>
+            </a:effectLst>
+          </p:spPr>
+          <p:style>
+            <a:lnRef idx="2">
+              <a:schemeClr val="accent1">
+                <a:shade val="50000"/>
+              </a:schemeClr>
+            </a:lnRef>
+            <a:fillRef idx="1">
+              <a:schemeClr val="accent1"/>
+            </a:fillRef>
+            <a:effectRef idx="0">
+              <a:schemeClr val="accent1"/>
+            </a:effectRef>
+            <a:fontRef idx="minor">
+              <a:schemeClr val="lt1"/>
+            </a:fontRef>
+          </p:style>
+          <p:txBody>
+            <a:bodyPr rot="0" spcFirstLastPara="0" vertOverflow="overflow" horzOverflow="overflow" vert="horz" wrap="square" lIns="74295" tIns="37148" rIns="74295" bIns="37148" numCol="1" spcCol="0" rtlCol="0" fromWordArt="0" anchor="ctr" anchorCtr="0" forceAA="0" compatLnSpc="1">
+              <a:prstTxWarp prst="textNoShape">
+                <a:avLst/>
+              </a:prstTxWarp>
+              <a:noAutofit/>
+            </a:bodyPr>
+            <a:lstStyle/>
+            <a:p>
+              <a:pPr algn="ctr"/>
+              <a:endParaRPr lang="en-US" sz="1463"/>
+            </a:p>
+          </p:txBody>
+        </p:sp>
+        <p:pic>
+          <p:nvPicPr>
+            <p:cNvPr id="149" name="Picture 148">
+              <a:extLst>
+                <a:ext uri="{FF2B5EF4-FFF2-40B4-BE49-F238E27FC236}">
+                  <a16:creationId xmlns:a16="http://schemas.microsoft.com/office/drawing/2014/main" id="{7B4EF52A-C806-4AFD-9D62-6739C22FA913}"/>
+                </a:ext>
+              </a:extLst>
+            </p:cNvPr>
+            <p:cNvPicPr>
+              <a:picLocks noChangeAspect="1"/>
+            </p:cNvPicPr>
+            <p:nvPr/>
+          </p:nvPicPr>
+          <p:blipFill>
+            <a:blip r:embed="rId2"/>
+            <a:stretch>
+              <a:fillRect/>
+            </a:stretch>
+          </p:blipFill>
+          <p:spPr>
+            <a:xfrm>
+              <a:off x="2492699" y="1409333"/>
+              <a:ext cx="367640" cy="367640"/>
+            </a:xfrm>
+            <a:prstGeom prst="ellipse">
+              <a:avLst/>
+            </a:prstGeom>
+            <a:ln w="25400">
+              <a:solidFill>
+                <a:schemeClr val="accent2"/>
+              </a:solidFill>
+            </a:ln>
+          </p:spPr>
+        </p:pic>
+        <p:sp>
+          <p:nvSpPr>
+            <p:cNvPr id="150" name="TextBox 149">
+              <a:extLst>
+                <a:ext uri="{FF2B5EF4-FFF2-40B4-BE49-F238E27FC236}">
+                  <a16:creationId xmlns:a16="http://schemas.microsoft.com/office/drawing/2014/main" id="{AA1FFE63-3AA3-453F-98FF-1D1B19F53FFC}"/>
+                </a:ext>
+              </a:extLst>
+            </p:cNvPr>
+            <p:cNvSpPr txBox="1"/>
+            <p:nvPr/>
+          </p:nvSpPr>
+          <p:spPr>
+            <a:xfrm rot="504773">
+              <a:off x="2134230" y="1292931"/>
+              <a:ext cx="431528" cy="584775"/>
+            </a:xfrm>
+            <a:prstGeom prst="rect">
+              <a:avLst/>
+            </a:prstGeom>
+            <a:noFill/>
+          </p:spPr>
+          <p:txBody>
+            <a:bodyPr wrap="none" rtlCol="0">
+              <a:spAutoFit/>
+            </a:bodyPr>
+            <a:lstStyle/>
+            <a:p>
+              <a:r>
+                <a:rPr lang="nl-NL" sz="3200" dirty="0">
+                  <a:solidFill>
+                    <a:schemeClr val="accent2">
+                      <a:lumMod val="75000"/>
+                    </a:schemeClr>
+                  </a:solidFill>
+                  <a:latin typeface="Cooper Black" panose="0208090404030B020404" pitchFamily="18" charset="0"/>
+                </a:rPr>
+                <a:t>0</a:t>
+              </a:r>
+              <a:endParaRPr lang="en-US" sz="3200" dirty="0">
+                <a:solidFill>
+                  <a:schemeClr val="accent2">
+                    <a:lumMod val="75000"/>
+                  </a:schemeClr>
+                </a:solidFill>
+                <a:latin typeface="Cooper Black" panose="0208090404030B020404" pitchFamily="18" charset="0"/>
+              </a:endParaRPr>
+            </a:p>
+          </p:txBody>
+        </p:sp>
+      </p:grpSp>
+      <p:grpSp>
+        <p:nvGrpSpPr>
+          <p:cNvPr id="153" name="Group 152">
+            <a:extLst>
+              <a:ext uri="{FF2B5EF4-FFF2-40B4-BE49-F238E27FC236}">
+                <a16:creationId xmlns:a16="http://schemas.microsoft.com/office/drawing/2014/main" id="{07D15F70-E659-475E-9A8D-135E1F91FEDA}"/>
+              </a:ext>
+            </a:extLst>
+          </p:cNvPr>
+          <p:cNvGrpSpPr/>
+          <p:nvPr/>
+        </p:nvGrpSpPr>
+        <p:grpSpPr>
+          <a:xfrm>
+            <a:off x="3116291" y="4365676"/>
+            <a:ext cx="916081" cy="872182"/>
+            <a:chOff x="4500040" y="256852"/>
+            <a:chExt cx="916081" cy="872182"/>
+          </a:xfrm>
+        </p:grpSpPr>
+        <p:sp>
+          <p:nvSpPr>
+            <p:cNvPr id="154" name="Oval 153">
+              <a:extLst>
+                <a:ext uri="{FF2B5EF4-FFF2-40B4-BE49-F238E27FC236}">
+                  <a16:creationId xmlns:a16="http://schemas.microsoft.com/office/drawing/2014/main" id="{E39554F0-2316-44D6-860A-624D057C55C2}"/>
+                </a:ext>
+              </a:extLst>
+            </p:cNvPr>
+            <p:cNvSpPr/>
+            <p:nvPr/>
+          </p:nvSpPr>
+          <p:spPr>
+            <a:xfrm>
+              <a:off x="4504808" y="256852"/>
+              <a:ext cx="911313" cy="872182"/>
+            </a:xfrm>
+            <a:prstGeom prst="ellipse">
+              <a:avLst/>
+            </a:prstGeom>
+            <a:solidFill>
+              <a:schemeClr val="accent4"/>
+            </a:solidFill>
+            <a:ln w="25400">
+              <a:solidFill>
+                <a:schemeClr val="tx1"/>
+              </a:solidFill>
+            </a:ln>
+            <a:effectLst>
+              <a:outerShdw blurRad="63500" sx="102000" sy="102000" algn="ctr" rotWithShape="0">
+                <a:prstClr val="black">
+                  <a:alpha val="40000"/>
+                </a:prstClr>
+              </a:outerShdw>
+            </a:effectLst>
+          </p:spPr>
+          <p:style>
+            <a:lnRef idx="2">
+              <a:schemeClr val="accent1">
+                <a:shade val="50000"/>
+              </a:schemeClr>
+            </a:lnRef>
+            <a:fillRef idx="1">
+              <a:schemeClr val="accent1"/>
+            </a:fillRef>
+            <a:effectRef idx="0">
+              <a:schemeClr val="accent1"/>
+            </a:effectRef>
+            <a:fontRef idx="minor">
+              <a:schemeClr val="lt1"/>
+            </a:fontRef>
+          </p:style>
+          <p:txBody>
+            <a:bodyPr rot="0" spcFirstLastPara="0" vertOverflow="overflow" horzOverflow="overflow" vert="horz" wrap="square" lIns="74295" tIns="37148" rIns="74295" bIns="37148" numCol="1" spcCol="0" rtlCol="0" fromWordArt="0" anchor="ctr" anchorCtr="0" forceAA="0" compatLnSpc="1">
+              <a:prstTxWarp prst="textNoShape">
+                <a:avLst/>
+              </a:prstTxWarp>
+              <a:noAutofit/>
+            </a:bodyPr>
+            <a:lstStyle/>
+            <a:p>
+              <a:pPr algn="ctr"/>
+              <a:endParaRPr lang="en-US" sz="1463"/>
+            </a:p>
+          </p:txBody>
+        </p:sp>
+        <p:pic>
+          <p:nvPicPr>
+            <p:cNvPr id="155" name="Picture 154">
+              <a:extLst>
+                <a:ext uri="{FF2B5EF4-FFF2-40B4-BE49-F238E27FC236}">
+                  <a16:creationId xmlns:a16="http://schemas.microsoft.com/office/drawing/2014/main" id="{B6360D82-D3DB-40B7-BA43-AF7386B08CD8}"/>
+                </a:ext>
+              </a:extLst>
+            </p:cNvPr>
+            <p:cNvPicPr>
+              <a:picLocks noChangeAspect="1"/>
+            </p:cNvPicPr>
+            <p:nvPr/>
+          </p:nvPicPr>
+          <p:blipFill>
+            <a:blip r:embed="rId2"/>
+            <a:stretch>
+              <a:fillRect/>
+            </a:stretch>
+          </p:blipFill>
+          <p:spPr>
+            <a:xfrm>
+              <a:off x="4947507" y="502972"/>
+              <a:ext cx="367640" cy="367640"/>
+            </a:xfrm>
+            <a:prstGeom prst="ellipse">
+              <a:avLst/>
+            </a:prstGeom>
+            <a:ln w="25400">
+              <a:solidFill>
+                <a:srgbClr val="C00000"/>
+              </a:solidFill>
+            </a:ln>
+          </p:spPr>
+        </p:pic>
+        <p:sp>
+          <p:nvSpPr>
+            <p:cNvPr id="156" name="TextBox 155">
+              <a:extLst>
+                <a:ext uri="{FF2B5EF4-FFF2-40B4-BE49-F238E27FC236}">
+                  <a16:creationId xmlns:a16="http://schemas.microsoft.com/office/drawing/2014/main" id="{B4D1BC1E-01A9-4288-9E33-196C6D5938B3}"/>
+                </a:ext>
+              </a:extLst>
+            </p:cNvPr>
+            <p:cNvSpPr txBox="1"/>
+            <p:nvPr/>
+          </p:nvSpPr>
+          <p:spPr>
+            <a:xfrm>
+              <a:off x="4500040" y="386230"/>
+              <a:ext cx="548548" cy="584775"/>
+            </a:xfrm>
+            <a:prstGeom prst="rect">
+              <a:avLst/>
+            </a:prstGeom>
+            <a:noFill/>
+          </p:spPr>
+          <p:txBody>
+            <a:bodyPr wrap="none" rtlCol="0">
+              <a:spAutoFit/>
+            </a:bodyPr>
+            <a:lstStyle/>
+            <a:p>
+              <a:r>
+                <a:rPr lang="ru-RU" sz="3200" dirty="0">
+                  <a:solidFill>
+                    <a:srgbClr val="C00000"/>
+                  </a:solidFill>
+                  <a:latin typeface="Cooper Black" panose="0208090404030B020404" pitchFamily="18" charset="0"/>
+                </a:rPr>
+                <a:t>-1</a:t>
+              </a:r>
+              <a:endParaRPr lang="en-US" sz="3200" dirty="0">
+                <a:solidFill>
+                  <a:srgbClr val="C00000"/>
+                </a:solidFill>
+                <a:latin typeface="Cooper Black" panose="0208090404030B020404" pitchFamily="18" charset="0"/>
+              </a:endParaRPr>
+            </a:p>
+          </p:txBody>
+        </p:sp>
+      </p:grpSp>
+      <p:pic>
+        <p:nvPicPr>
+          <p:cNvPr id="2052" name="Picture 4" descr="Метеор на ринге скачать бесплатно, мульты советские бесплатно скачать">
+            <a:extLst>
+              <a:ext uri="{FF2B5EF4-FFF2-40B4-BE49-F238E27FC236}">
+                <a16:creationId xmlns:a16="http://schemas.microsoft.com/office/drawing/2014/main" id="{6A615464-4560-418A-BA5C-E749A2A8228A}"/>
+              </a:ext>
+            </a:extLst>
+          </p:cNvPr>
+          <p:cNvPicPr>
+            <a:picLocks noChangeAspect="1" noChangeArrowheads="1"/>
+          </p:cNvPicPr>
+          <p:nvPr/>
+        </p:nvPicPr>
+        <p:blipFill>
+          <a:blip r:embed="rId4">
+            <a:extLst>
+              <a:ext uri="{28A0092B-C50C-407E-A947-70E740481C1C}">
+                <a14:useLocalDpi xmlns:a14="http://schemas.microsoft.com/office/drawing/2010/main" val="0"/>
+              </a:ext>
+            </a:extLst>
+          </a:blip>
+          <a:srcRect/>
+          <a:stretch>
+            <a:fillRect/>
+          </a:stretch>
+        </p:blipFill>
+        <p:spPr bwMode="auto">
+          <a:xfrm>
+            <a:off x="3388354" y="2176759"/>
+            <a:ext cx="1588577" cy="1426666"/>
+          </a:xfrm>
+          <a:prstGeom prst="ellipse">
+            <a:avLst/>
+          </a:prstGeom>
+          <a:noFill/>
+          <a:ln w="63500">
+            <a:solidFill>
+              <a:schemeClr val="accent5"/>
+            </a:solidFill>
+          </a:ln>
+          <a:extLst>
+            <a:ext uri="{909E8E84-426E-40DD-AFC4-6F175D3DCCD1}">
+              <a14:hiddenFill xmlns:a14="http://schemas.microsoft.com/office/drawing/2010/main">
+                <a:solidFill>
+                  <a:srgbClr val="FFFFFF"/>
+                </a:solidFill>
+              </a14:hiddenFill>
+            </a:ext>
+          </a:extLst>
+        </p:spPr>
+      </p:pic>
+      <p:grpSp>
+        <p:nvGrpSpPr>
+          <p:cNvPr id="159" name="Group 158">
+            <a:extLst>
+              <a:ext uri="{FF2B5EF4-FFF2-40B4-BE49-F238E27FC236}">
+                <a16:creationId xmlns:a16="http://schemas.microsoft.com/office/drawing/2014/main" id="{9549AB58-6C47-4574-98CA-FBA629E65521}"/>
+              </a:ext>
+            </a:extLst>
+          </p:cNvPr>
+          <p:cNvGrpSpPr/>
+          <p:nvPr/>
+        </p:nvGrpSpPr>
+        <p:grpSpPr>
+          <a:xfrm>
+            <a:off x="2930313" y="438191"/>
+            <a:ext cx="916081" cy="872182"/>
+            <a:chOff x="4500040" y="256852"/>
+            <a:chExt cx="916081" cy="872182"/>
+          </a:xfrm>
+        </p:grpSpPr>
+        <p:sp>
+          <p:nvSpPr>
+            <p:cNvPr id="160" name="Oval 159">
+              <a:extLst>
+                <a:ext uri="{FF2B5EF4-FFF2-40B4-BE49-F238E27FC236}">
+                  <a16:creationId xmlns:a16="http://schemas.microsoft.com/office/drawing/2014/main" id="{4E697719-4DD8-4D21-9CA1-00C020BB0571}"/>
+                </a:ext>
+              </a:extLst>
+            </p:cNvPr>
+            <p:cNvSpPr/>
+            <p:nvPr/>
+          </p:nvSpPr>
+          <p:spPr>
+            <a:xfrm>
+              <a:off x="4504808" y="256852"/>
+              <a:ext cx="911313" cy="872182"/>
+            </a:xfrm>
+            <a:prstGeom prst="ellipse">
+              <a:avLst/>
+            </a:prstGeom>
+            <a:solidFill>
+              <a:schemeClr val="accent4"/>
+            </a:solidFill>
+            <a:ln w="25400">
+              <a:solidFill>
+                <a:schemeClr val="tx1"/>
+              </a:solidFill>
+            </a:ln>
+            <a:effectLst>
+              <a:outerShdw blurRad="63500" sx="102000" sy="102000" algn="ctr" rotWithShape="0">
+                <a:prstClr val="black">
+                  <a:alpha val="40000"/>
+                </a:prstClr>
+              </a:outerShdw>
+            </a:effectLst>
+          </p:spPr>
+          <p:style>
+            <a:lnRef idx="2">
+              <a:schemeClr val="accent1">
+                <a:shade val="50000"/>
+              </a:schemeClr>
+            </a:lnRef>
+            <a:fillRef idx="1">
+              <a:schemeClr val="accent1"/>
+            </a:fillRef>
+            <a:effectRef idx="0">
+              <a:schemeClr val="accent1"/>
+            </a:effectRef>
+            <a:fontRef idx="minor">
+              <a:schemeClr val="lt1"/>
+            </a:fontRef>
+          </p:style>
+          <p:txBody>
+            <a:bodyPr rot="0" spcFirstLastPara="0" vertOverflow="overflow" horzOverflow="overflow" vert="horz" wrap="square" lIns="74295" tIns="37148" rIns="74295" bIns="37148" numCol="1" spcCol="0" rtlCol="0" fromWordArt="0" anchor="ctr" anchorCtr="0" forceAA="0" compatLnSpc="1">
+              <a:prstTxWarp prst="textNoShape">
+                <a:avLst/>
+              </a:prstTxWarp>
+              <a:noAutofit/>
+            </a:bodyPr>
+            <a:lstStyle/>
+            <a:p>
+              <a:pPr algn="ctr"/>
+              <a:endParaRPr lang="en-US" sz="1463"/>
+            </a:p>
+          </p:txBody>
+        </p:sp>
+        <p:pic>
+          <p:nvPicPr>
+            <p:cNvPr id="161" name="Picture 160">
+              <a:extLst>
+                <a:ext uri="{FF2B5EF4-FFF2-40B4-BE49-F238E27FC236}">
+                  <a16:creationId xmlns:a16="http://schemas.microsoft.com/office/drawing/2014/main" id="{04D06FC5-ABE3-44C6-A59F-AE2E6B414AA9}"/>
+                </a:ext>
+              </a:extLst>
+            </p:cNvPr>
+            <p:cNvPicPr>
+              <a:picLocks noChangeAspect="1"/>
+            </p:cNvPicPr>
+            <p:nvPr/>
+          </p:nvPicPr>
+          <p:blipFill>
+            <a:blip r:embed="rId2"/>
+            <a:stretch>
+              <a:fillRect/>
+            </a:stretch>
+          </p:blipFill>
+          <p:spPr>
+            <a:xfrm>
+              <a:off x="4947507" y="502972"/>
+              <a:ext cx="367640" cy="367640"/>
+            </a:xfrm>
+            <a:prstGeom prst="ellipse">
+              <a:avLst/>
+            </a:prstGeom>
+            <a:ln w="25400">
+              <a:solidFill>
+                <a:srgbClr val="C00000"/>
+              </a:solidFill>
+            </a:ln>
+          </p:spPr>
+        </p:pic>
+        <p:sp>
+          <p:nvSpPr>
+            <p:cNvPr id="162" name="TextBox 161">
+              <a:extLst>
+                <a:ext uri="{FF2B5EF4-FFF2-40B4-BE49-F238E27FC236}">
+                  <a16:creationId xmlns:a16="http://schemas.microsoft.com/office/drawing/2014/main" id="{94F63D85-B92F-4935-8150-0DF1B8175962}"/>
+                </a:ext>
+              </a:extLst>
+            </p:cNvPr>
+            <p:cNvSpPr txBox="1"/>
+            <p:nvPr/>
+          </p:nvSpPr>
+          <p:spPr>
+            <a:xfrm>
+              <a:off x="4500040" y="386230"/>
+              <a:ext cx="548548" cy="584775"/>
+            </a:xfrm>
+            <a:prstGeom prst="rect">
+              <a:avLst/>
+            </a:prstGeom>
+            <a:noFill/>
+          </p:spPr>
+          <p:txBody>
+            <a:bodyPr wrap="none" rtlCol="0">
+              <a:spAutoFit/>
+            </a:bodyPr>
+            <a:lstStyle/>
+            <a:p>
+              <a:r>
+                <a:rPr lang="ru-RU" sz="3200" dirty="0">
+                  <a:solidFill>
+                    <a:srgbClr val="C00000"/>
+                  </a:solidFill>
+                  <a:latin typeface="Cooper Black" panose="0208090404030B020404" pitchFamily="18" charset="0"/>
+                </a:rPr>
+                <a:t>-1</a:t>
+              </a:r>
+              <a:endParaRPr lang="en-US" sz="3200" dirty="0">
+                <a:solidFill>
+                  <a:srgbClr val="C00000"/>
+                </a:solidFill>
+                <a:latin typeface="Cooper Black" panose="0208090404030B020404" pitchFamily="18" charset="0"/>
+              </a:endParaRPr>
+            </a:p>
+          </p:txBody>
+        </p:sp>
+      </p:grpSp>
+      <p:pic>
+        <p:nvPicPr>
+          <p:cNvPr id="2054" name="Picture 6" descr="Зыбучие пески: какие тайны они скрывают?">
+            <a:extLst>
+              <a:ext uri="{FF2B5EF4-FFF2-40B4-BE49-F238E27FC236}">
+                <a16:creationId xmlns:a16="http://schemas.microsoft.com/office/drawing/2014/main" id="{8DCD8D99-189B-40DF-B769-A2FB7EA9D722}"/>
+              </a:ext>
+            </a:extLst>
+          </p:cNvPr>
+          <p:cNvPicPr>
+            <a:picLocks noChangeAspect="1" noChangeArrowheads="1"/>
+          </p:cNvPicPr>
+          <p:nvPr/>
+        </p:nvPicPr>
+        <p:blipFill>
+          <a:blip r:embed="rId5" cstate="print">
+            <a:extLst>
+              <a:ext uri="{28A0092B-C50C-407E-A947-70E740481C1C}">
+                <a14:useLocalDpi xmlns:a14="http://schemas.microsoft.com/office/drawing/2010/main" val="0"/>
+              </a:ext>
+            </a:extLst>
+          </a:blip>
+          <a:srcRect/>
+          <a:stretch>
+            <a:fillRect/>
+          </a:stretch>
+        </p:blipFill>
+        <p:spPr bwMode="auto">
+          <a:xfrm>
+            <a:off x="4469047" y="4880250"/>
+            <a:ext cx="1549208" cy="1549208"/>
+          </a:xfrm>
+          <a:prstGeom prst="ellipse">
+            <a:avLst/>
+          </a:prstGeom>
+          <a:noFill/>
+          <a:ln w="63500">
+            <a:solidFill>
+              <a:srgbClr val="C00000"/>
+            </a:solidFill>
+          </a:ln>
+          <a:extLst>
+            <a:ext uri="{909E8E84-426E-40DD-AFC4-6F175D3DCCD1}">
+              <a14:hiddenFill xmlns:a14="http://schemas.microsoft.com/office/drawing/2010/main">
+                <a:solidFill>
+                  <a:srgbClr val="FFFFFF"/>
+                </a:solidFill>
+              </a14:hiddenFill>
+            </a:ext>
+          </a:extLst>
+        </p:spPr>
+      </p:pic>
+      <p:pic>
+        <p:nvPicPr>
+          <p:cNvPr id="2056" name="Picture 8" descr="Interessante plaatsen - Camping les Medes">
+            <a:extLst>
+              <a:ext uri="{FF2B5EF4-FFF2-40B4-BE49-F238E27FC236}">
+                <a16:creationId xmlns:a16="http://schemas.microsoft.com/office/drawing/2014/main" id="{56457C2E-ACC9-455C-913A-35BE75AF8436}"/>
+              </a:ext>
+            </a:extLst>
+          </p:cNvPr>
+          <p:cNvPicPr>
+            <a:picLocks noChangeAspect="1" noChangeArrowheads="1"/>
+          </p:cNvPicPr>
+          <p:nvPr/>
+        </p:nvPicPr>
+        <p:blipFill>
+          <a:blip r:embed="rId6" cstate="print">
+            <a:extLst>
+              <a:ext uri="{28A0092B-C50C-407E-A947-70E740481C1C}">
+                <a14:useLocalDpi xmlns:a14="http://schemas.microsoft.com/office/drawing/2010/main" val="0"/>
+              </a:ext>
+            </a:extLst>
+          </a:blip>
+          <a:srcRect/>
+          <a:stretch>
+            <a:fillRect/>
+          </a:stretch>
+        </p:blipFill>
+        <p:spPr bwMode="auto">
+          <a:xfrm>
+            <a:off x="7579230" y="659583"/>
+            <a:ext cx="1896074" cy="1808995"/>
+          </a:xfrm>
+          <a:prstGeom prst="ellipse">
+            <a:avLst/>
+          </a:prstGeom>
+          <a:noFill/>
+          <a:ln w="63500">
+            <a:solidFill>
+              <a:schemeClr val="accent5"/>
+            </a:solidFill>
+          </a:ln>
+          <a:extLst>
+            <a:ext uri="{909E8E84-426E-40DD-AFC4-6F175D3DCCD1}">
+              <a14:hiddenFill xmlns:a14="http://schemas.microsoft.com/office/drawing/2010/main">
+                <a:solidFill>
+                  <a:srgbClr val="FFFFFF"/>
+                </a:solidFill>
+              </a14:hiddenFill>
+            </a:ext>
+          </a:extLst>
+        </p:spPr>
+      </p:pic>
+      <p:grpSp>
+        <p:nvGrpSpPr>
+          <p:cNvPr id="164" name="Group 163">
+            <a:extLst>
+              <a:ext uri="{FF2B5EF4-FFF2-40B4-BE49-F238E27FC236}">
+                <a16:creationId xmlns:a16="http://schemas.microsoft.com/office/drawing/2014/main" id="{2D185E4A-DFCD-4088-9691-F14624D64242}"/>
+              </a:ext>
+            </a:extLst>
+          </p:cNvPr>
+          <p:cNvGrpSpPr/>
+          <p:nvPr/>
+        </p:nvGrpSpPr>
+        <p:grpSpPr>
+          <a:xfrm>
+            <a:off x="5028788" y="438191"/>
+            <a:ext cx="916081" cy="872182"/>
+            <a:chOff x="4500040" y="256852"/>
+            <a:chExt cx="916081" cy="872182"/>
+          </a:xfrm>
+        </p:grpSpPr>
+        <p:sp>
+          <p:nvSpPr>
+            <p:cNvPr id="165" name="Oval 164">
+              <a:extLst>
+                <a:ext uri="{FF2B5EF4-FFF2-40B4-BE49-F238E27FC236}">
+                  <a16:creationId xmlns:a16="http://schemas.microsoft.com/office/drawing/2014/main" id="{6F8B6CA2-6F1F-452B-96D7-A9FA45199C99}"/>
+                </a:ext>
+              </a:extLst>
+            </p:cNvPr>
+            <p:cNvSpPr/>
+            <p:nvPr/>
+          </p:nvSpPr>
+          <p:spPr>
+            <a:xfrm>
+              <a:off x="4504808" y="256852"/>
+              <a:ext cx="911313" cy="872182"/>
+            </a:xfrm>
+            <a:prstGeom prst="ellipse">
+              <a:avLst/>
+            </a:prstGeom>
+            <a:solidFill>
+              <a:schemeClr val="accent4"/>
+            </a:solidFill>
+            <a:ln w="25400">
+              <a:solidFill>
+                <a:schemeClr val="tx1"/>
+              </a:solidFill>
+            </a:ln>
+            <a:effectLst>
+              <a:outerShdw blurRad="63500" sx="102000" sy="102000" algn="ctr" rotWithShape="0">
+                <a:prstClr val="black">
+                  <a:alpha val="40000"/>
+                </a:prstClr>
+              </a:outerShdw>
+            </a:effectLst>
+          </p:spPr>
+          <p:style>
+            <a:lnRef idx="2">
+              <a:schemeClr val="accent1">
+                <a:shade val="50000"/>
+              </a:schemeClr>
+            </a:lnRef>
+            <a:fillRef idx="1">
+              <a:schemeClr val="accent1"/>
+            </a:fillRef>
+            <a:effectRef idx="0">
+              <a:schemeClr val="accent1"/>
+            </a:effectRef>
+            <a:fontRef idx="minor">
+              <a:schemeClr val="lt1"/>
+            </a:fontRef>
+          </p:style>
+          <p:txBody>
+            <a:bodyPr rot="0" spcFirstLastPara="0" vertOverflow="overflow" horzOverflow="overflow" vert="horz" wrap="square" lIns="74295" tIns="37148" rIns="74295" bIns="37148" numCol="1" spcCol="0" rtlCol="0" fromWordArt="0" anchor="ctr" anchorCtr="0" forceAA="0" compatLnSpc="1">
+              <a:prstTxWarp prst="textNoShape">
+                <a:avLst/>
+              </a:prstTxWarp>
+              <a:noAutofit/>
+            </a:bodyPr>
+            <a:lstStyle/>
+            <a:p>
+              <a:pPr algn="ctr"/>
+              <a:endParaRPr lang="en-US" sz="1463"/>
+            </a:p>
+          </p:txBody>
+        </p:sp>
+        <p:pic>
+          <p:nvPicPr>
+            <p:cNvPr id="166" name="Picture 165">
+              <a:extLst>
+                <a:ext uri="{FF2B5EF4-FFF2-40B4-BE49-F238E27FC236}">
+                  <a16:creationId xmlns:a16="http://schemas.microsoft.com/office/drawing/2014/main" id="{4000B5CB-BC4F-4D48-A178-7F345E4E0063}"/>
+                </a:ext>
+              </a:extLst>
+            </p:cNvPr>
+            <p:cNvPicPr>
+              <a:picLocks noChangeAspect="1"/>
+            </p:cNvPicPr>
+            <p:nvPr/>
+          </p:nvPicPr>
+          <p:blipFill>
+            <a:blip r:embed="rId2"/>
+            <a:stretch>
+              <a:fillRect/>
+            </a:stretch>
+          </p:blipFill>
+          <p:spPr>
+            <a:xfrm>
+              <a:off x="4947507" y="502972"/>
+              <a:ext cx="367640" cy="367640"/>
+            </a:xfrm>
+            <a:prstGeom prst="ellipse">
+              <a:avLst/>
+            </a:prstGeom>
+            <a:ln w="25400">
+              <a:solidFill>
+                <a:srgbClr val="C00000"/>
+              </a:solidFill>
+            </a:ln>
+          </p:spPr>
+        </p:pic>
+        <p:sp>
+          <p:nvSpPr>
+            <p:cNvPr id="167" name="TextBox 166">
+              <a:extLst>
+                <a:ext uri="{FF2B5EF4-FFF2-40B4-BE49-F238E27FC236}">
+                  <a16:creationId xmlns:a16="http://schemas.microsoft.com/office/drawing/2014/main" id="{2E130529-3865-4125-98AC-BD6434F9E757}"/>
+                </a:ext>
+              </a:extLst>
+            </p:cNvPr>
+            <p:cNvSpPr txBox="1"/>
+            <p:nvPr/>
+          </p:nvSpPr>
+          <p:spPr>
+            <a:xfrm>
+              <a:off x="4500040" y="386230"/>
+              <a:ext cx="548548" cy="584775"/>
+            </a:xfrm>
+            <a:prstGeom prst="rect">
+              <a:avLst/>
+            </a:prstGeom>
+            <a:noFill/>
+          </p:spPr>
+          <p:txBody>
+            <a:bodyPr wrap="none" rtlCol="0">
+              <a:spAutoFit/>
+            </a:bodyPr>
+            <a:lstStyle/>
+            <a:p>
+              <a:r>
+                <a:rPr lang="ru-RU" sz="3200" dirty="0">
+                  <a:solidFill>
+                    <a:srgbClr val="C00000"/>
+                  </a:solidFill>
+                  <a:latin typeface="Cooper Black" panose="0208090404030B020404" pitchFamily="18" charset="0"/>
+                </a:rPr>
+                <a:t>-1</a:t>
+              </a:r>
+              <a:endParaRPr lang="en-US" sz="3200" dirty="0">
+                <a:solidFill>
+                  <a:srgbClr val="C00000"/>
+                </a:solidFill>
+                <a:latin typeface="Cooper Black" panose="0208090404030B020404" pitchFamily="18" charset="0"/>
+              </a:endParaRPr>
+            </a:p>
+          </p:txBody>
+        </p:sp>
+      </p:grpSp>
+      <p:grpSp>
+        <p:nvGrpSpPr>
+          <p:cNvPr id="172" name="Group 171">
+            <a:extLst>
+              <a:ext uri="{FF2B5EF4-FFF2-40B4-BE49-F238E27FC236}">
+                <a16:creationId xmlns:a16="http://schemas.microsoft.com/office/drawing/2014/main" id="{2C50CD94-2615-4FF7-8DC8-0E5785575947}"/>
+              </a:ext>
+            </a:extLst>
+          </p:cNvPr>
+          <p:cNvGrpSpPr/>
+          <p:nvPr/>
+        </p:nvGrpSpPr>
+        <p:grpSpPr>
+          <a:xfrm>
+            <a:off x="5679489" y="1809107"/>
+            <a:ext cx="799061" cy="768207"/>
+            <a:chOff x="2134230" y="1207242"/>
+            <a:chExt cx="799061" cy="768207"/>
+          </a:xfrm>
+        </p:grpSpPr>
+        <p:sp>
+          <p:nvSpPr>
+            <p:cNvPr id="173" name="Oval 172">
+              <a:extLst>
+                <a:ext uri="{FF2B5EF4-FFF2-40B4-BE49-F238E27FC236}">
+                  <a16:creationId xmlns:a16="http://schemas.microsoft.com/office/drawing/2014/main" id="{F308A8FB-91CD-4405-9EA1-68295A46C749}"/>
+                </a:ext>
+              </a:extLst>
+            </p:cNvPr>
+            <p:cNvSpPr/>
+            <p:nvPr/>
+          </p:nvSpPr>
+          <p:spPr>
+            <a:xfrm>
+              <a:off x="2150838" y="1207242"/>
+              <a:ext cx="782453" cy="768207"/>
+            </a:xfrm>
+            <a:prstGeom prst="ellipse">
+              <a:avLst/>
+            </a:prstGeom>
+            <a:solidFill>
+              <a:schemeClr val="accent4"/>
+            </a:solidFill>
+            <a:ln w="25400">
+              <a:solidFill>
+                <a:schemeClr val="tx1"/>
+              </a:solidFill>
+            </a:ln>
+            <a:effectLst>
+              <a:outerShdw blurRad="63500" sx="102000" sy="102000" algn="ctr" rotWithShape="0">
+                <a:prstClr val="black">
+                  <a:alpha val="40000"/>
+                </a:prstClr>
+              </a:outerShdw>
+            </a:effectLst>
+          </p:spPr>
+          <p:style>
+            <a:lnRef idx="2">
+              <a:schemeClr val="accent1">
+                <a:shade val="50000"/>
+              </a:schemeClr>
+            </a:lnRef>
+            <a:fillRef idx="1">
+              <a:schemeClr val="accent1"/>
+            </a:fillRef>
+            <a:effectRef idx="0">
+              <a:schemeClr val="accent1"/>
+            </a:effectRef>
+            <a:fontRef idx="minor">
+              <a:schemeClr val="lt1"/>
+            </a:fontRef>
+          </p:style>
+          <p:txBody>
+            <a:bodyPr rot="0" spcFirstLastPara="0" vertOverflow="overflow" horzOverflow="overflow" vert="horz" wrap="square" lIns="74295" tIns="37148" rIns="74295" bIns="37148" numCol="1" spcCol="0" rtlCol="0" fromWordArt="0" anchor="ctr" anchorCtr="0" forceAA="0" compatLnSpc="1">
+              <a:prstTxWarp prst="textNoShape">
+                <a:avLst/>
+              </a:prstTxWarp>
+              <a:noAutofit/>
+            </a:bodyPr>
+            <a:lstStyle/>
+            <a:p>
+              <a:pPr algn="ctr"/>
+              <a:endParaRPr lang="en-US" sz="1463"/>
+            </a:p>
+          </p:txBody>
+        </p:sp>
+        <p:pic>
+          <p:nvPicPr>
+            <p:cNvPr id="174" name="Picture 173">
+              <a:extLst>
+                <a:ext uri="{FF2B5EF4-FFF2-40B4-BE49-F238E27FC236}">
+                  <a16:creationId xmlns:a16="http://schemas.microsoft.com/office/drawing/2014/main" id="{D7697EF2-96F0-4BF9-BF19-7BCA6E2ACC23}"/>
+                </a:ext>
+              </a:extLst>
+            </p:cNvPr>
+            <p:cNvPicPr>
+              <a:picLocks noChangeAspect="1"/>
+            </p:cNvPicPr>
+            <p:nvPr/>
+          </p:nvPicPr>
+          <p:blipFill>
+            <a:blip r:embed="rId2"/>
+            <a:stretch>
+              <a:fillRect/>
+            </a:stretch>
+          </p:blipFill>
+          <p:spPr>
+            <a:xfrm>
+              <a:off x="2492699" y="1409333"/>
+              <a:ext cx="367640" cy="367640"/>
+            </a:xfrm>
+            <a:prstGeom prst="ellipse">
+              <a:avLst/>
+            </a:prstGeom>
+            <a:ln w="25400">
+              <a:solidFill>
+                <a:schemeClr val="accent2"/>
+              </a:solidFill>
+            </a:ln>
+          </p:spPr>
+        </p:pic>
+        <p:sp>
+          <p:nvSpPr>
+            <p:cNvPr id="175" name="TextBox 174">
+              <a:extLst>
+                <a:ext uri="{FF2B5EF4-FFF2-40B4-BE49-F238E27FC236}">
+                  <a16:creationId xmlns:a16="http://schemas.microsoft.com/office/drawing/2014/main" id="{75E4DE57-A630-4416-BE4C-F56FF81918D5}"/>
+                </a:ext>
+              </a:extLst>
+            </p:cNvPr>
+            <p:cNvSpPr txBox="1"/>
+            <p:nvPr/>
+          </p:nvSpPr>
+          <p:spPr>
+            <a:xfrm rot="504773">
+              <a:off x="2134230" y="1292931"/>
+              <a:ext cx="431528" cy="584775"/>
+            </a:xfrm>
+            <a:prstGeom prst="rect">
+              <a:avLst/>
+            </a:prstGeom>
+            <a:noFill/>
+          </p:spPr>
+          <p:txBody>
+            <a:bodyPr wrap="none" rtlCol="0">
+              <a:spAutoFit/>
+            </a:bodyPr>
+            <a:lstStyle/>
+            <a:p>
+              <a:r>
+                <a:rPr lang="nl-NL" sz="3200" dirty="0">
+                  <a:solidFill>
+                    <a:schemeClr val="accent2">
+                      <a:lumMod val="75000"/>
+                    </a:schemeClr>
+                  </a:solidFill>
+                  <a:latin typeface="Cooper Black" panose="0208090404030B020404" pitchFamily="18" charset="0"/>
+                </a:rPr>
+                <a:t>0</a:t>
+              </a:r>
+              <a:endParaRPr lang="en-US" sz="3200" dirty="0">
+                <a:solidFill>
+                  <a:schemeClr val="accent2">
+                    <a:lumMod val="75000"/>
+                  </a:schemeClr>
+                </a:solidFill>
+                <a:latin typeface="Cooper Black" panose="0208090404030B020404" pitchFamily="18" charset="0"/>
+              </a:endParaRPr>
+            </a:p>
+          </p:txBody>
+        </p:sp>
+      </p:grpSp>
+      <p:grpSp>
+        <p:nvGrpSpPr>
+          <p:cNvPr id="182" name="Group 181">
+            <a:extLst>
+              <a:ext uri="{FF2B5EF4-FFF2-40B4-BE49-F238E27FC236}">
+                <a16:creationId xmlns:a16="http://schemas.microsoft.com/office/drawing/2014/main" id="{7DA69DAD-C9E7-4149-91C9-DE15342428EA}"/>
+              </a:ext>
+            </a:extLst>
+          </p:cNvPr>
+          <p:cNvGrpSpPr/>
+          <p:nvPr/>
+        </p:nvGrpSpPr>
+        <p:grpSpPr>
+          <a:xfrm>
+            <a:off x="5352413" y="3491839"/>
+            <a:ext cx="799061" cy="768207"/>
+            <a:chOff x="2134230" y="1207242"/>
+            <a:chExt cx="799061" cy="768207"/>
+          </a:xfrm>
+        </p:grpSpPr>
+        <p:sp>
+          <p:nvSpPr>
+            <p:cNvPr id="183" name="Oval 182">
+              <a:extLst>
+                <a:ext uri="{FF2B5EF4-FFF2-40B4-BE49-F238E27FC236}">
+                  <a16:creationId xmlns:a16="http://schemas.microsoft.com/office/drawing/2014/main" id="{34F11E6E-D5DD-48D2-BD0E-F70543740974}"/>
+                </a:ext>
+              </a:extLst>
+            </p:cNvPr>
+            <p:cNvSpPr/>
+            <p:nvPr/>
+          </p:nvSpPr>
+          <p:spPr>
+            <a:xfrm>
+              <a:off x="2150838" y="1207242"/>
+              <a:ext cx="782453" cy="768207"/>
+            </a:xfrm>
+            <a:prstGeom prst="ellipse">
+              <a:avLst/>
+            </a:prstGeom>
+            <a:solidFill>
+              <a:schemeClr val="accent4"/>
+            </a:solidFill>
+            <a:ln w="25400">
+              <a:solidFill>
+                <a:schemeClr val="tx1"/>
+              </a:solidFill>
+            </a:ln>
+            <a:effectLst>
+              <a:outerShdw blurRad="63500" sx="102000" sy="102000" algn="ctr" rotWithShape="0">
+                <a:prstClr val="black">
+                  <a:alpha val="40000"/>
+                </a:prstClr>
+              </a:outerShdw>
+            </a:effectLst>
+          </p:spPr>
+          <p:style>
+            <a:lnRef idx="2">
+              <a:schemeClr val="accent1">
+                <a:shade val="50000"/>
+              </a:schemeClr>
+            </a:lnRef>
+            <a:fillRef idx="1">
+              <a:schemeClr val="accent1"/>
+            </a:fillRef>
+            <a:effectRef idx="0">
+              <a:schemeClr val="accent1"/>
+            </a:effectRef>
+            <a:fontRef idx="minor">
+              <a:schemeClr val="lt1"/>
+            </a:fontRef>
+          </p:style>
+          <p:txBody>
+            <a:bodyPr rot="0" spcFirstLastPara="0" vertOverflow="overflow" horzOverflow="overflow" vert="horz" wrap="square" lIns="74295" tIns="37148" rIns="74295" bIns="37148" numCol="1" spcCol="0" rtlCol="0" fromWordArt="0" anchor="ctr" anchorCtr="0" forceAA="0" compatLnSpc="1">
+              <a:prstTxWarp prst="textNoShape">
+                <a:avLst/>
+              </a:prstTxWarp>
+              <a:noAutofit/>
+            </a:bodyPr>
+            <a:lstStyle/>
+            <a:p>
+              <a:pPr algn="ctr"/>
+              <a:endParaRPr lang="en-US" sz="1463"/>
+            </a:p>
+          </p:txBody>
+        </p:sp>
+        <p:pic>
+          <p:nvPicPr>
+            <p:cNvPr id="184" name="Picture 183">
+              <a:extLst>
+                <a:ext uri="{FF2B5EF4-FFF2-40B4-BE49-F238E27FC236}">
+                  <a16:creationId xmlns:a16="http://schemas.microsoft.com/office/drawing/2014/main" id="{3ED7F6E3-CEF3-4BC3-9C80-AED1A6070300}"/>
+                </a:ext>
+              </a:extLst>
+            </p:cNvPr>
+            <p:cNvPicPr>
+              <a:picLocks noChangeAspect="1"/>
+            </p:cNvPicPr>
+            <p:nvPr/>
+          </p:nvPicPr>
+          <p:blipFill>
+            <a:blip r:embed="rId2"/>
+            <a:stretch>
+              <a:fillRect/>
+            </a:stretch>
+          </p:blipFill>
+          <p:spPr>
+            <a:xfrm>
+              <a:off x="2492699" y="1409333"/>
+              <a:ext cx="367640" cy="367640"/>
+            </a:xfrm>
+            <a:prstGeom prst="ellipse">
+              <a:avLst/>
+            </a:prstGeom>
+            <a:ln w="25400">
+              <a:solidFill>
+                <a:schemeClr val="accent2"/>
+              </a:solidFill>
+            </a:ln>
+          </p:spPr>
+        </p:pic>
+        <p:sp>
+          <p:nvSpPr>
+            <p:cNvPr id="185" name="TextBox 184">
+              <a:extLst>
+                <a:ext uri="{FF2B5EF4-FFF2-40B4-BE49-F238E27FC236}">
+                  <a16:creationId xmlns:a16="http://schemas.microsoft.com/office/drawing/2014/main" id="{120F6049-DD48-4E8B-A374-7D7CC3E172B5}"/>
+                </a:ext>
+              </a:extLst>
+            </p:cNvPr>
+            <p:cNvSpPr txBox="1"/>
+            <p:nvPr/>
+          </p:nvSpPr>
+          <p:spPr>
+            <a:xfrm rot="504773">
+              <a:off x="2134230" y="1292931"/>
+              <a:ext cx="431528" cy="584775"/>
+            </a:xfrm>
+            <a:prstGeom prst="rect">
+              <a:avLst/>
+            </a:prstGeom>
+            <a:noFill/>
+          </p:spPr>
+          <p:txBody>
+            <a:bodyPr wrap="none" rtlCol="0">
+              <a:spAutoFit/>
+            </a:bodyPr>
+            <a:lstStyle/>
+            <a:p>
+              <a:r>
+                <a:rPr lang="nl-NL" sz="3200" dirty="0">
                   <a:solidFill>
                     <a:schemeClr val="accent2">
                       <a:lumMod val="75000"/>
@@ -4886,7 +8967,7 @@
     </p:spTree>
     <p:extLst>
       <p:ext uri="{BB962C8B-B14F-4D97-AF65-F5344CB8AC3E}">
-        <p14:creationId xmlns:p14="http://schemas.microsoft.com/office/powerpoint/2010/main" val="3382698257"/>
+        <p14:creationId xmlns:p14="http://schemas.microsoft.com/office/powerpoint/2010/main" val="1441800603"/>
       </p:ext>
     </p:extLst>
   </p:cSld>

--- a/food_and_gold.pptx
+++ b/food_and_gold.pptx
@@ -6515,6 +6515,267 @@
       </p:grpSpPr>
       <p:cxnSp>
         <p:nvCxnSpPr>
+          <p:cNvPr id="107" name="Straight Connector 106">
+            <a:extLst>
+              <a:ext uri="{FF2B5EF4-FFF2-40B4-BE49-F238E27FC236}">
+                <a16:creationId xmlns:a16="http://schemas.microsoft.com/office/drawing/2014/main" id="{21FAB1B1-D56A-46CF-8919-EDD551A7CAB7}"/>
+              </a:ext>
+            </a:extLst>
+          </p:cNvPr>
+          <p:cNvCxnSpPr>
+            <a:cxnSpLocks/>
+            <a:stCxn id="95" idx="7"/>
+          </p:cNvCxnSpPr>
+          <p:nvPr/>
+        </p:nvCxnSpPr>
+        <p:spPr>
+          <a:xfrm flipV="1">
+            <a:off x="7577289" y="3191518"/>
+            <a:ext cx="774200" cy="699007"/>
+          </a:xfrm>
+          <a:prstGeom prst="line">
+            <a:avLst/>
+          </a:prstGeom>
+          <a:ln w="63500">
+            <a:solidFill>
+              <a:schemeClr val="tx1"/>
+            </a:solidFill>
+          </a:ln>
+        </p:spPr>
+        <p:style>
+          <a:lnRef idx="1">
+            <a:schemeClr val="accent1"/>
+          </a:lnRef>
+          <a:fillRef idx="0">
+            <a:schemeClr val="accent1"/>
+          </a:fillRef>
+          <a:effectRef idx="0">
+            <a:schemeClr val="accent1"/>
+          </a:effectRef>
+          <a:fontRef idx="minor">
+            <a:schemeClr val="tx1"/>
+          </a:fontRef>
+        </p:style>
+      </p:cxnSp>
+      <p:cxnSp>
+        <p:nvCxnSpPr>
+          <p:cNvPr id="98" name="Straight Connector 97">
+            <a:extLst>
+              <a:ext uri="{FF2B5EF4-FFF2-40B4-BE49-F238E27FC236}">
+                <a16:creationId xmlns:a16="http://schemas.microsoft.com/office/drawing/2014/main" id="{21FAB1B1-D56A-46CF-8919-EDD551A7CAB7}"/>
+              </a:ext>
+            </a:extLst>
+          </p:cNvPr>
+          <p:cNvCxnSpPr>
+            <a:cxnSpLocks/>
+          </p:cNvCxnSpPr>
+          <p:nvPr/>
+        </p:nvCxnSpPr>
+        <p:spPr>
+          <a:xfrm flipH="1">
+            <a:off x="3664088" y="5861074"/>
+            <a:ext cx="998439" cy="735111"/>
+          </a:xfrm>
+          <a:prstGeom prst="line">
+            <a:avLst/>
+          </a:prstGeom>
+          <a:ln w="63500">
+            <a:solidFill>
+              <a:schemeClr val="tx1"/>
+            </a:solidFill>
+          </a:ln>
+        </p:spPr>
+        <p:style>
+          <a:lnRef idx="1">
+            <a:schemeClr val="accent1"/>
+          </a:lnRef>
+          <a:fillRef idx="0">
+            <a:schemeClr val="accent1"/>
+          </a:fillRef>
+          <a:effectRef idx="0">
+            <a:schemeClr val="accent1"/>
+          </a:effectRef>
+          <a:fontRef idx="minor">
+            <a:schemeClr val="tx1"/>
+          </a:fontRef>
+        </p:style>
+      </p:cxnSp>
+      <p:cxnSp>
+        <p:nvCxnSpPr>
+          <p:cNvPr id="83" name="Straight Connector 82">
+            <a:extLst>
+              <a:ext uri="{FF2B5EF4-FFF2-40B4-BE49-F238E27FC236}">
+                <a16:creationId xmlns:a16="http://schemas.microsoft.com/office/drawing/2014/main" id="{21FAB1B1-D56A-46CF-8919-EDD551A7CAB7}"/>
+              </a:ext>
+            </a:extLst>
+          </p:cNvPr>
+          <p:cNvCxnSpPr>
+            <a:cxnSpLocks/>
+          </p:cNvCxnSpPr>
+          <p:nvPr/>
+        </p:nvCxnSpPr>
+        <p:spPr>
+          <a:xfrm flipH="1" flipV="1">
+            <a:off x="8028714" y="2049223"/>
+            <a:ext cx="431772" cy="840870"/>
+          </a:xfrm>
+          <a:prstGeom prst="line">
+            <a:avLst/>
+          </a:prstGeom>
+          <a:ln w="63500">
+            <a:solidFill>
+              <a:schemeClr val="tx1"/>
+            </a:solidFill>
+          </a:ln>
+        </p:spPr>
+        <p:style>
+          <a:lnRef idx="1">
+            <a:schemeClr val="accent1"/>
+          </a:lnRef>
+          <a:fillRef idx="0">
+            <a:schemeClr val="accent1"/>
+          </a:fillRef>
+          <a:effectRef idx="0">
+            <a:schemeClr val="accent1"/>
+          </a:effectRef>
+          <a:fontRef idx="minor">
+            <a:schemeClr val="tx1"/>
+          </a:fontRef>
+        </p:style>
+      </p:cxnSp>
+      <p:cxnSp>
+        <p:nvCxnSpPr>
+          <p:cNvPr id="78" name="Straight Connector 77">
+            <a:extLst>
+              <a:ext uri="{FF2B5EF4-FFF2-40B4-BE49-F238E27FC236}">
+                <a16:creationId xmlns:a16="http://schemas.microsoft.com/office/drawing/2014/main" id="{21FAB1B1-D56A-46CF-8919-EDD551A7CAB7}"/>
+              </a:ext>
+            </a:extLst>
+          </p:cNvPr>
+          <p:cNvCxnSpPr>
+            <a:cxnSpLocks/>
+            <a:stCxn id="72" idx="2"/>
+            <a:endCxn id="66" idx="7"/>
+          </p:cNvCxnSpPr>
+          <p:nvPr/>
+        </p:nvCxnSpPr>
+        <p:spPr>
+          <a:xfrm flipH="1">
+            <a:off x="7974874" y="5098007"/>
+            <a:ext cx="777603" cy="803706"/>
+          </a:xfrm>
+          <a:prstGeom prst="line">
+            <a:avLst/>
+          </a:prstGeom>
+          <a:ln w="63500">
+            <a:solidFill>
+              <a:schemeClr val="tx1"/>
+            </a:solidFill>
+          </a:ln>
+        </p:spPr>
+        <p:style>
+          <a:lnRef idx="1">
+            <a:schemeClr val="accent1"/>
+          </a:lnRef>
+          <a:fillRef idx="0">
+            <a:schemeClr val="accent1"/>
+          </a:fillRef>
+          <a:effectRef idx="0">
+            <a:schemeClr val="accent1"/>
+          </a:effectRef>
+          <a:fontRef idx="minor">
+            <a:schemeClr val="tx1"/>
+          </a:fontRef>
+        </p:style>
+      </p:cxnSp>
+      <p:cxnSp>
+        <p:nvCxnSpPr>
+          <p:cNvPr id="80" name="Straight Connector 79">
+            <a:extLst>
+              <a:ext uri="{FF2B5EF4-FFF2-40B4-BE49-F238E27FC236}">
+                <a16:creationId xmlns:a16="http://schemas.microsoft.com/office/drawing/2014/main" id="{21FAB1B1-D56A-46CF-8919-EDD551A7CAB7}"/>
+              </a:ext>
+            </a:extLst>
+          </p:cNvPr>
+          <p:cNvCxnSpPr>
+            <a:cxnSpLocks/>
+          </p:cNvCxnSpPr>
+          <p:nvPr/>
+        </p:nvCxnSpPr>
+        <p:spPr>
+          <a:xfrm>
+            <a:off x="7602308" y="4218858"/>
+            <a:ext cx="1057138" cy="454259"/>
+          </a:xfrm>
+          <a:prstGeom prst="line">
+            <a:avLst/>
+          </a:prstGeom>
+          <a:ln w="63500">
+            <a:solidFill>
+              <a:schemeClr val="tx1"/>
+            </a:solidFill>
+          </a:ln>
+        </p:spPr>
+        <p:style>
+          <a:lnRef idx="1">
+            <a:schemeClr val="accent1"/>
+          </a:lnRef>
+          <a:fillRef idx="0">
+            <a:schemeClr val="accent1"/>
+          </a:fillRef>
+          <a:effectRef idx="0">
+            <a:schemeClr val="accent1"/>
+          </a:effectRef>
+          <a:fontRef idx="minor">
+            <a:schemeClr val="tx1"/>
+          </a:fontRef>
+        </p:style>
+      </p:cxnSp>
+      <p:cxnSp>
+        <p:nvCxnSpPr>
+          <p:cNvPr id="62" name="Straight Connector 61">
+            <a:extLst>
+              <a:ext uri="{FF2B5EF4-FFF2-40B4-BE49-F238E27FC236}">
+                <a16:creationId xmlns:a16="http://schemas.microsoft.com/office/drawing/2014/main" id="{21FAB1B1-D56A-46CF-8919-EDD551A7CAB7}"/>
+              </a:ext>
+            </a:extLst>
+          </p:cNvPr>
+          <p:cNvCxnSpPr>
+            <a:cxnSpLocks/>
+          </p:cNvCxnSpPr>
+          <p:nvPr/>
+        </p:nvCxnSpPr>
+        <p:spPr>
+          <a:xfrm flipH="1" flipV="1">
+            <a:off x="5536101" y="5707734"/>
+            <a:ext cx="1879652" cy="266455"/>
+          </a:xfrm>
+          <a:prstGeom prst="line">
+            <a:avLst/>
+          </a:prstGeom>
+          <a:ln w="63500">
+            <a:solidFill>
+              <a:schemeClr val="tx1"/>
+            </a:solidFill>
+          </a:ln>
+        </p:spPr>
+        <p:style>
+          <a:lnRef idx="1">
+            <a:schemeClr val="accent1"/>
+          </a:lnRef>
+          <a:fillRef idx="0">
+            <a:schemeClr val="accent1"/>
+          </a:fillRef>
+          <a:effectRef idx="0">
+            <a:schemeClr val="accent1"/>
+          </a:effectRef>
+          <a:fontRef idx="minor">
+            <a:schemeClr val="tx1"/>
+          </a:fontRef>
+        </p:style>
+      </p:cxnSp>
+      <p:cxnSp>
+        <p:nvCxnSpPr>
           <p:cNvPr id="188" name="Straight Connector 187">
             <a:extLst>
               <a:ext uri="{FF2B5EF4-FFF2-40B4-BE49-F238E27FC236}">
@@ -8429,7 +8690,7 @@
         </p:blipFill>
         <p:spPr bwMode="auto">
           <a:xfrm>
-            <a:off x="7579230" y="659583"/>
+            <a:off x="6836917" y="497324"/>
             <a:ext cx="1896074" cy="1808995"/>
           </a:xfrm>
           <a:prstGeom prst="ellipse">
@@ -8957,6 +9218,678 @@
                   <a:schemeClr val="accent2">
                     <a:lumMod val="75000"/>
                   </a:schemeClr>
+                </a:solidFill>
+                <a:latin typeface="Cooper Black" panose="0208090404030B020404" pitchFamily="18" charset="0"/>
+              </a:endParaRPr>
+            </a:p>
+          </p:txBody>
+        </p:sp>
+      </p:grpSp>
+      <p:grpSp>
+        <p:nvGrpSpPr>
+          <p:cNvPr id="64" name="Group 63">
+            <a:extLst>
+              <a:ext uri="{FF2B5EF4-FFF2-40B4-BE49-F238E27FC236}">
+                <a16:creationId xmlns:a16="http://schemas.microsoft.com/office/drawing/2014/main" id="{2D185E4A-DFCD-4088-9691-F14624D64242}"/>
+              </a:ext>
+            </a:extLst>
+          </p:cNvPr>
+          <p:cNvGrpSpPr/>
+          <p:nvPr/>
+        </p:nvGrpSpPr>
+        <p:grpSpPr>
+          <a:xfrm>
+            <a:off x="7213607" y="5601753"/>
+            <a:ext cx="916081" cy="872182"/>
+            <a:chOff x="4500040" y="256852"/>
+            <a:chExt cx="916081" cy="872182"/>
+          </a:xfrm>
+        </p:grpSpPr>
+        <p:sp>
+          <p:nvSpPr>
+            <p:cNvPr id="65" name="Oval 64">
+              <a:extLst>
+                <a:ext uri="{FF2B5EF4-FFF2-40B4-BE49-F238E27FC236}">
+                  <a16:creationId xmlns:a16="http://schemas.microsoft.com/office/drawing/2014/main" id="{6F8B6CA2-6F1F-452B-96D7-A9FA45199C99}"/>
+                </a:ext>
+              </a:extLst>
+            </p:cNvPr>
+            <p:cNvSpPr/>
+            <p:nvPr/>
+          </p:nvSpPr>
+          <p:spPr>
+            <a:xfrm>
+              <a:off x="4504808" y="256852"/>
+              <a:ext cx="911313" cy="872182"/>
+            </a:xfrm>
+            <a:prstGeom prst="ellipse">
+              <a:avLst/>
+            </a:prstGeom>
+            <a:solidFill>
+              <a:schemeClr val="accent4"/>
+            </a:solidFill>
+            <a:ln w="25400">
+              <a:solidFill>
+                <a:schemeClr val="tx1"/>
+              </a:solidFill>
+            </a:ln>
+            <a:effectLst>
+              <a:outerShdw blurRad="63500" sx="102000" sy="102000" algn="ctr" rotWithShape="0">
+                <a:prstClr val="black">
+                  <a:alpha val="40000"/>
+                </a:prstClr>
+              </a:outerShdw>
+            </a:effectLst>
+          </p:spPr>
+          <p:style>
+            <a:lnRef idx="2">
+              <a:schemeClr val="accent1">
+                <a:shade val="50000"/>
+              </a:schemeClr>
+            </a:lnRef>
+            <a:fillRef idx="1">
+              <a:schemeClr val="accent1"/>
+            </a:fillRef>
+            <a:effectRef idx="0">
+              <a:schemeClr val="accent1"/>
+            </a:effectRef>
+            <a:fontRef idx="minor">
+              <a:schemeClr val="lt1"/>
+            </a:fontRef>
+          </p:style>
+          <p:txBody>
+            <a:bodyPr rot="0" spcFirstLastPara="0" vertOverflow="overflow" horzOverflow="overflow" vert="horz" wrap="square" lIns="74295" tIns="37148" rIns="74295" bIns="37148" numCol="1" spcCol="0" rtlCol="0" fromWordArt="0" anchor="ctr" anchorCtr="0" forceAA="0" compatLnSpc="1">
+              <a:prstTxWarp prst="textNoShape">
+                <a:avLst/>
+              </a:prstTxWarp>
+              <a:noAutofit/>
+            </a:bodyPr>
+            <a:lstStyle/>
+            <a:p>
+              <a:pPr algn="ctr"/>
+              <a:endParaRPr lang="en-US" sz="1463"/>
+            </a:p>
+          </p:txBody>
+        </p:sp>
+        <p:pic>
+          <p:nvPicPr>
+            <p:cNvPr id="66" name="Picture 65">
+              <a:extLst>
+                <a:ext uri="{FF2B5EF4-FFF2-40B4-BE49-F238E27FC236}">
+                  <a16:creationId xmlns:a16="http://schemas.microsoft.com/office/drawing/2014/main" id="{4000B5CB-BC4F-4D48-A178-7F345E4E0063}"/>
+                </a:ext>
+              </a:extLst>
+            </p:cNvPr>
+            <p:cNvPicPr>
+              <a:picLocks noChangeAspect="1"/>
+            </p:cNvPicPr>
+            <p:nvPr/>
+          </p:nvPicPr>
+          <p:blipFill>
+            <a:blip r:embed="rId2"/>
+            <a:stretch>
+              <a:fillRect/>
+            </a:stretch>
+          </p:blipFill>
+          <p:spPr>
+            <a:xfrm>
+              <a:off x="4947507" y="502972"/>
+              <a:ext cx="367640" cy="367640"/>
+            </a:xfrm>
+            <a:prstGeom prst="ellipse">
+              <a:avLst/>
+            </a:prstGeom>
+            <a:ln w="25400">
+              <a:solidFill>
+                <a:srgbClr val="C00000"/>
+              </a:solidFill>
+            </a:ln>
+          </p:spPr>
+        </p:pic>
+        <p:sp>
+          <p:nvSpPr>
+            <p:cNvPr id="67" name="TextBox 66">
+              <a:extLst>
+                <a:ext uri="{FF2B5EF4-FFF2-40B4-BE49-F238E27FC236}">
+                  <a16:creationId xmlns:a16="http://schemas.microsoft.com/office/drawing/2014/main" id="{2E130529-3865-4125-98AC-BD6434F9E757}"/>
+                </a:ext>
+              </a:extLst>
+            </p:cNvPr>
+            <p:cNvSpPr txBox="1"/>
+            <p:nvPr/>
+          </p:nvSpPr>
+          <p:spPr>
+            <a:xfrm>
+              <a:off x="4500040" y="386230"/>
+              <a:ext cx="548548" cy="584775"/>
+            </a:xfrm>
+            <a:prstGeom prst="rect">
+              <a:avLst/>
+            </a:prstGeom>
+            <a:noFill/>
+          </p:spPr>
+          <p:txBody>
+            <a:bodyPr wrap="none" rtlCol="0">
+              <a:spAutoFit/>
+            </a:bodyPr>
+            <a:lstStyle/>
+            <a:p>
+              <a:r>
+                <a:rPr lang="ru-RU" sz="3200" dirty="0">
+                  <a:solidFill>
+                    <a:srgbClr val="C00000"/>
+                  </a:solidFill>
+                  <a:latin typeface="Cooper Black" panose="0208090404030B020404" pitchFamily="18" charset="0"/>
+                </a:rPr>
+                <a:t>-1</a:t>
+              </a:r>
+              <a:endParaRPr lang="en-US" sz="3200" dirty="0">
+                <a:solidFill>
+                  <a:srgbClr val="C00000"/>
+                </a:solidFill>
+                <a:latin typeface="Cooper Black" panose="0208090404030B020404" pitchFamily="18" charset="0"/>
+              </a:endParaRPr>
+            </a:p>
+          </p:txBody>
+        </p:sp>
+      </p:grpSp>
+      <p:grpSp>
+        <p:nvGrpSpPr>
+          <p:cNvPr id="69" name="Group 68">
+            <a:extLst>
+              <a:ext uri="{FF2B5EF4-FFF2-40B4-BE49-F238E27FC236}">
+                <a16:creationId xmlns:a16="http://schemas.microsoft.com/office/drawing/2014/main" id="{2D185E4A-DFCD-4088-9691-F14624D64242}"/>
+              </a:ext>
+            </a:extLst>
+          </p:cNvPr>
+          <p:cNvGrpSpPr/>
+          <p:nvPr/>
+        </p:nvGrpSpPr>
+        <p:grpSpPr>
+          <a:xfrm>
+            <a:off x="8478203" y="4383854"/>
+            <a:ext cx="916081" cy="872182"/>
+            <a:chOff x="4500040" y="256852"/>
+            <a:chExt cx="916081" cy="872182"/>
+          </a:xfrm>
+        </p:grpSpPr>
+        <p:sp>
+          <p:nvSpPr>
+            <p:cNvPr id="70" name="Oval 69">
+              <a:extLst>
+                <a:ext uri="{FF2B5EF4-FFF2-40B4-BE49-F238E27FC236}">
+                  <a16:creationId xmlns:a16="http://schemas.microsoft.com/office/drawing/2014/main" id="{6F8B6CA2-6F1F-452B-96D7-A9FA45199C99}"/>
+                </a:ext>
+              </a:extLst>
+            </p:cNvPr>
+            <p:cNvSpPr/>
+            <p:nvPr/>
+          </p:nvSpPr>
+          <p:spPr>
+            <a:xfrm>
+              <a:off x="4504808" y="256852"/>
+              <a:ext cx="911313" cy="872182"/>
+            </a:xfrm>
+            <a:prstGeom prst="ellipse">
+              <a:avLst/>
+            </a:prstGeom>
+            <a:solidFill>
+              <a:schemeClr val="accent4"/>
+            </a:solidFill>
+            <a:ln w="25400">
+              <a:solidFill>
+                <a:schemeClr val="tx1"/>
+              </a:solidFill>
+            </a:ln>
+            <a:effectLst>
+              <a:outerShdw blurRad="63500" sx="102000" sy="102000" algn="ctr" rotWithShape="0">
+                <a:prstClr val="black">
+                  <a:alpha val="40000"/>
+                </a:prstClr>
+              </a:outerShdw>
+            </a:effectLst>
+          </p:spPr>
+          <p:style>
+            <a:lnRef idx="2">
+              <a:schemeClr val="accent1">
+                <a:shade val="50000"/>
+              </a:schemeClr>
+            </a:lnRef>
+            <a:fillRef idx="1">
+              <a:schemeClr val="accent1"/>
+            </a:fillRef>
+            <a:effectRef idx="0">
+              <a:schemeClr val="accent1"/>
+            </a:effectRef>
+            <a:fontRef idx="minor">
+              <a:schemeClr val="lt1"/>
+            </a:fontRef>
+          </p:style>
+          <p:txBody>
+            <a:bodyPr rot="0" spcFirstLastPara="0" vertOverflow="overflow" horzOverflow="overflow" vert="horz" wrap="square" lIns="74295" tIns="37148" rIns="74295" bIns="37148" numCol="1" spcCol="0" rtlCol="0" fromWordArt="0" anchor="ctr" anchorCtr="0" forceAA="0" compatLnSpc="1">
+              <a:prstTxWarp prst="textNoShape">
+                <a:avLst/>
+              </a:prstTxWarp>
+              <a:noAutofit/>
+            </a:bodyPr>
+            <a:lstStyle/>
+            <a:p>
+              <a:pPr algn="ctr"/>
+              <a:endParaRPr lang="en-US" sz="1463"/>
+            </a:p>
+          </p:txBody>
+        </p:sp>
+        <p:pic>
+          <p:nvPicPr>
+            <p:cNvPr id="71" name="Picture 70">
+              <a:extLst>
+                <a:ext uri="{FF2B5EF4-FFF2-40B4-BE49-F238E27FC236}">
+                  <a16:creationId xmlns:a16="http://schemas.microsoft.com/office/drawing/2014/main" id="{4000B5CB-BC4F-4D48-A178-7F345E4E0063}"/>
+                </a:ext>
+              </a:extLst>
+            </p:cNvPr>
+            <p:cNvPicPr>
+              <a:picLocks noChangeAspect="1"/>
+            </p:cNvPicPr>
+            <p:nvPr/>
+          </p:nvPicPr>
+          <p:blipFill>
+            <a:blip r:embed="rId2"/>
+            <a:stretch>
+              <a:fillRect/>
+            </a:stretch>
+          </p:blipFill>
+          <p:spPr>
+            <a:xfrm>
+              <a:off x="4947507" y="502972"/>
+              <a:ext cx="367640" cy="367640"/>
+            </a:xfrm>
+            <a:prstGeom prst="ellipse">
+              <a:avLst/>
+            </a:prstGeom>
+            <a:ln w="25400">
+              <a:solidFill>
+                <a:srgbClr val="C00000"/>
+              </a:solidFill>
+            </a:ln>
+          </p:spPr>
+        </p:pic>
+        <p:sp>
+          <p:nvSpPr>
+            <p:cNvPr id="72" name="TextBox 71">
+              <a:extLst>
+                <a:ext uri="{FF2B5EF4-FFF2-40B4-BE49-F238E27FC236}">
+                  <a16:creationId xmlns:a16="http://schemas.microsoft.com/office/drawing/2014/main" id="{2E130529-3865-4125-98AC-BD6434F9E757}"/>
+                </a:ext>
+              </a:extLst>
+            </p:cNvPr>
+            <p:cNvSpPr txBox="1"/>
+            <p:nvPr/>
+          </p:nvSpPr>
+          <p:spPr>
+            <a:xfrm>
+              <a:off x="4500040" y="386230"/>
+              <a:ext cx="548548" cy="584775"/>
+            </a:xfrm>
+            <a:prstGeom prst="rect">
+              <a:avLst/>
+            </a:prstGeom>
+            <a:noFill/>
+          </p:spPr>
+          <p:txBody>
+            <a:bodyPr wrap="none" rtlCol="0">
+              <a:spAutoFit/>
+            </a:bodyPr>
+            <a:lstStyle/>
+            <a:p>
+              <a:r>
+                <a:rPr lang="ru-RU" sz="3200" dirty="0">
+                  <a:solidFill>
+                    <a:srgbClr val="C00000"/>
+                  </a:solidFill>
+                  <a:latin typeface="Cooper Black" panose="0208090404030B020404" pitchFamily="18" charset="0"/>
+                </a:rPr>
+                <a:t>-1</a:t>
+              </a:r>
+              <a:endParaRPr lang="en-US" sz="3200" dirty="0">
+                <a:solidFill>
+                  <a:srgbClr val="C00000"/>
+                </a:solidFill>
+                <a:latin typeface="Cooper Black" panose="0208090404030B020404" pitchFamily="18" charset="0"/>
+              </a:endParaRPr>
+            </a:p>
+          </p:txBody>
+        </p:sp>
+      </p:grpSp>
+      <p:grpSp>
+        <p:nvGrpSpPr>
+          <p:cNvPr id="93" name="Group 92">
+            <a:extLst>
+              <a:ext uri="{FF2B5EF4-FFF2-40B4-BE49-F238E27FC236}">
+                <a16:creationId xmlns:a16="http://schemas.microsoft.com/office/drawing/2014/main" id="{2D185E4A-DFCD-4088-9691-F14624D64242}"/>
+              </a:ext>
+            </a:extLst>
+          </p:cNvPr>
+          <p:cNvGrpSpPr/>
+          <p:nvPr/>
+        </p:nvGrpSpPr>
+        <p:grpSpPr>
+          <a:xfrm>
+            <a:off x="6816022" y="3590565"/>
+            <a:ext cx="916081" cy="872182"/>
+            <a:chOff x="4500040" y="256852"/>
+            <a:chExt cx="916081" cy="872182"/>
+          </a:xfrm>
+        </p:grpSpPr>
+        <p:sp>
+          <p:nvSpPr>
+            <p:cNvPr id="94" name="Oval 93">
+              <a:extLst>
+                <a:ext uri="{FF2B5EF4-FFF2-40B4-BE49-F238E27FC236}">
+                  <a16:creationId xmlns:a16="http://schemas.microsoft.com/office/drawing/2014/main" id="{6F8B6CA2-6F1F-452B-96D7-A9FA45199C99}"/>
+                </a:ext>
+              </a:extLst>
+            </p:cNvPr>
+            <p:cNvSpPr/>
+            <p:nvPr/>
+          </p:nvSpPr>
+          <p:spPr>
+            <a:xfrm>
+              <a:off x="4504808" y="256852"/>
+              <a:ext cx="911313" cy="872182"/>
+            </a:xfrm>
+            <a:prstGeom prst="ellipse">
+              <a:avLst/>
+            </a:prstGeom>
+            <a:solidFill>
+              <a:schemeClr val="accent4"/>
+            </a:solidFill>
+            <a:ln w="25400">
+              <a:solidFill>
+                <a:schemeClr val="tx1"/>
+              </a:solidFill>
+            </a:ln>
+            <a:effectLst>
+              <a:outerShdw blurRad="63500" sx="102000" sy="102000" algn="ctr" rotWithShape="0">
+                <a:prstClr val="black">
+                  <a:alpha val="40000"/>
+                </a:prstClr>
+              </a:outerShdw>
+            </a:effectLst>
+          </p:spPr>
+          <p:style>
+            <a:lnRef idx="2">
+              <a:schemeClr val="accent1">
+                <a:shade val="50000"/>
+              </a:schemeClr>
+            </a:lnRef>
+            <a:fillRef idx="1">
+              <a:schemeClr val="accent1"/>
+            </a:fillRef>
+            <a:effectRef idx="0">
+              <a:schemeClr val="accent1"/>
+            </a:effectRef>
+            <a:fontRef idx="minor">
+              <a:schemeClr val="lt1"/>
+            </a:fontRef>
+          </p:style>
+          <p:txBody>
+            <a:bodyPr rot="0" spcFirstLastPara="0" vertOverflow="overflow" horzOverflow="overflow" vert="horz" wrap="square" lIns="74295" tIns="37148" rIns="74295" bIns="37148" numCol="1" spcCol="0" rtlCol="0" fromWordArt="0" anchor="ctr" anchorCtr="0" forceAA="0" compatLnSpc="1">
+              <a:prstTxWarp prst="textNoShape">
+                <a:avLst/>
+              </a:prstTxWarp>
+              <a:noAutofit/>
+            </a:bodyPr>
+            <a:lstStyle/>
+            <a:p>
+              <a:pPr algn="ctr"/>
+              <a:endParaRPr lang="en-US" sz="1463"/>
+            </a:p>
+          </p:txBody>
+        </p:sp>
+        <p:pic>
+          <p:nvPicPr>
+            <p:cNvPr id="95" name="Picture 94">
+              <a:extLst>
+                <a:ext uri="{FF2B5EF4-FFF2-40B4-BE49-F238E27FC236}">
+                  <a16:creationId xmlns:a16="http://schemas.microsoft.com/office/drawing/2014/main" id="{4000B5CB-BC4F-4D48-A178-7F345E4E0063}"/>
+                </a:ext>
+              </a:extLst>
+            </p:cNvPr>
+            <p:cNvPicPr>
+              <a:picLocks noChangeAspect="1"/>
+            </p:cNvPicPr>
+            <p:nvPr/>
+          </p:nvPicPr>
+          <p:blipFill>
+            <a:blip r:embed="rId2"/>
+            <a:stretch>
+              <a:fillRect/>
+            </a:stretch>
+          </p:blipFill>
+          <p:spPr>
+            <a:xfrm>
+              <a:off x="4947507" y="502972"/>
+              <a:ext cx="367640" cy="367640"/>
+            </a:xfrm>
+            <a:prstGeom prst="ellipse">
+              <a:avLst/>
+            </a:prstGeom>
+            <a:ln w="25400">
+              <a:solidFill>
+                <a:srgbClr val="C00000"/>
+              </a:solidFill>
+            </a:ln>
+          </p:spPr>
+        </p:pic>
+        <p:sp>
+          <p:nvSpPr>
+            <p:cNvPr id="97" name="TextBox 96">
+              <a:extLst>
+                <a:ext uri="{FF2B5EF4-FFF2-40B4-BE49-F238E27FC236}">
+                  <a16:creationId xmlns:a16="http://schemas.microsoft.com/office/drawing/2014/main" id="{2E130529-3865-4125-98AC-BD6434F9E757}"/>
+                </a:ext>
+              </a:extLst>
+            </p:cNvPr>
+            <p:cNvSpPr txBox="1"/>
+            <p:nvPr/>
+          </p:nvSpPr>
+          <p:spPr>
+            <a:xfrm>
+              <a:off x="4500040" y="386230"/>
+              <a:ext cx="548548" cy="584775"/>
+            </a:xfrm>
+            <a:prstGeom prst="rect">
+              <a:avLst/>
+            </a:prstGeom>
+            <a:noFill/>
+          </p:spPr>
+          <p:txBody>
+            <a:bodyPr wrap="none" rtlCol="0">
+              <a:spAutoFit/>
+            </a:bodyPr>
+            <a:lstStyle/>
+            <a:p>
+              <a:r>
+                <a:rPr lang="ru-RU" sz="3200" dirty="0">
+                  <a:solidFill>
+                    <a:srgbClr val="C00000"/>
+                  </a:solidFill>
+                  <a:latin typeface="Cooper Black" panose="0208090404030B020404" pitchFamily="18" charset="0"/>
+                </a:rPr>
+                <a:t>-1</a:t>
+              </a:r>
+              <a:endParaRPr lang="en-US" sz="3200" dirty="0">
+                <a:solidFill>
+                  <a:srgbClr val="C00000"/>
+                </a:solidFill>
+                <a:latin typeface="Cooper Black" panose="0208090404030B020404" pitchFamily="18" charset="0"/>
+              </a:endParaRPr>
+            </a:p>
+          </p:txBody>
+        </p:sp>
+      </p:grpSp>
+      <p:grpSp>
+        <p:nvGrpSpPr>
+          <p:cNvPr id="102" name="Group 101">
+            <a:extLst>
+              <a:ext uri="{FF2B5EF4-FFF2-40B4-BE49-F238E27FC236}">
+                <a16:creationId xmlns:a16="http://schemas.microsoft.com/office/drawing/2014/main" id="{2D185E4A-DFCD-4088-9691-F14624D64242}"/>
+              </a:ext>
+            </a:extLst>
+          </p:cNvPr>
+          <p:cNvGrpSpPr/>
+          <p:nvPr/>
+        </p:nvGrpSpPr>
+        <p:grpSpPr>
+          <a:xfrm>
+            <a:off x="8077215" y="2677643"/>
+            <a:ext cx="916081" cy="872182"/>
+            <a:chOff x="4500040" y="256852"/>
+            <a:chExt cx="916081" cy="872182"/>
+          </a:xfrm>
+        </p:grpSpPr>
+        <p:sp>
+          <p:nvSpPr>
+            <p:cNvPr id="103" name="Oval 102">
+              <a:extLst>
+                <a:ext uri="{FF2B5EF4-FFF2-40B4-BE49-F238E27FC236}">
+                  <a16:creationId xmlns:a16="http://schemas.microsoft.com/office/drawing/2014/main" id="{6F8B6CA2-6F1F-452B-96D7-A9FA45199C99}"/>
+                </a:ext>
+              </a:extLst>
+            </p:cNvPr>
+            <p:cNvSpPr/>
+            <p:nvPr/>
+          </p:nvSpPr>
+          <p:spPr>
+            <a:xfrm>
+              <a:off x="4504808" y="256852"/>
+              <a:ext cx="911313" cy="872182"/>
+            </a:xfrm>
+            <a:prstGeom prst="ellipse">
+              <a:avLst/>
+            </a:prstGeom>
+            <a:solidFill>
+              <a:schemeClr val="accent4"/>
+            </a:solidFill>
+            <a:ln w="25400">
+              <a:solidFill>
+                <a:schemeClr val="tx1"/>
+              </a:solidFill>
+            </a:ln>
+            <a:effectLst>
+              <a:outerShdw blurRad="63500" sx="102000" sy="102000" algn="ctr" rotWithShape="0">
+                <a:prstClr val="black">
+                  <a:alpha val="40000"/>
+                </a:prstClr>
+              </a:outerShdw>
+            </a:effectLst>
+          </p:spPr>
+          <p:style>
+            <a:lnRef idx="2">
+              <a:schemeClr val="accent1">
+                <a:shade val="50000"/>
+              </a:schemeClr>
+            </a:lnRef>
+            <a:fillRef idx="1">
+              <a:schemeClr val="accent1"/>
+            </a:fillRef>
+            <a:effectRef idx="0">
+              <a:schemeClr val="accent1"/>
+            </a:effectRef>
+            <a:fontRef idx="minor">
+              <a:schemeClr val="lt1"/>
+            </a:fontRef>
+          </p:style>
+          <p:txBody>
+            <a:bodyPr rot="0" spcFirstLastPara="0" vertOverflow="overflow" horzOverflow="overflow" vert="horz" wrap="square" lIns="74295" tIns="37148" rIns="74295" bIns="37148" numCol="1" spcCol="0" rtlCol="0" fromWordArt="0" anchor="ctr" anchorCtr="0" forceAA="0" compatLnSpc="1">
+              <a:prstTxWarp prst="textNoShape">
+                <a:avLst/>
+              </a:prstTxWarp>
+              <a:noAutofit/>
+            </a:bodyPr>
+            <a:lstStyle/>
+            <a:p>
+              <a:pPr algn="ctr"/>
+              <a:endParaRPr lang="en-US" sz="1463"/>
+            </a:p>
+          </p:txBody>
+        </p:sp>
+        <p:pic>
+          <p:nvPicPr>
+            <p:cNvPr id="104" name="Picture 103">
+              <a:extLst>
+                <a:ext uri="{FF2B5EF4-FFF2-40B4-BE49-F238E27FC236}">
+                  <a16:creationId xmlns:a16="http://schemas.microsoft.com/office/drawing/2014/main" id="{4000B5CB-BC4F-4D48-A178-7F345E4E0063}"/>
+                </a:ext>
+              </a:extLst>
+            </p:cNvPr>
+            <p:cNvPicPr>
+              <a:picLocks noChangeAspect="1"/>
+            </p:cNvPicPr>
+            <p:nvPr/>
+          </p:nvPicPr>
+          <p:blipFill>
+            <a:blip r:embed="rId2"/>
+            <a:stretch>
+              <a:fillRect/>
+            </a:stretch>
+          </p:blipFill>
+          <p:spPr>
+            <a:xfrm>
+              <a:off x="4947507" y="502972"/>
+              <a:ext cx="367640" cy="367640"/>
+            </a:xfrm>
+            <a:prstGeom prst="ellipse">
+              <a:avLst/>
+            </a:prstGeom>
+            <a:ln w="25400">
+              <a:solidFill>
+                <a:srgbClr val="C00000"/>
+              </a:solidFill>
+            </a:ln>
+          </p:spPr>
+        </p:pic>
+        <p:sp>
+          <p:nvSpPr>
+            <p:cNvPr id="105" name="TextBox 104">
+              <a:extLst>
+                <a:ext uri="{FF2B5EF4-FFF2-40B4-BE49-F238E27FC236}">
+                  <a16:creationId xmlns:a16="http://schemas.microsoft.com/office/drawing/2014/main" id="{2E130529-3865-4125-98AC-BD6434F9E757}"/>
+                </a:ext>
+              </a:extLst>
+            </p:cNvPr>
+            <p:cNvSpPr txBox="1"/>
+            <p:nvPr/>
+          </p:nvSpPr>
+          <p:spPr>
+            <a:xfrm>
+              <a:off x="4500040" y="386230"/>
+              <a:ext cx="548548" cy="584775"/>
+            </a:xfrm>
+            <a:prstGeom prst="rect">
+              <a:avLst/>
+            </a:prstGeom>
+            <a:noFill/>
+          </p:spPr>
+          <p:txBody>
+            <a:bodyPr wrap="none" rtlCol="0">
+              <a:spAutoFit/>
+            </a:bodyPr>
+            <a:lstStyle/>
+            <a:p>
+              <a:r>
+                <a:rPr lang="ru-RU" sz="3200" dirty="0">
+                  <a:solidFill>
+                    <a:srgbClr val="C00000"/>
+                  </a:solidFill>
+                  <a:latin typeface="Cooper Black" panose="0208090404030B020404" pitchFamily="18" charset="0"/>
+                </a:rPr>
+                <a:t>-1</a:t>
+              </a:r>
+              <a:endParaRPr lang="en-US" sz="3200" dirty="0">
+                <a:solidFill>
+                  <a:srgbClr val="C00000"/>
                 </a:solidFill>
                 <a:latin typeface="Cooper Black" panose="0208090404030B020404" pitchFamily="18" charset="0"/>
               </a:endParaRPr>

--- a/food_and_gold.pptx
+++ b/food_and_gold.pptx
@@ -244,7 +244,7 @@
           <a:p>
             <a:fld id="{BD3583C3-D11B-4712-BAA4-D3100A00F92F}" type="datetimeFigureOut">
               <a:rPr lang="en-US" smtClean="0"/>
-              <a:t>6/7/2022</a:t>
+              <a:t>6/9/2022</a:t>
             </a:fld>
             <a:endParaRPr lang="en-US"/>
           </a:p>
@@ -414,7 +414,7 @@
           <a:p>
             <a:fld id="{BD3583C3-D11B-4712-BAA4-D3100A00F92F}" type="datetimeFigureOut">
               <a:rPr lang="en-US" smtClean="0"/>
-              <a:t>6/7/2022</a:t>
+              <a:t>6/9/2022</a:t>
             </a:fld>
             <a:endParaRPr lang="en-US"/>
           </a:p>
@@ -594,7 +594,7 @@
           <a:p>
             <a:fld id="{BD3583C3-D11B-4712-BAA4-D3100A00F92F}" type="datetimeFigureOut">
               <a:rPr lang="en-US" smtClean="0"/>
-              <a:t>6/7/2022</a:t>
+              <a:t>6/9/2022</a:t>
             </a:fld>
             <a:endParaRPr lang="en-US"/>
           </a:p>
@@ -764,7 +764,7 @@
           <a:p>
             <a:fld id="{BD3583C3-D11B-4712-BAA4-D3100A00F92F}" type="datetimeFigureOut">
               <a:rPr lang="en-US" smtClean="0"/>
-              <a:t>6/7/2022</a:t>
+              <a:t>6/9/2022</a:t>
             </a:fld>
             <a:endParaRPr lang="en-US"/>
           </a:p>
@@ -1008,7 +1008,7 @@
           <a:p>
             <a:fld id="{BD3583C3-D11B-4712-BAA4-D3100A00F92F}" type="datetimeFigureOut">
               <a:rPr lang="en-US" smtClean="0"/>
-              <a:t>6/7/2022</a:t>
+              <a:t>6/9/2022</a:t>
             </a:fld>
             <a:endParaRPr lang="en-US"/>
           </a:p>
@@ -1240,7 +1240,7 @@
           <a:p>
             <a:fld id="{BD3583C3-D11B-4712-BAA4-D3100A00F92F}" type="datetimeFigureOut">
               <a:rPr lang="en-US" smtClean="0"/>
-              <a:t>6/7/2022</a:t>
+              <a:t>6/9/2022</a:t>
             </a:fld>
             <a:endParaRPr lang="en-US"/>
           </a:p>
@@ -1607,7 +1607,7 @@
           <a:p>
             <a:fld id="{BD3583C3-D11B-4712-BAA4-D3100A00F92F}" type="datetimeFigureOut">
               <a:rPr lang="en-US" smtClean="0"/>
-              <a:t>6/7/2022</a:t>
+              <a:t>6/9/2022</a:t>
             </a:fld>
             <a:endParaRPr lang="en-US"/>
           </a:p>
@@ -1725,7 +1725,7 @@
           <a:p>
             <a:fld id="{BD3583C3-D11B-4712-BAA4-D3100A00F92F}" type="datetimeFigureOut">
               <a:rPr lang="en-US" smtClean="0"/>
-              <a:t>6/7/2022</a:t>
+              <a:t>6/9/2022</a:t>
             </a:fld>
             <a:endParaRPr lang="en-US"/>
           </a:p>
@@ -1820,7 +1820,7 @@
           <a:p>
             <a:fld id="{BD3583C3-D11B-4712-BAA4-D3100A00F92F}" type="datetimeFigureOut">
               <a:rPr lang="en-US" smtClean="0"/>
-              <a:t>6/7/2022</a:t>
+              <a:t>6/9/2022</a:t>
             </a:fld>
             <a:endParaRPr lang="en-US"/>
           </a:p>
@@ -2097,7 +2097,7 @@
           <a:p>
             <a:fld id="{BD3583C3-D11B-4712-BAA4-D3100A00F92F}" type="datetimeFigureOut">
               <a:rPr lang="en-US" smtClean="0"/>
-              <a:t>6/7/2022</a:t>
+              <a:t>6/9/2022</a:t>
             </a:fld>
             <a:endParaRPr lang="en-US"/>
           </a:p>
@@ -2354,7 +2354,7 @@
           <a:p>
             <a:fld id="{BD3583C3-D11B-4712-BAA4-D3100A00F92F}" type="datetimeFigureOut">
               <a:rPr lang="en-US" smtClean="0"/>
-              <a:t>6/7/2022</a:t>
+              <a:t>6/9/2022</a:t>
             </a:fld>
             <a:endParaRPr lang="en-US"/>
           </a:p>
@@ -2567,7 +2567,7 @@
           <a:p>
             <a:fld id="{BD3583C3-D11B-4712-BAA4-D3100A00F92F}" type="datetimeFigureOut">
               <a:rPr lang="en-US" smtClean="0"/>
-              <a:t>6/7/2022</a:t>
+              <a:t>6/9/2022</a:t>
             </a:fld>
             <a:endParaRPr lang="en-US"/>
           </a:p>
@@ -3617,76 +3617,6 @@
       </p:cxnSp>
       <p:cxnSp>
         <p:nvCxnSpPr>
-          <p:cNvPr id="12" name="Straight Connector 11"/>
-          <p:cNvCxnSpPr/>
-          <p:nvPr/>
-        </p:nvCxnSpPr>
-        <p:spPr>
-          <a:xfrm>
-            <a:off x="1051323" y="980676"/>
-            <a:ext cx="1401279" cy="708433"/>
-          </a:xfrm>
-          <a:prstGeom prst="line">
-            <a:avLst/>
-          </a:prstGeom>
-          <a:ln w="63500">
-            <a:solidFill>
-              <a:schemeClr val="tx1"/>
-            </a:solidFill>
-          </a:ln>
-        </p:spPr>
-        <p:style>
-          <a:lnRef idx="1">
-            <a:schemeClr val="accent1"/>
-          </a:lnRef>
-          <a:fillRef idx="0">
-            <a:schemeClr val="accent1"/>
-          </a:fillRef>
-          <a:effectRef idx="0">
-            <a:schemeClr val="accent1"/>
-          </a:effectRef>
-          <a:fontRef idx="minor">
-            <a:schemeClr val="tx1"/>
-          </a:fontRef>
-        </p:style>
-      </p:cxnSp>
-      <p:cxnSp>
-        <p:nvCxnSpPr>
-          <p:cNvPr id="19" name="Straight Connector 18"/>
-          <p:cNvCxnSpPr/>
-          <p:nvPr/>
-        </p:nvCxnSpPr>
-        <p:spPr>
-          <a:xfrm flipH="1">
-            <a:off x="2481046" y="1005776"/>
-            <a:ext cx="903988" cy="670464"/>
-          </a:xfrm>
-          <a:prstGeom prst="line">
-            <a:avLst/>
-          </a:prstGeom>
-          <a:ln w="63500">
-            <a:solidFill>
-              <a:schemeClr val="tx1"/>
-            </a:solidFill>
-          </a:ln>
-        </p:spPr>
-        <p:style>
-          <a:lnRef idx="1">
-            <a:schemeClr val="accent1"/>
-          </a:lnRef>
-          <a:fillRef idx="0">
-            <a:schemeClr val="accent1"/>
-          </a:fillRef>
-          <a:effectRef idx="0">
-            <a:schemeClr val="accent1"/>
-          </a:effectRef>
-          <a:fontRef idx="minor">
-            <a:schemeClr val="tx1"/>
-          </a:fontRef>
-        </p:style>
-      </p:cxnSp>
-      <p:cxnSp>
-        <p:nvCxnSpPr>
           <p:cNvPr id="24" name="Straight Connector 23"/>
           <p:cNvCxnSpPr>
             <a:stCxn id="81" idx="3"/>
@@ -4129,7 +4059,10 @@
             </a:solidFill>
             <a:ln w="25400">
               <a:solidFill>
-                <a:schemeClr val="tx1"/>
+                <a:schemeClr val="tx1">
+                  <a:lumMod val="65000"/>
+                  <a:lumOff val="35000"/>
+                </a:schemeClr>
               </a:solidFill>
             </a:ln>
             <a:effectLst>
@@ -6473,6 +6406,68 @@
           </a:p>
         </p:txBody>
       </p:sp>
+      <p:sp>
+        <p:nvSpPr>
+          <p:cNvPr id="3" name="Arrow: Striped Right 2">
+            <a:extLst>
+              <a:ext uri="{FF2B5EF4-FFF2-40B4-BE49-F238E27FC236}">
+                <a16:creationId xmlns:a16="http://schemas.microsoft.com/office/drawing/2014/main" id="{2BA3DD6F-0EA0-498E-95D6-E444E66B2FD9}"/>
+              </a:ext>
+            </a:extLst>
+          </p:cNvPr>
+          <p:cNvSpPr/>
+          <p:nvPr/>
+        </p:nvSpPr>
+        <p:spPr>
+          <a:xfrm rot="1605570">
+            <a:off x="1606801" y="1098992"/>
+            <a:ext cx="572073" cy="414676"/>
+          </a:xfrm>
+          <a:prstGeom prst="stripedRightArrow">
+            <a:avLst>
+              <a:gd name="adj1" fmla="val 55376"/>
+              <a:gd name="adj2" fmla="val 40001"/>
+            </a:avLst>
+          </a:prstGeom>
+          <a:solidFill>
+            <a:schemeClr val="accent4"/>
+          </a:solidFill>
+          <a:ln>
+            <a:noFill/>
+          </a:ln>
+          <a:effectLst>
+            <a:outerShdw blurRad="50800" dist="38100" dir="10800000" sx="121000" sy="121000" algn="r" rotWithShape="0">
+              <a:prstClr val="black">
+                <a:alpha val="40000"/>
+              </a:prstClr>
+            </a:outerShdw>
+          </a:effectLst>
+        </p:spPr>
+        <p:style>
+          <a:lnRef idx="2">
+            <a:schemeClr val="accent6">
+              <a:shade val="50000"/>
+            </a:schemeClr>
+          </a:lnRef>
+          <a:fillRef idx="1">
+            <a:schemeClr val="accent6"/>
+          </a:fillRef>
+          <a:effectRef idx="0">
+            <a:schemeClr val="accent6"/>
+          </a:effectRef>
+          <a:fontRef idx="minor">
+            <a:schemeClr val="lt1"/>
+          </a:fontRef>
+        </p:style>
+        <p:txBody>
+          <a:bodyPr rtlCol="0" anchor="ctr"/>
+          <a:lstStyle/>
+          <a:p>
+            <a:pPr algn="ctr"/>
+            <a:endParaRPr lang="en-US"/>
+          </a:p>
+        </p:txBody>
+      </p:sp>
     </p:spTree>
     <p:extLst>
       <p:ext uri="{BB962C8B-B14F-4D97-AF65-F5344CB8AC3E}">
@@ -6524,14 +6519,13 @@
           </p:cNvPr>
           <p:cNvCxnSpPr>
             <a:cxnSpLocks/>
-            <a:stCxn id="95" idx="7"/>
           </p:cNvCxnSpPr>
           <p:nvPr/>
         </p:nvCxnSpPr>
         <p:spPr>
           <a:xfrm flipV="1">
-            <a:off x="7577289" y="3191518"/>
-            <a:ext cx="774200" cy="699007"/>
+            <a:off x="7602308" y="3226533"/>
+            <a:ext cx="1295563" cy="663992"/>
           </a:xfrm>
           <a:prstGeom prst="line">
             <a:avLst/>
@@ -6611,13 +6605,14 @@
           </p:cNvPr>
           <p:cNvCxnSpPr>
             <a:cxnSpLocks/>
+            <a:stCxn id="105" idx="0"/>
           </p:cNvCxnSpPr>
           <p:nvPr/>
         </p:nvCxnSpPr>
         <p:spPr>
           <a:xfrm flipH="1" flipV="1">
-            <a:off x="8028714" y="2049223"/>
-            <a:ext cx="431772" cy="840870"/>
+            <a:off x="8129688" y="1880362"/>
+            <a:ext cx="830522" cy="917855"/>
           </a:xfrm>
           <a:prstGeom prst="line">
             <a:avLst/>
@@ -6790,8 +6785,8 @@
         </p:nvCxnSpPr>
         <p:spPr>
           <a:xfrm flipH="1">
-            <a:off x="5311956" y="4061570"/>
-            <a:ext cx="448291" cy="1223094"/>
+            <a:off x="5311958" y="3676230"/>
+            <a:ext cx="472699" cy="1608434"/>
           </a:xfrm>
           <a:prstGeom prst="line">
             <a:avLst/>
@@ -6833,8 +6828,8 @@
         </p:nvCxnSpPr>
         <p:spPr>
           <a:xfrm flipH="1">
-            <a:off x="5728768" y="2222470"/>
-            <a:ext cx="366512" cy="1669427"/>
+            <a:off x="5879533" y="2222470"/>
+            <a:ext cx="215747" cy="996852"/>
           </a:xfrm>
           <a:prstGeom prst="line">
             <a:avLst/>
@@ -8418,8 +8413,8 @@
         </p:blipFill>
         <p:spPr bwMode="auto">
           <a:xfrm>
-            <a:off x="3388354" y="2176759"/>
-            <a:ext cx="1588577" cy="1426666"/>
+            <a:off x="3388355" y="2176759"/>
+            <a:ext cx="1531576" cy="1426666"/>
           </a:xfrm>
           <a:prstGeom prst="ellipse">
             <a:avLst/>
@@ -8638,7 +8633,7 @@
         </p:blipFill>
         <p:spPr bwMode="auto">
           <a:xfrm>
-            <a:off x="4469047" y="4880250"/>
+            <a:off x="4485722" y="4516714"/>
             <a:ext cx="1549208" cy="1549208"/>
           </a:xfrm>
           <a:prstGeom prst="ellipse">
@@ -9067,7 +9062,7 @@
         </p:nvGrpSpPr>
         <p:grpSpPr>
           <a:xfrm>
-            <a:off x="5352413" y="3491839"/>
+            <a:off x="5427266" y="3106499"/>
             <a:ext cx="799061" cy="768207"/>
             <a:chOff x="2134230" y="1207242"/>
             <a:chExt cx="799061" cy="768207"/>
@@ -9743,7 +9738,7 @@
         </p:nvGrpSpPr>
         <p:grpSpPr>
           <a:xfrm>
-            <a:off x="8077215" y="2677643"/>
+            <a:off x="8685936" y="2668839"/>
             <a:ext cx="916081" cy="872182"/>
             <a:chOff x="4500040" y="256852"/>
             <a:chExt cx="916081" cy="872182"/>
@@ -9897,6 +9892,311 @@
           </p:txBody>
         </p:sp>
       </p:grpSp>
+      <p:grpSp>
+        <p:nvGrpSpPr>
+          <p:cNvPr id="2" name="Group 1">
+            <a:extLst>
+              <a:ext uri="{FF2B5EF4-FFF2-40B4-BE49-F238E27FC236}">
+                <a16:creationId xmlns:a16="http://schemas.microsoft.com/office/drawing/2014/main" id="{BC52F8A2-D03F-4490-A2AD-B1FB83659C37}"/>
+              </a:ext>
+            </a:extLst>
+          </p:cNvPr>
+          <p:cNvGrpSpPr/>
+          <p:nvPr/>
+        </p:nvGrpSpPr>
+        <p:grpSpPr>
+          <a:xfrm>
+            <a:off x="7340936" y="2300774"/>
+            <a:ext cx="888036" cy="584775"/>
+            <a:chOff x="6701046" y="2831082"/>
+            <a:chExt cx="888036" cy="584775"/>
+          </a:xfrm>
+        </p:grpSpPr>
+        <p:pic>
+          <p:nvPicPr>
+            <p:cNvPr id="1026" name="Picture 2">
+              <a:extLst>
+                <a:ext uri="{FF2B5EF4-FFF2-40B4-BE49-F238E27FC236}">
+                  <a16:creationId xmlns:a16="http://schemas.microsoft.com/office/drawing/2014/main" id="{2214EA45-FA37-4194-AE3C-2867E01B570B}"/>
+                </a:ext>
+              </a:extLst>
+            </p:cNvPr>
+            <p:cNvPicPr>
+              <a:picLocks noChangeAspect="1" noChangeArrowheads="1"/>
+            </p:cNvPicPr>
+            <p:nvPr/>
+          </p:nvPicPr>
+          <p:blipFill>
+            <a:blip r:embed="rId7" cstate="print">
+              <a:extLst>
+                <a:ext uri="{28A0092B-C50C-407E-A947-70E740481C1C}">
+                  <a14:useLocalDpi xmlns:a14="http://schemas.microsoft.com/office/drawing/2010/main" val="0"/>
+                </a:ext>
+              </a:extLst>
+            </a:blip>
+            <a:srcRect/>
+            <a:stretch>
+              <a:fillRect/>
+            </a:stretch>
+          </p:blipFill>
+          <p:spPr bwMode="auto">
+            <a:xfrm>
+              <a:off x="7219095" y="2982892"/>
+              <a:ext cx="369987" cy="367640"/>
+            </a:xfrm>
+            <a:prstGeom prst="ellipse">
+              <a:avLst/>
+            </a:prstGeom>
+            <a:noFill/>
+            <a:ln w="25400">
+              <a:solidFill>
+                <a:schemeClr val="accent2"/>
+              </a:solidFill>
+            </a:ln>
+            <a:extLst>
+              <a:ext uri="{909E8E84-426E-40DD-AFC4-6F175D3DCCD1}">
+                <a14:hiddenFill xmlns:a14="http://schemas.microsoft.com/office/drawing/2010/main">
+                  <a:solidFill>
+                    <a:srgbClr val="FFFFFF"/>
+                  </a:solidFill>
+                </a14:hiddenFill>
+              </a:ext>
+            </a:extLst>
+          </p:spPr>
+        </p:pic>
+        <p:sp>
+          <p:nvSpPr>
+            <p:cNvPr id="85" name="TextBox 84">
+              <a:extLst>
+                <a:ext uri="{FF2B5EF4-FFF2-40B4-BE49-F238E27FC236}">
+                  <a16:creationId xmlns:a16="http://schemas.microsoft.com/office/drawing/2014/main" id="{A7DE37A2-EC03-4349-9B69-8DC22D2481E4}"/>
+                </a:ext>
+              </a:extLst>
+            </p:cNvPr>
+            <p:cNvSpPr txBox="1"/>
+            <p:nvPr/>
+          </p:nvSpPr>
+          <p:spPr>
+            <a:xfrm>
+              <a:off x="6701046" y="2831082"/>
+              <a:ext cx="548548" cy="584775"/>
+            </a:xfrm>
+            <a:prstGeom prst="rect">
+              <a:avLst/>
+            </a:prstGeom>
+            <a:noFill/>
+          </p:spPr>
+          <p:txBody>
+            <a:bodyPr wrap="none" rtlCol="0">
+              <a:spAutoFit/>
+            </a:bodyPr>
+            <a:lstStyle/>
+            <a:p>
+              <a:r>
+                <a:rPr lang="nl-NL" sz="3200" dirty="0">
+                  <a:solidFill>
+                    <a:schemeClr val="accent2">
+                      <a:lumMod val="75000"/>
+                    </a:schemeClr>
+                  </a:solidFill>
+                  <a:latin typeface="Cooper Black" panose="0208090404030B020404" pitchFamily="18" charset="0"/>
+                </a:rPr>
+                <a:t>-4</a:t>
+              </a:r>
+              <a:endParaRPr lang="en-US" sz="3200" dirty="0">
+                <a:solidFill>
+                  <a:schemeClr val="accent2">
+                    <a:lumMod val="75000"/>
+                  </a:schemeClr>
+                </a:solidFill>
+                <a:latin typeface="Cooper Black" panose="0208090404030B020404" pitchFamily="18" charset="0"/>
+              </a:endParaRPr>
+            </a:p>
+          </p:txBody>
+        </p:sp>
+      </p:grpSp>
+      <p:grpSp>
+        <p:nvGrpSpPr>
+          <p:cNvPr id="84" name="Group 83">
+            <a:extLst>
+              <a:ext uri="{FF2B5EF4-FFF2-40B4-BE49-F238E27FC236}">
+                <a16:creationId xmlns:a16="http://schemas.microsoft.com/office/drawing/2014/main" id="{1180AB84-CAD7-4176-99BA-311827BB3278}"/>
+              </a:ext>
+            </a:extLst>
+          </p:cNvPr>
+          <p:cNvGrpSpPr/>
+          <p:nvPr/>
+        </p:nvGrpSpPr>
+        <p:grpSpPr>
+          <a:xfrm>
+            <a:off x="4747108" y="6055654"/>
+            <a:ext cx="911294" cy="584775"/>
+            <a:chOff x="6563464" y="1499260"/>
+            <a:chExt cx="911294" cy="584775"/>
+          </a:xfrm>
+        </p:grpSpPr>
+        <p:pic>
+          <p:nvPicPr>
+            <p:cNvPr id="86" name="Picture 85">
+              <a:extLst>
+                <a:ext uri="{FF2B5EF4-FFF2-40B4-BE49-F238E27FC236}">
+                  <a16:creationId xmlns:a16="http://schemas.microsoft.com/office/drawing/2014/main" id="{BDF11B13-06E4-4FF7-ADD4-48BDCE348832}"/>
+                </a:ext>
+              </a:extLst>
+            </p:cNvPr>
+            <p:cNvPicPr>
+              <a:picLocks noChangeAspect="1"/>
+            </p:cNvPicPr>
+            <p:nvPr/>
+          </p:nvPicPr>
+          <p:blipFill>
+            <a:blip r:embed="rId2"/>
+            <a:stretch>
+              <a:fillRect/>
+            </a:stretch>
+          </p:blipFill>
+          <p:spPr>
+            <a:xfrm>
+              <a:off x="7107118" y="1639353"/>
+              <a:ext cx="367640" cy="367640"/>
+            </a:xfrm>
+            <a:prstGeom prst="ellipse">
+              <a:avLst/>
+            </a:prstGeom>
+            <a:ln w="25400">
+              <a:solidFill>
+                <a:srgbClr val="C00000"/>
+              </a:solidFill>
+            </a:ln>
+          </p:spPr>
+        </p:pic>
+        <p:sp>
+          <p:nvSpPr>
+            <p:cNvPr id="87" name="TextBox 86">
+              <a:extLst>
+                <a:ext uri="{FF2B5EF4-FFF2-40B4-BE49-F238E27FC236}">
+                  <a16:creationId xmlns:a16="http://schemas.microsoft.com/office/drawing/2014/main" id="{D9A3286D-6DD1-4575-A965-70F7EC1A6167}"/>
+                </a:ext>
+              </a:extLst>
+            </p:cNvPr>
+            <p:cNvSpPr txBox="1"/>
+            <p:nvPr/>
+          </p:nvSpPr>
+          <p:spPr>
+            <a:xfrm>
+              <a:off x="6563464" y="1499260"/>
+              <a:ext cx="548548" cy="584775"/>
+            </a:xfrm>
+            <a:prstGeom prst="rect">
+              <a:avLst/>
+            </a:prstGeom>
+            <a:noFill/>
+          </p:spPr>
+          <p:txBody>
+            <a:bodyPr wrap="none" rtlCol="0">
+              <a:spAutoFit/>
+            </a:bodyPr>
+            <a:lstStyle/>
+            <a:p>
+              <a:r>
+                <a:rPr lang="nl-NL" sz="3200" dirty="0">
+                  <a:solidFill>
+                    <a:srgbClr val="C00000"/>
+                  </a:solidFill>
+                  <a:latin typeface="Cooper Black" panose="0208090404030B020404" pitchFamily="18" charset="0"/>
+                </a:rPr>
+                <a:t>-4</a:t>
+              </a:r>
+              <a:endParaRPr lang="en-US" sz="3200" dirty="0">
+                <a:solidFill>
+                  <a:srgbClr val="C00000"/>
+                </a:solidFill>
+                <a:latin typeface="Cooper Black" panose="0208090404030B020404" pitchFamily="18" charset="0"/>
+              </a:endParaRPr>
+            </a:p>
+          </p:txBody>
+        </p:sp>
+      </p:grpSp>
+      <p:sp>
+        <p:nvSpPr>
+          <p:cNvPr id="90" name="TextBox 89">
+            <a:extLst>
+              <a:ext uri="{FF2B5EF4-FFF2-40B4-BE49-F238E27FC236}">
+                <a16:creationId xmlns:a16="http://schemas.microsoft.com/office/drawing/2014/main" id="{6577BD40-1E38-4637-A4C3-5B84299BF757}"/>
+              </a:ext>
+            </a:extLst>
+          </p:cNvPr>
+          <p:cNvSpPr txBox="1"/>
+          <p:nvPr/>
+        </p:nvSpPr>
+        <p:spPr>
+          <a:xfrm rot="577995">
+            <a:off x="6225907" y="5381776"/>
+            <a:ext cx="832279" cy="461665"/>
+          </a:xfrm>
+          <a:prstGeom prst="rect">
+            <a:avLst/>
+          </a:prstGeom>
+          <a:noFill/>
+        </p:spPr>
+        <p:txBody>
+          <a:bodyPr wrap="none" rtlCol="0">
+            <a:spAutoFit/>
+          </a:bodyPr>
+          <a:lstStyle/>
+          <a:p>
+            <a:r>
+              <a:rPr lang="nl-NL" sz="2400" dirty="0">
+                <a:latin typeface="Cooper Black" panose="0208090404030B020404" pitchFamily="18" charset="0"/>
+              </a:rPr>
+              <a:t>4...6</a:t>
+            </a:r>
+            <a:endParaRPr lang="en-US" sz="2400" dirty="0">
+              <a:latin typeface="Cooper Black" panose="0208090404030B020404" pitchFamily="18" charset="0"/>
+            </a:endParaRPr>
+          </a:p>
+        </p:txBody>
+      </p:sp>
+      <p:sp>
+        <p:nvSpPr>
+          <p:cNvPr id="91" name="TextBox 90">
+            <a:extLst>
+              <a:ext uri="{FF2B5EF4-FFF2-40B4-BE49-F238E27FC236}">
+                <a16:creationId xmlns:a16="http://schemas.microsoft.com/office/drawing/2014/main" id="{5AA88E66-8E2A-41C4-9B8B-18FEE2D4390E}"/>
+              </a:ext>
+            </a:extLst>
+          </p:cNvPr>
+          <p:cNvSpPr txBox="1"/>
+          <p:nvPr/>
+        </p:nvSpPr>
+        <p:spPr>
+          <a:xfrm rot="19420482">
+            <a:off x="3616476" y="5773787"/>
+            <a:ext cx="829138" cy="461665"/>
+          </a:xfrm>
+          <a:prstGeom prst="rect">
+            <a:avLst/>
+          </a:prstGeom>
+          <a:noFill/>
+        </p:spPr>
+        <p:txBody>
+          <a:bodyPr wrap="none" rtlCol="0">
+            <a:spAutoFit/>
+          </a:bodyPr>
+          <a:lstStyle/>
+          <a:p>
+            <a:r>
+              <a:rPr lang="nl-NL" sz="2400" dirty="0">
+                <a:latin typeface="Cooper Black" panose="0208090404030B020404" pitchFamily="18" charset="0"/>
+              </a:rPr>
+              <a:t>1...3</a:t>
+            </a:r>
+            <a:endParaRPr lang="en-US" sz="2400" dirty="0">
+              <a:latin typeface="Cooper Black" panose="0208090404030B020404" pitchFamily="18" charset="0"/>
+            </a:endParaRPr>
+          </a:p>
+        </p:txBody>
+      </p:sp>
     </p:spTree>
     <p:extLst>
       <p:ext uri="{BB962C8B-B14F-4D97-AF65-F5344CB8AC3E}">

--- a/food_and_gold.pptx
+++ b/food_and_gold.pptx
@@ -3250,50 +3250,6 @@
           </a:fontRef>
         </p:style>
       </p:cxnSp>
-      <p:cxnSp>
-        <p:nvCxnSpPr>
-          <p:cNvPr id="68" name="Straight Connector 67">
-            <a:extLst>
-              <a:ext uri="{FF2B5EF4-FFF2-40B4-BE49-F238E27FC236}">
-                <a16:creationId xmlns:a16="http://schemas.microsoft.com/office/drawing/2014/main" id="{682D8120-600F-41B7-B992-E411B32A444A}"/>
-              </a:ext>
-            </a:extLst>
-          </p:cNvPr>
-          <p:cNvCxnSpPr>
-            <a:cxnSpLocks/>
-            <a:stCxn id="66" idx="3"/>
-          </p:cNvCxnSpPr>
-          <p:nvPr/>
-        </p:nvCxnSpPr>
-        <p:spPr>
-          <a:xfrm flipH="1" flipV="1">
-            <a:off x="1130694" y="4702982"/>
-            <a:ext cx="1738514" cy="919510"/>
-          </a:xfrm>
-          <a:prstGeom prst="line">
-            <a:avLst/>
-          </a:prstGeom>
-          <a:ln w="63500">
-            <a:solidFill>
-              <a:schemeClr val="tx1"/>
-            </a:solidFill>
-          </a:ln>
-        </p:spPr>
-        <p:style>
-          <a:lnRef idx="1">
-            <a:schemeClr val="accent1"/>
-          </a:lnRef>
-          <a:fillRef idx="0">
-            <a:schemeClr val="accent1"/>
-          </a:fillRef>
-          <a:effectRef idx="0">
-            <a:schemeClr val="accent1"/>
-          </a:effectRef>
-          <a:fontRef idx="minor">
-            <a:schemeClr val="tx1"/>
-          </a:fontRef>
-        </p:style>
-      </p:cxnSp>
       <p:pic>
         <p:nvPicPr>
           <p:cNvPr id="58" name="Picture 2" descr="Обои трава, лето, равнина, долина, простор, небо на рабочий стол 75882"/>
@@ -3390,307 +3346,9 @@
           </a:extLst>
         </p:spPr>
       </p:pic>
-      <p:cxnSp>
-        <p:nvCxnSpPr>
-          <p:cNvPr id="55" name="Straight Connector 54">
-            <a:extLst>
-              <a:ext uri="{FF2B5EF4-FFF2-40B4-BE49-F238E27FC236}">
-                <a16:creationId xmlns:a16="http://schemas.microsoft.com/office/drawing/2014/main" id="{974BB0DF-34C3-45E4-AC7F-EC2C340A3C42}"/>
-              </a:ext>
-            </a:extLst>
-          </p:cNvPr>
-          <p:cNvCxnSpPr>
-            <a:cxnSpLocks/>
-          </p:cNvCxnSpPr>
-          <p:nvPr/>
-        </p:nvCxnSpPr>
-        <p:spPr>
-          <a:xfrm flipH="1">
-            <a:off x="1280916" y="3224202"/>
-            <a:ext cx="716025" cy="1342927"/>
-          </a:xfrm>
-          <a:prstGeom prst="line">
-            <a:avLst/>
-          </a:prstGeom>
-          <a:ln w="63500">
-            <a:solidFill>
-              <a:schemeClr val="tx1"/>
-            </a:solidFill>
-          </a:ln>
-        </p:spPr>
-        <p:style>
-          <a:lnRef idx="1">
-            <a:schemeClr val="accent1"/>
-          </a:lnRef>
-          <a:fillRef idx="0">
-            <a:schemeClr val="accent1"/>
-          </a:fillRef>
-          <a:effectRef idx="0">
-            <a:schemeClr val="accent1"/>
-          </a:effectRef>
-          <a:fontRef idx="minor">
-            <a:schemeClr val="tx1"/>
-          </a:fontRef>
-        </p:style>
-      </p:cxnSp>
-      <p:cxnSp>
-        <p:nvCxnSpPr>
-          <p:cNvPr id="106" name="Straight Connector 105"/>
-          <p:cNvCxnSpPr>
-            <a:stCxn id="95" idx="3"/>
-            <a:endCxn id="99" idx="2"/>
-          </p:cNvCxnSpPr>
-          <p:nvPr/>
-        </p:nvCxnSpPr>
-        <p:spPr>
-          <a:xfrm flipH="1" flipV="1">
-            <a:off x="2006918" y="3080141"/>
-            <a:ext cx="1346427" cy="760373"/>
-          </a:xfrm>
-          <a:prstGeom prst="line">
-            <a:avLst/>
-          </a:prstGeom>
-          <a:ln w="63500">
-            <a:solidFill>
-              <a:schemeClr val="tx1"/>
-            </a:solidFill>
-          </a:ln>
-        </p:spPr>
-        <p:style>
-          <a:lnRef idx="1">
-            <a:schemeClr val="accent1"/>
-          </a:lnRef>
-          <a:fillRef idx="0">
-            <a:schemeClr val="accent1"/>
-          </a:fillRef>
-          <a:effectRef idx="0">
-            <a:schemeClr val="accent1"/>
-          </a:effectRef>
-          <a:fontRef idx="minor">
-            <a:schemeClr val="tx1"/>
-          </a:fontRef>
-        </p:style>
-      </p:cxnSp>
-      <p:cxnSp>
-        <p:nvCxnSpPr>
-          <p:cNvPr id="22" name="Straight Connector 21"/>
-          <p:cNvCxnSpPr>
-            <a:stCxn id="94" idx="2"/>
-          </p:cNvCxnSpPr>
-          <p:nvPr/>
-        </p:nvCxnSpPr>
-        <p:spPr>
-          <a:xfrm flipV="1">
-            <a:off x="3280286" y="2666251"/>
-            <a:ext cx="1219754" cy="1182097"/>
-          </a:xfrm>
-          <a:prstGeom prst="line">
-            <a:avLst/>
-          </a:prstGeom>
-          <a:ln w="63500">
-            <a:solidFill>
-              <a:schemeClr val="tx1"/>
-            </a:solidFill>
-          </a:ln>
-        </p:spPr>
-        <p:style>
-          <a:lnRef idx="1">
-            <a:schemeClr val="accent1"/>
-          </a:lnRef>
-          <a:fillRef idx="0">
-            <a:schemeClr val="accent1"/>
-          </a:fillRef>
-          <a:effectRef idx="0">
-            <a:schemeClr val="accent1"/>
-          </a:effectRef>
-          <a:fontRef idx="minor">
-            <a:schemeClr val="tx1"/>
-          </a:fontRef>
-        </p:style>
-      </p:cxnSp>
-      <p:cxnSp>
-        <p:nvCxnSpPr>
-          <p:cNvPr id="17" name="Straight Connector 16"/>
-          <p:cNvCxnSpPr/>
-          <p:nvPr/>
-        </p:nvCxnSpPr>
-        <p:spPr>
-          <a:xfrm>
-            <a:off x="4643360" y="2683793"/>
-            <a:ext cx="1429987" cy="487174"/>
-          </a:xfrm>
-          <a:prstGeom prst="line">
-            <a:avLst/>
-          </a:prstGeom>
-          <a:ln w="63500">
-            <a:solidFill>
-              <a:schemeClr val="tx1"/>
-            </a:solidFill>
-          </a:ln>
-        </p:spPr>
-        <p:style>
-          <a:lnRef idx="1">
-            <a:schemeClr val="accent1"/>
-          </a:lnRef>
-          <a:fillRef idx="0">
-            <a:schemeClr val="accent1"/>
-          </a:fillRef>
-          <a:effectRef idx="0">
-            <a:schemeClr val="accent1"/>
-          </a:effectRef>
-          <a:fontRef idx="minor">
-            <a:schemeClr val="tx1"/>
-          </a:fontRef>
-        </p:style>
-      </p:cxnSp>
-      <p:cxnSp>
-        <p:nvCxnSpPr>
-          <p:cNvPr id="75" name="Straight Connector 74"/>
-          <p:cNvCxnSpPr/>
-          <p:nvPr/>
-        </p:nvCxnSpPr>
-        <p:spPr>
-          <a:xfrm flipV="1">
-            <a:off x="6193029" y="1482887"/>
-            <a:ext cx="695111" cy="1556727"/>
-          </a:xfrm>
-          <a:prstGeom prst="line">
-            <a:avLst/>
-          </a:prstGeom>
-          <a:ln w="63500">
-            <a:solidFill>
-              <a:schemeClr val="tx1"/>
-            </a:solidFill>
-          </a:ln>
-        </p:spPr>
-        <p:style>
-          <a:lnRef idx="1">
-            <a:schemeClr val="accent1"/>
-          </a:lnRef>
-          <a:fillRef idx="0">
-            <a:schemeClr val="accent1"/>
-          </a:fillRef>
-          <a:effectRef idx="0">
-            <a:schemeClr val="accent1"/>
-          </a:effectRef>
-          <a:fontRef idx="minor">
-            <a:schemeClr val="tx1"/>
-          </a:fontRef>
-        </p:style>
-      </p:cxnSp>
-      <p:cxnSp>
-        <p:nvCxnSpPr>
-          <p:cNvPr id="72" name="Straight Connector 71"/>
-          <p:cNvCxnSpPr>
-            <a:endCxn id="87" idx="3"/>
-          </p:cNvCxnSpPr>
-          <p:nvPr/>
-        </p:nvCxnSpPr>
-        <p:spPr>
-          <a:xfrm flipV="1">
-            <a:off x="6945914" y="702649"/>
-            <a:ext cx="2348573" cy="722013"/>
-          </a:xfrm>
-          <a:prstGeom prst="line">
-            <a:avLst/>
-          </a:prstGeom>
-          <a:ln w="63500">
-            <a:solidFill>
-              <a:schemeClr val="tx1"/>
-            </a:solidFill>
-          </a:ln>
-        </p:spPr>
-        <p:style>
-          <a:lnRef idx="1">
-            <a:schemeClr val="accent1"/>
-          </a:lnRef>
-          <a:fillRef idx="0">
-            <a:schemeClr val="accent1"/>
-          </a:fillRef>
-          <a:effectRef idx="0">
-            <a:schemeClr val="accent1"/>
-          </a:effectRef>
-          <a:fontRef idx="minor">
-            <a:schemeClr val="tx1"/>
-          </a:fontRef>
-        </p:style>
-      </p:cxnSp>
-      <p:cxnSp>
-        <p:nvCxnSpPr>
-          <p:cNvPr id="24" name="Straight Connector 23"/>
-          <p:cNvCxnSpPr>
-            <a:stCxn id="81" idx="3"/>
-            <a:endCxn id="77" idx="3"/>
-          </p:cNvCxnSpPr>
-          <p:nvPr/>
-        </p:nvCxnSpPr>
-        <p:spPr>
-          <a:xfrm flipH="1">
-            <a:off x="3611328" y="678618"/>
-            <a:ext cx="1437260" cy="214342"/>
-          </a:xfrm>
-          <a:prstGeom prst="line">
-            <a:avLst/>
-          </a:prstGeom>
-          <a:ln w="63500">
-            <a:solidFill>
-              <a:schemeClr val="tx1"/>
-            </a:solidFill>
-          </a:ln>
-        </p:spPr>
-        <p:style>
-          <a:lnRef idx="1">
-            <a:schemeClr val="accent1"/>
-          </a:lnRef>
-          <a:fillRef idx="0">
-            <a:schemeClr val="accent1"/>
-          </a:fillRef>
-          <a:effectRef idx="0">
-            <a:schemeClr val="accent1"/>
-          </a:effectRef>
-          <a:fontRef idx="minor">
-            <a:schemeClr val="tx1"/>
-          </a:fontRef>
-        </p:style>
-      </p:cxnSp>
-      <p:cxnSp>
-        <p:nvCxnSpPr>
-          <p:cNvPr id="29" name="Straight Connector 28"/>
-          <p:cNvCxnSpPr/>
-          <p:nvPr/>
-        </p:nvCxnSpPr>
-        <p:spPr>
-          <a:xfrm>
-            <a:off x="4967637" y="585994"/>
-            <a:ext cx="1615712" cy="650773"/>
-          </a:xfrm>
-          <a:prstGeom prst="line">
-            <a:avLst/>
-          </a:prstGeom>
-          <a:ln w="63500">
-            <a:solidFill>
-              <a:schemeClr val="tx1"/>
-            </a:solidFill>
-          </a:ln>
-        </p:spPr>
-        <p:style>
-          <a:lnRef idx="1">
-            <a:schemeClr val="accent1"/>
-          </a:lnRef>
-          <a:fillRef idx="0">
-            <a:schemeClr val="accent1"/>
-          </a:fillRef>
-          <a:effectRef idx="0">
-            <a:schemeClr val="accent1"/>
-          </a:effectRef>
-          <a:fontRef idx="minor">
-            <a:schemeClr val="tx1"/>
-          </a:fontRef>
-        </p:style>
-      </p:cxnSp>
       <p:pic>
         <p:nvPicPr>
-          <p:cNvPr id="1026" name="Picture 2" descr="Free Swamp icon | Swamp icons PNG, ICO or ICNS"/>
+          <p:cNvPr id="1028" name="Picture 4" descr="TIKI CAMP (Langeland, Denemarken) - foto's, reviews en prijsvergelijking -  Tripadvisor"/>
           <p:cNvPicPr>
             <a:picLocks noChangeAspect="1" noChangeArrowheads="1"/>
           </p:cNvPicPr>
@@ -3711,59 +3369,6 @@
         </p:blipFill>
         <p:spPr bwMode="auto">
           <a:xfrm>
-            <a:off x="6304524" y="597538"/>
-            <a:ext cx="1450637" cy="1409744"/>
-          </a:xfrm>
-          <a:prstGeom prst="ellipse">
-            <a:avLst/>
-          </a:prstGeom>
-          <a:noFill/>
-          <a:ln w="63500">
-            <a:solidFill>
-              <a:srgbClr val="C00000"/>
-            </a:solidFill>
-          </a:ln>
-          <a:scene3d>
-            <a:camera prst="orthographicFront"/>
-            <a:lightRig rig="threePt" dir="t"/>
-          </a:scene3d>
-          <a:sp3d>
-            <a:bevelT prst="angle"/>
-          </a:sp3d>
-          <a:extLst>
-            <a:ext uri="{909E8E84-426E-40DD-AFC4-6F175D3DCCD1}">
-              <a14:hiddenFill xmlns:a14="http://schemas.microsoft.com/office/drawing/2010/main">
-                <a:solidFill>
-                  <a:srgbClr val="FFFFFF"/>
-                </a:solidFill>
-              </a14:hiddenFill>
-            </a:ext>
-          </a:extLst>
-        </p:spPr>
-      </p:pic>
-      <p:pic>
-        <p:nvPicPr>
-          <p:cNvPr id="1028" name="Picture 4" descr="TIKI CAMP (Langeland, Denemarken) - foto's, reviews en prijsvergelijking -  Tripadvisor"/>
-          <p:cNvPicPr>
-            <a:picLocks noChangeAspect="1" noChangeArrowheads="1"/>
-          </p:cNvPicPr>
-          <p:nvPr/>
-        </p:nvPicPr>
-        <p:blipFill>
-          <a:blip r:embed="rId6" cstate="print">
-            <a:extLst>
-              <a:ext uri="{28A0092B-C50C-407E-A947-70E740481C1C}">
-                <a14:useLocalDpi xmlns:a14="http://schemas.microsoft.com/office/drawing/2010/main" val="0"/>
-              </a:ext>
-            </a:extLst>
-          </a:blip>
-          <a:srcRect/>
-          <a:stretch>
-            <a:fillRect/>
-          </a:stretch>
-        </p:blipFill>
-        <p:spPr bwMode="auto">
-          <a:xfrm>
             <a:off x="186863" y="207230"/>
             <a:ext cx="1435935" cy="1354302"/>
           </a:xfrm>
@@ -3778,7 +3383,13 @@
               </a:schemeClr>
             </a:solidFill>
           </a:ln>
-          <a:effectLst/>
+          <a:effectLst>
+            <a:outerShdw blurRad="63500" sx="113000" sy="113000" algn="ctr" rotWithShape="0">
+              <a:prstClr val="black">
+                <a:alpha val="40000"/>
+              </a:prstClr>
+            </a:outerShdw>
+          </a:effectLst>
           <a:scene3d>
             <a:camera prst="orthographicFront"/>
             <a:lightRig rig="threePt" dir="t"/>
@@ -3806,7 +3417,7 @@
           <p:nvPr/>
         </p:nvPicPr>
         <p:blipFill>
-          <a:blip r:embed="rId7">
+          <a:blip r:embed="rId6">
             <a:extLst>
               <a:ext uri="{28A0092B-C50C-407E-A947-70E740481C1C}">
                 <a14:useLocalDpi xmlns:a14="http://schemas.microsoft.com/office/drawing/2010/main" val="0"/>
@@ -3820,7 +3431,7 @@
         </p:blipFill>
         <p:spPr bwMode="auto">
           <a:xfrm>
-            <a:off x="3773196" y="2014206"/>
+            <a:off x="3446214" y="2309216"/>
             <a:ext cx="1391727" cy="1339174"/>
           </a:xfrm>
           <a:prstGeom prst="ellipse">
@@ -3834,6 +3445,13 @@
               </a:schemeClr>
             </a:solidFill>
           </a:ln>
+          <a:effectLst>
+            <a:outerShdw blurRad="63500" sx="115000" sy="115000" algn="ctr" rotWithShape="0">
+              <a:prstClr val="black">
+                <a:alpha val="40000"/>
+              </a:prstClr>
+            </a:outerShdw>
+          </a:effectLst>
           <a:scene3d>
             <a:camera prst="orthographicFront"/>
             <a:lightRig rig="threePt" dir="t"/>
@@ -3860,7 +3478,7 @@
         </p:nvGrpSpPr>
         <p:grpSpPr>
           <a:xfrm>
-            <a:off x="3937401" y="3313739"/>
+            <a:off x="3647926" y="3822278"/>
             <a:ext cx="1063316" cy="584775"/>
             <a:chOff x="3724047" y="3238302"/>
             <a:chExt cx="1063316" cy="584775"/>
@@ -3875,7 +3493,7 @@
             <p:nvPr/>
           </p:nvPicPr>
           <p:blipFill>
-            <a:blip r:embed="rId8"/>
+            <a:blip r:embed="rId7"/>
             <a:stretch>
               <a:fillRect/>
             </a:stretch>
@@ -3950,7 +3568,7 @@
         </p:nvGrpSpPr>
         <p:grpSpPr>
           <a:xfrm>
-            <a:off x="6571632" y="1938672"/>
+            <a:off x="7272247" y="1685485"/>
             <a:ext cx="911294" cy="584775"/>
             <a:chOff x="6563464" y="1499260"/>
             <a:chExt cx="911294" cy="584775"/>
@@ -3965,7 +3583,7 @@
             <p:nvPr/>
           </p:nvPicPr>
           <p:blipFill>
-            <a:blip r:embed="rId8"/>
+            <a:blip r:embed="rId7"/>
             <a:stretch>
               <a:fillRect/>
             </a:stretch>
@@ -4034,7 +3652,7 @@
         </p:nvGrpSpPr>
         <p:grpSpPr>
           <a:xfrm>
-            <a:off x="2134230" y="1207242"/>
+            <a:off x="2041792" y="1675003"/>
             <a:ext cx="799061" cy="768207"/>
             <a:chOff x="2134230" y="1207242"/>
             <a:chExt cx="799061" cy="768207"/>
@@ -4058,15 +3676,10 @@
               <a:schemeClr val="accent4"/>
             </a:solidFill>
             <a:ln w="25400">
-              <a:solidFill>
-                <a:schemeClr val="tx1">
-                  <a:lumMod val="65000"/>
-                  <a:lumOff val="35000"/>
-                </a:schemeClr>
-              </a:solidFill>
+              <a:noFill/>
             </a:ln>
             <a:effectLst>
-              <a:outerShdw blurRad="63500" sx="102000" sy="102000" algn="ctr" rotWithShape="0">
+              <a:outerShdw blurRad="63500" sx="115000" sy="115000" algn="ctr" rotWithShape="0">
                 <a:prstClr val="black">
                   <a:alpha val="40000"/>
                 </a:prstClr>
@@ -4112,7 +3725,7 @@
             <p:nvPr/>
           </p:nvPicPr>
           <p:blipFill>
-            <a:blip r:embed="rId8"/>
+            <a:blip r:embed="rId7"/>
             <a:stretch>
               <a:fillRect/>
             </a:stretch>
@@ -4185,7 +3798,7 @@
         </p:nvGrpSpPr>
         <p:grpSpPr>
           <a:xfrm>
-            <a:off x="321825" y="1486557"/>
+            <a:off x="253721" y="1504246"/>
             <a:ext cx="1245528" cy="584775"/>
             <a:chOff x="4389298" y="3276464"/>
             <a:chExt cx="1245528" cy="584775"/>
@@ -4200,7 +3813,7 @@
             <p:nvPr/>
           </p:nvPicPr>
           <p:blipFill>
-            <a:blip r:embed="rId8"/>
+            <a:blip r:embed="rId7"/>
             <a:stretch>
               <a:fillRect/>
             </a:stretch>
@@ -4292,7 +3905,7 @@
         </p:nvSpPr>
         <p:spPr>
           <a:xfrm rot="17689069">
-            <a:off x="5841922" y="2118168"/>
+            <a:off x="5397256" y="1813001"/>
             <a:ext cx="829138" cy="461665"/>
           </a:xfrm>
           <a:prstGeom prst="rect">
@@ -4325,8 +3938,8 @@
           <p:nvPr/>
         </p:nvSpPr>
         <p:spPr>
-          <a:xfrm rot="20695039">
-            <a:off x="7800891" y="582549"/>
+          <a:xfrm rot="20848157">
+            <a:off x="7734625" y="431297"/>
             <a:ext cx="832279" cy="461665"/>
           </a:xfrm>
           <a:prstGeom prst="rect">
@@ -4342,11 +3955,21 @@
           <a:p>
             <a:r>
               <a:rPr lang="nl-NL" sz="2400" dirty="0">
+                <a:solidFill>
+                  <a:schemeClr val="accent2">
+                    <a:lumMod val="75000"/>
+                  </a:schemeClr>
+                </a:solidFill>
                 <a:latin typeface="Cooper Black" panose="0208090404030B020404" pitchFamily="18" charset="0"/>
               </a:rPr>
               <a:t>4...6</a:t>
             </a:r>
             <a:endParaRPr lang="en-US" sz="2400" dirty="0">
+              <a:solidFill>
+                <a:schemeClr val="accent2">
+                  <a:lumMod val="75000"/>
+                </a:schemeClr>
+              </a:solidFill>
               <a:latin typeface="Cooper Black" panose="0208090404030B020404" pitchFamily="18" charset="0"/>
             </a:endParaRPr>
           </a:p>
@@ -4360,11 +3983,18 @@
         </p:nvGrpSpPr>
         <p:grpSpPr>
           <a:xfrm>
-            <a:off x="3179800" y="514883"/>
+            <a:off x="2886612" y="386230"/>
             <a:ext cx="799061" cy="768207"/>
             <a:chOff x="2134230" y="1207242"/>
             <a:chExt cx="799061" cy="768207"/>
           </a:xfrm>
+          <a:effectLst>
+            <a:outerShdw blurRad="63500" sx="102000" sy="102000" algn="ctr" rotWithShape="0">
+              <a:prstClr val="black">
+                <a:alpha val="40000"/>
+              </a:prstClr>
+            </a:outerShdw>
+          </a:effectLst>
         </p:grpSpPr>
         <p:sp>
           <p:nvSpPr>
@@ -4384,12 +4014,10 @@
               <a:schemeClr val="accent4"/>
             </a:solidFill>
             <a:ln w="25400">
-              <a:solidFill>
-                <a:schemeClr val="tx1"/>
-              </a:solidFill>
+              <a:noFill/>
             </a:ln>
             <a:effectLst>
-              <a:outerShdw blurRad="63500" sx="102000" sy="102000" algn="ctr" rotWithShape="0">
+              <a:outerShdw blurRad="63500" sx="115000" sy="115000" algn="ctr" rotWithShape="0">
                 <a:prstClr val="black">
                   <a:alpha val="40000"/>
                 </a:prstClr>
@@ -4435,7 +4063,7 @@
             <p:nvPr/>
           </p:nvPicPr>
           <p:blipFill>
-            <a:blip r:embed="rId8"/>
+            <a:blip r:embed="rId7"/>
             <a:stretch>
               <a:fillRect/>
             </a:stretch>
@@ -4508,7 +4136,7 @@
         </p:nvGrpSpPr>
         <p:grpSpPr>
           <a:xfrm>
-            <a:off x="4500040" y="256852"/>
+            <a:off x="4473361" y="232835"/>
             <a:ext cx="916081" cy="872182"/>
             <a:chOff x="4500040" y="256852"/>
             <a:chExt cx="916081" cy="872182"/>
@@ -4532,12 +4160,10 @@
               <a:schemeClr val="accent4"/>
             </a:solidFill>
             <a:ln w="25400">
-              <a:solidFill>
-                <a:schemeClr val="tx1"/>
-              </a:solidFill>
+              <a:noFill/>
             </a:ln>
             <a:effectLst>
-              <a:outerShdw blurRad="63500" sx="102000" sy="102000" algn="ctr" rotWithShape="0">
+              <a:outerShdw blurRad="63500" sx="115000" sy="115000" algn="ctr" rotWithShape="0">
                 <a:prstClr val="black">
                   <a:alpha val="40000"/>
                 </a:prstClr>
@@ -4583,7 +4209,7 @@
             <p:nvPr/>
           </p:nvPicPr>
           <p:blipFill>
-            <a:blip r:embed="rId8"/>
+            <a:blip r:embed="rId7"/>
             <a:stretch>
               <a:fillRect/>
             </a:stretch>
@@ -4644,590 +4270,6 @@
           </p:txBody>
         </p:sp>
       </p:grpSp>
-      <p:grpSp>
-        <p:nvGrpSpPr>
-          <p:cNvPr id="84" name="Group 83"/>
-          <p:cNvGrpSpPr/>
-          <p:nvPr/>
-        </p:nvGrpSpPr>
-        <p:grpSpPr>
-          <a:xfrm>
-            <a:off x="8745939" y="280883"/>
-            <a:ext cx="916081" cy="872182"/>
-            <a:chOff x="4500040" y="256852"/>
-            <a:chExt cx="916081" cy="872182"/>
-          </a:xfrm>
-        </p:grpSpPr>
-        <p:sp>
-          <p:nvSpPr>
-            <p:cNvPr id="85" name="Oval 84"/>
-            <p:cNvSpPr/>
-            <p:nvPr/>
-          </p:nvSpPr>
-          <p:spPr>
-            <a:xfrm>
-              <a:off x="4504808" y="256852"/>
-              <a:ext cx="911313" cy="872182"/>
-            </a:xfrm>
-            <a:prstGeom prst="ellipse">
-              <a:avLst/>
-            </a:prstGeom>
-            <a:solidFill>
-              <a:schemeClr val="accent4"/>
-            </a:solidFill>
-            <a:ln w="25400">
-              <a:solidFill>
-                <a:schemeClr val="tx1"/>
-              </a:solidFill>
-            </a:ln>
-            <a:effectLst>
-              <a:outerShdw blurRad="63500" sx="102000" sy="102000" algn="ctr" rotWithShape="0">
-                <a:prstClr val="black">
-                  <a:alpha val="40000"/>
-                </a:prstClr>
-              </a:outerShdw>
-            </a:effectLst>
-          </p:spPr>
-          <p:style>
-            <a:lnRef idx="2">
-              <a:schemeClr val="accent1">
-                <a:shade val="50000"/>
-              </a:schemeClr>
-            </a:lnRef>
-            <a:fillRef idx="1">
-              <a:schemeClr val="accent1"/>
-            </a:fillRef>
-            <a:effectRef idx="0">
-              <a:schemeClr val="accent1"/>
-            </a:effectRef>
-            <a:fontRef idx="minor">
-              <a:schemeClr val="lt1"/>
-            </a:fontRef>
-          </p:style>
-          <p:txBody>
-            <a:bodyPr rot="0" spcFirstLastPara="0" vertOverflow="overflow" horzOverflow="overflow" vert="horz" wrap="square" lIns="74295" tIns="37148" rIns="74295" bIns="37148" numCol="1" spcCol="0" rtlCol="0" fromWordArt="0" anchor="ctr" anchorCtr="0" forceAA="0" compatLnSpc="1">
-              <a:prstTxWarp prst="textNoShape">
-                <a:avLst/>
-              </a:prstTxWarp>
-              <a:noAutofit/>
-            </a:bodyPr>
-            <a:lstStyle/>
-            <a:p>
-              <a:pPr algn="ctr"/>
-              <a:endParaRPr lang="en-US" sz="1463"/>
-            </a:p>
-          </p:txBody>
-        </p:sp>
-        <p:pic>
-          <p:nvPicPr>
-            <p:cNvPr id="86" name="Picture 85"/>
-            <p:cNvPicPr>
-              <a:picLocks noChangeAspect="1"/>
-            </p:cNvPicPr>
-            <p:nvPr/>
-          </p:nvPicPr>
-          <p:blipFill>
-            <a:blip r:embed="rId8"/>
-            <a:stretch>
-              <a:fillRect/>
-            </a:stretch>
-          </p:blipFill>
-          <p:spPr>
-            <a:xfrm>
-              <a:off x="4947507" y="502972"/>
-              <a:ext cx="367640" cy="367640"/>
-            </a:xfrm>
-            <a:prstGeom prst="ellipse">
-              <a:avLst/>
-            </a:prstGeom>
-            <a:ln w="25400">
-              <a:solidFill>
-                <a:srgbClr val="C00000"/>
-              </a:solidFill>
-            </a:ln>
-          </p:spPr>
-        </p:pic>
-        <p:sp>
-          <p:nvSpPr>
-            <p:cNvPr id="87" name="TextBox 86"/>
-            <p:cNvSpPr txBox="1"/>
-            <p:nvPr/>
-          </p:nvSpPr>
-          <p:spPr>
-            <a:xfrm>
-              <a:off x="4500040" y="386230"/>
-              <a:ext cx="548548" cy="584775"/>
-            </a:xfrm>
-            <a:prstGeom prst="rect">
-              <a:avLst/>
-            </a:prstGeom>
-            <a:noFill/>
-          </p:spPr>
-          <p:txBody>
-            <a:bodyPr wrap="none" rtlCol="0">
-              <a:spAutoFit/>
-            </a:bodyPr>
-            <a:lstStyle/>
-            <a:p>
-              <a:r>
-                <a:rPr lang="ru-RU" sz="3200" dirty="0">
-                  <a:solidFill>
-                    <a:srgbClr val="C00000"/>
-                  </a:solidFill>
-                  <a:latin typeface="Cooper Black" panose="0208090404030B020404" pitchFamily="18" charset="0"/>
-                </a:rPr>
-                <a:t>-1</a:t>
-              </a:r>
-              <a:endParaRPr lang="en-US" sz="3200" dirty="0">
-                <a:solidFill>
-                  <a:srgbClr val="C00000"/>
-                </a:solidFill>
-                <a:latin typeface="Cooper Black" panose="0208090404030B020404" pitchFamily="18" charset="0"/>
-              </a:endParaRPr>
-            </a:p>
-          </p:txBody>
-        </p:sp>
-      </p:grpSp>
-      <p:grpSp>
-        <p:nvGrpSpPr>
-          <p:cNvPr id="88" name="Group 87"/>
-          <p:cNvGrpSpPr/>
-          <p:nvPr/>
-        </p:nvGrpSpPr>
-        <p:grpSpPr>
-          <a:xfrm>
-            <a:off x="5673238" y="2780217"/>
-            <a:ext cx="916081" cy="872182"/>
-            <a:chOff x="4500040" y="256852"/>
-            <a:chExt cx="916081" cy="872182"/>
-          </a:xfrm>
-        </p:grpSpPr>
-        <p:sp>
-          <p:nvSpPr>
-            <p:cNvPr id="89" name="Oval 88"/>
-            <p:cNvSpPr/>
-            <p:nvPr/>
-          </p:nvSpPr>
-          <p:spPr>
-            <a:xfrm>
-              <a:off x="4504808" y="256852"/>
-              <a:ext cx="911313" cy="872182"/>
-            </a:xfrm>
-            <a:prstGeom prst="ellipse">
-              <a:avLst/>
-            </a:prstGeom>
-            <a:solidFill>
-              <a:schemeClr val="accent4"/>
-            </a:solidFill>
-            <a:ln w="25400">
-              <a:solidFill>
-                <a:schemeClr val="tx1"/>
-              </a:solidFill>
-            </a:ln>
-            <a:effectLst>
-              <a:outerShdw blurRad="63500" sx="102000" sy="102000" algn="ctr" rotWithShape="0">
-                <a:prstClr val="black">
-                  <a:alpha val="40000"/>
-                </a:prstClr>
-              </a:outerShdw>
-            </a:effectLst>
-          </p:spPr>
-          <p:style>
-            <a:lnRef idx="2">
-              <a:schemeClr val="accent1">
-                <a:shade val="50000"/>
-              </a:schemeClr>
-            </a:lnRef>
-            <a:fillRef idx="1">
-              <a:schemeClr val="accent1"/>
-            </a:fillRef>
-            <a:effectRef idx="0">
-              <a:schemeClr val="accent1"/>
-            </a:effectRef>
-            <a:fontRef idx="minor">
-              <a:schemeClr val="lt1"/>
-            </a:fontRef>
-          </p:style>
-          <p:txBody>
-            <a:bodyPr rot="0" spcFirstLastPara="0" vertOverflow="overflow" horzOverflow="overflow" vert="horz" wrap="square" lIns="74295" tIns="37148" rIns="74295" bIns="37148" numCol="1" spcCol="0" rtlCol="0" fromWordArt="0" anchor="ctr" anchorCtr="0" forceAA="0" compatLnSpc="1">
-              <a:prstTxWarp prst="textNoShape">
-                <a:avLst/>
-              </a:prstTxWarp>
-              <a:noAutofit/>
-            </a:bodyPr>
-            <a:lstStyle/>
-            <a:p>
-              <a:pPr algn="ctr"/>
-              <a:endParaRPr lang="en-US" sz="1463"/>
-            </a:p>
-          </p:txBody>
-        </p:sp>
-        <p:pic>
-          <p:nvPicPr>
-            <p:cNvPr id="90" name="Picture 89"/>
-            <p:cNvPicPr>
-              <a:picLocks noChangeAspect="1"/>
-            </p:cNvPicPr>
-            <p:nvPr/>
-          </p:nvPicPr>
-          <p:blipFill>
-            <a:blip r:embed="rId8"/>
-            <a:stretch>
-              <a:fillRect/>
-            </a:stretch>
-          </p:blipFill>
-          <p:spPr>
-            <a:xfrm>
-              <a:off x="4947507" y="502972"/>
-              <a:ext cx="367640" cy="367640"/>
-            </a:xfrm>
-            <a:prstGeom prst="ellipse">
-              <a:avLst/>
-            </a:prstGeom>
-            <a:ln w="25400">
-              <a:solidFill>
-                <a:srgbClr val="C00000"/>
-              </a:solidFill>
-            </a:ln>
-          </p:spPr>
-        </p:pic>
-        <p:sp>
-          <p:nvSpPr>
-            <p:cNvPr id="91" name="TextBox 90"/>
-            <p:cNvSpPr txBox="1"/>
-            <p:nvPr/>
-          </p:nvSpPr>
-          <p:spPr>
-            <a:xfrm>
-              <a:off x="4500040" y="386230"/>
-              <a:ext cx="548548" cy="584775"/>
-            </a:xfrm>
-            <a:prstGeom prst="rect">
-              <a:avLst/>
-            </a:prstGeom>
-            <a:noFill/>
-          </p:spPr>
-          <p:txBody>
-            <a:bodyPr wrap="none" rtlCol="0">
-              <a:spAutoFit/>
-            </a:bodyPr>
-            <a:lstStyle/>
-            <a:p>
-              <a:r>
-                <a:rPr lang="ru-RU" sz="3200" dirty="0">
-                  <a:solidFill>
-                    <a:srgbClr val="C00000"/>
-                  </a:solidFill>
-                  <a:latin typeface="Cooper Black" panose="0208090404030B020404" pitchFamily="18" charset="0"/>
-                </a:rPr>
-                <a:t>-1</a:t>
-              </a:r>
-              <a:endParaRPr lang="en-US" sz="3200" dirty="0">
-                <a:solidFill>
-                  <a:srgbClr val="C00000"/>
-                </a:solidFill>
-                <a:latin typeface="Cooper Black" panose="0208090404030B020404" pitchFamily="18" charset="0"/>
-              </a:endParaRPr>
-            </a:p>
-          </p:txBody>
-        </p:sp>
-      </p:grpSp>
-      <p:grpSp>
-        <p:nvGrpSpPr>
-          <p:cNvPr id="92" name="Group 91"/>
-          <p:cNvGrpSpPr/>
-          <p:nvPr/>
-        </p:nvGrpSpPr>
-        <p:grpSpPr>
-          <a:xfrm>
-            <a:off x="2921817" y="3462437"/>
-            <a:ext cx="799061" cy="768207"/>
-            <a:chOff x="2134230" y="1207242"/>
-            <a:chExt cx="799061" cy="768207"/>
-          </a:xfrm>
-        </p:grpSpPr>
-        <p:sp>
-          <p:nvSpPr>
-            <p:cNvPr id="93" name="Oval 92"/>
-            <p:cNvSpPr/>
-            <p:nvPr/>
-          </p:nvSpPr>
-          <p:spPr>
-            <a:xfrm>
-              <a:off x="2150838" y="1207242"/>
-              <a:ext cx="782453" cy="768207"/>
-            </a:xfrm>
-            <a:prstGeom prst="ellipse">
-              <a:avLst/>
-            </a:prstGeom>
-            <a:solidFill>
-              <a:schemeClr val="accent4"/>
-            </a:solidFill>
-            <a:ln w="25400">
-              <a:solidFill>
-                <a:schemeClr val="tx1"/>
-              </a:solidFill>
-            </a:ln>
-            <a:effectLst>
-              <a:outerShdw blurRad="63500" sx="102000" sy="102000" algn="ctr" rotWithShape="0">
-                <a:prstClr val="black">
-                  <a:alpha val="40000"/>
-                </a:prstClr>
-              </a:outerShdw>
-            </a:effectLst>
-          </p:spPr>
-          <p:style>
-            <a:lnRef idx="2">
-              <a:schemeClr val="accent1">
-                <a:shade val="50000"/>
-              </a:schemeClr>
-            </a:lnRef>
-            <a:fillRef idx="1">
-              <a:schemeClr val="accent1"/>
-            </a:fillRef>
-            <a:effectRef idx="0">
-              <a:schemeClr val="accent1"/>
-            </a:effectRef>
-            <a:fontRef idx="minor">
-              <a:schemeClr val="lt1"/>
-            </a:fontRef>
-          </p:style>
-          <p:txBody>
-            <a:bodyPr rot="0" spcFirstLastPara="0" vertOverflow="overflow" horzOverflow="overflow" vert="horz" wrap="square" lIns="74295" tIns="37148" rIns="74295" bIns="37148" numCol="1" spcCol="0" rtlCol="0" fromWordArt="0" anchor="ctr" anchorCtr="0" forceAA="0" compatLnSpc="1">
-              <a:prstTxWarp prst="textNoShape">
-                <a:avLst/>
-              </a:prstTxWarp>
-              <a:noAutofit/>
-            </a:bodyPr>
-            <a:lstStyle/>
-            <a:p>
-              <a:pPr algn="ctr"/>
-              <a:endParaRPr lang="en-US" sz="1463"/>
-            </a:p>
-          </p:txBody>
-        </p:sp>
-        <p:pic>
-          <p:nvPicPr>
-            <p:cNvPr id="94" name="Picture 93"/>
-            <p:cNvPicPr>
-              <a:picLocks noChangeAspect="1"/>
-            </p:cNvPicPr>
-            <p:nvPr/>
-          </p:nvPicPr>
-          <p:blipFill>
-            <a:blip r:embed="rId8"/>
-            <a:stretch>
-              <a:fillRect/>
-            </a:stretch>
-          </p:blipFill>
-          <p:spPr>
-            <a:xfrm>
-              <a:off x="2492699" y="1409333"/>
-              <a:ext cx="367640" cy="367640"/>
-            </a:xfrm>
-            <a:prstGeom prst="ellipse">
-              <a:avLst/>
-            </a:prstGeom>
-            <a:ln w="25400">
-              <a:solidFill>
-                <a:schemeClr val="accent2"/>
-              </a:solidFill>
-            </a:ln>
-          </p:spPr>
-        </p:pic>
-        <p:sp>
-          <p:nvSpPr>
-            <p:cNvPr id="95" name="TextBox 94"/>
-            <p:cNvSpPr txBox="1"/>
-            <p:nvPr/>
-          </p:nvSpPr>
-          <p:spPr>
-            <a:xfrm>
-              <a:off x="2134230" y="1292931"/>
-              <a:ext cx="431528" cy="584775"/>
-            </a:xfrm>
-            <a:prstGeom prst="rect">
-              <a:avLst/>
-            </a:prstGeom>
-            <a:noFill/>
-          </p:spPr>
-          <p:txBody>
-            <a:bodyPr wrap="none" rtlCol="0">
-              <a:spAutoFit/>
-            </a:bodyPr>
-            <a:lstStyle/>
-            <a:p>
-              <a:r>
-                <a:rPr lang="nl-NL" sz="3200" dirty="0">
-                  <a:solidFill>
-                    <a:schemeClr val="accent2">
-                      <a:lumMod val="75000"/>
-                    </a:schemeClr>
-                  </a:solidFill>
-                  <a:latin typeface="Cooper Black" panose="0208090404030B020404" pitchFamily="18" charset="0"/>
-                </a:rPr>
-                <a:t>0</a:t>
-              </a:r>
-              <a:endParaRPr lang="en-US" sz="3200" dirty="0">
-                <a:solidFill>
-                  <a:schemeClr val="accent2">
-                    <a:lumMod val="75000"/>
-                  </a:schemeClr>
-                </a:solidFill>
-                <a:latin typeface="Cooper Black" panose="0208090404030B020404" pitchFamily="18" charset="0"/>
-              </a:endParaRPr>
-            </a:p>
-          </p:txBody>
-        </p:sp>
-      </p:grpSp>
-      <p:grpSp>
-        <p:nvGrpSpPr>
-          <p:cNvPr id="97" name="Group 96"/>
-          <p:cNvGrpSpPr/>
-          <p:nvPr/>
-        </p:nvGrpSpPr>
-        <p:grpSpPr>
-          <a:xfrm>
-            <a:off x="1648449" y="2694230"/>
-            <a:ext cx="799061" cy="768207"/>
-            <a:chOff x="2134230" y="1207242"/>
-            <a:chExt cx="799061" cy="768207"/>
-          </a:xfrm>
-        </p:grpSpPr>
-        <p:sp>
-          <p:nvSpPr>
-            <p:cNvPr id="98" name="Oval 97"/>
-            <p:cNvSpPr/>
-            <p:nvPr/>
-          </p:nvSpPr>
-          <p:spPr>
-            <a:xfrm>
-              <a:off x="2150838" y="1207242"/>
-              <a:ext cx="782453" cy="768207"/>
-            </a:xfrm>
-            <a:prstGeom prst="ellipse">
-              <a:avLst/>
-            </a:prstGeom>
-            <a:solidFill>
-              <a:schemeClr val="accent4"/>
-            </a:solidFill>
-            <a:ln w="25400">
-              <a:solidFill>
-                <a:schemeClr val="tx1"/>
-              </a:solidFill>
-            </a:ln>
-            <a:effectLst>
-              <a:outerShdw blurRad="63500" sx="102000" sy="102000" algn="ctr" rotWithShape="0">
-                <a:prstClr val="black">
-                  <a:alpha val="40000"/>
-                </a:prstClr>
-              </a:outerShdw>
-            </a:effectLst>
-          </p:spPr>
-          <p:style>
-            <a:lnRef idx="2">
-              <a:schemeClr val="accent1">
-                <a:shade val="50000"/>
-              </a:schemeClr>
-            </a:lnRef>
-            <a:fillRef idx="1">
-              <a:schemeClr val="accent1"/>
-            </a:fillRef>
-            <a:effectRef idx="0">
-              <a:schemeClr val="accent1"/>
-            </a:effectRef>
-            <a:fontRef idx="minor">
-              <a:schemeClr val="lt1"/>
-            </a:fontRef>
-          </p:style>
-          <p:txBody>
-            <a:bodyPr rot="0" spcFirstLastPara="0" vertOverflow="overflow" horzOverflow="overflow" vert="horz" wrap="square" lIns="74295" tIns="37148" rIns="74295" bIns="37148" numCol="1" spcCol="0" rtlCol="0" fromWordArt="0" anchor="ctr" anchorCtr="0" forceAA="0" compatLnSpc="1">
-              <a:prstTxWarp prst="textNoShape">
-                <a:avLst/>
-              </a:prstTxWarp>
-              <a:noAutofit/>
-            </a:bodyPr>
-            <a:lstStyle/>
-            <a:p>
-              <a:pPr algn="ctr"/>
-              <a:endParaRPr lang="en-US" sz="1463"/>
-            </a:p>
-          </p:txBody>
-        </p:sp>
-        <p:pic>
-          <p:nvPicPr>
-            <p:cNvPr id="99" name="Picture 98"/>
-            <p:cNvPicPr>
-              <a:picLocks noChangeAspect="1"/>
-            </p:cNvPicPr>
-            <p:nvPr/>
-          </p:nvPicPr>
-          <p:blipFill>
-            <a:blip r:embed="rId8"/>
-            <a:stretch>
-              <a:fillRect/>
-            </a:stretch>
-          </p:blipFill>
-          <p:spPr>
-            <a:xfrm>
-              <a:off x="2492699" y="1409333"/>
-              <a:ext cx="367640" cy="367640"/>
-            </a:xfrm>
-            <a:prstGeom prst="ellipse">
-              <a:avLst/>
-            </a:prstGeom>
-            <a:ln w="25400">
-              <a:solidFill>
-                <a:schemeClr val="accent2"/>
-              </a:solidFill>
-            </a:ln>
-          </p:spPr>
-        </p:pic>
-        <p:sp>
-          <p:nvSpPr>
-            <p:cNvPr id="100" name="TextBox 99"/>
-            <p:cNvSpPr txBox="1"/>
-            <p:nvPr/>
-          </p:nvSpPr>
-          <p:spPr>
-            <a:xfrm>
-              <a:off x="2134230" y="1292931"/>
-              <a:ext cx="431528" cy="584775"/>
-            </a:xfrm>
-            <a:prstGeom prst="rect">
-              <a:avLst/>
-            </a:prstGeom>
-            <a:noFill/>
-          </p:spPr>
-          <p:txBody>
-            <a:bodyPr wrap="none" rtlCol="0">
-              <a:spAutoFit/>
-            </a:bodyPr>
-            <a:lstStyle/>
-            <a:p>
-              <a:r>
-                <a:rPr lang="nl-NL" sz="3200" dirty="0">
-                  <a:solidFill>
-                    <a:schemeClr val="accent2">
-                      <a:lumMod val="75000"/>
-                    </a:schemeClr>
-                  </a:solidFill>
-                  <a:latin typeface="Cooper Black" panose="0208090404030B020404" pitchFamily="18" charset="0"/>
-                </a:rPr>
-                <a:t>0</a:t>
-              </a:r>
-              <a:endParaRPr lang="en-US" sz="3200" dirty="0">
-                <a:solidFill>
-                  <a:schemeClr val="accent2">
-                    <a:lumMod val="75000"/>
-                  </a:schemeClr>
-                </a:solidFill>
-                <a:latin typeface="Cooper Black" panose="0208090404030B020404" pitchFamily="18" charset="0"/>
-              </a:endParaRPr>
-            </a:p>
-          </p:txBody>
-        </p:sp>
-      </p:grpSp>
       <p:pic>
         <p:nvPicPr>
           <p:cNvPr id="2" name="Picture 2" descr="Must explore markets in Old Delhi for ardent shoppers | Times of India  Travel">
@@ -5243,7 +4285,7 @@
           <p:nvPr/>
         </p:nvPicPr>
         <p:blipFill>
-          <a:blip r:embed="rId9" cstate="print">
+          <a:blip r:embed="rId8" cstate="print">
             <a:extLst>
               <a:ext uri="{28A0092B-C50C-407E-A947-70E740481C1C}">
                 <a14:useLocalDpi xmlns:a14="http://schemas.microsoft.com/office/drawing/2010/main" val="0"/>
@@ -5257,7 +4299,7 @@
         </p:blipFill>
         <p:spPr bwMode="auto">
           <a:xfrm>
-            <a:off x="545864" y="3898514"/>
+            <a:off x="411366" y="4027389"/>
             <a:ext cx="1578433" cy="1511684"/>
           </a:xfrm>
           <a:prstGeom prst="ellipse">
@@ -5269,6 +4311,13 @@
               <a:schemeClr val="accent5"/>
             </a:solidFill>
           </a:ln>
+          <a:effectLst>
+            <a:outerShdw blurRad="63500" sx="115000" sy="115000" algn="ctr" rotWithShape="0">
+              <a:prstClr val="black">
+                <a:alpha val="40000"/>
+              </a:prstClr>
+            </a:outerShdw>
+          </a:effectLst>
           <a:scene3d>
             <a:camera prst="orthographicFront"/>
             <a:lightRig rig="threePt" dir="t"/>
@@ -5287,178 +4336,6 @@
           </a:extLst>
         </p:spPr>
       </p:pic>
-      <p:grpSp>
-        <p:nvGrpSpPr>
-          <p:cNvPr id="61" name="Group 60">
-            <a:extLst>
-              <a:ext uri="{FF2B5EF4-FFF2-40B4-BE49-F238E27FC236}">
-                <a16:creationId xmlns:a16="http://schemas.microsoft.com/office/drawing/2014/main" id="{7F1DED5E-C2B2-4F50-9A8E-684A3349BE32}"/>
-              </a:ext>
-            </a:extLst>
-          </p:cNvPr>
-          <p:cNvGrpSpPr/>
-          <p:nvPr/>
-        </p:nvGrpSpPr>
-        <p:grpSpPr>
-          <a:xfrm>
-            <a:off x="2437680" y="5244415"/>
-            <a:ext cx="799061" cy="768207"/>
-            <a:chOff x="2134230" y="1207242"/>
-            <a:chExt cx="799061" cy="768207"/>
-          </a:xfrm>
-        </p:grpSpPr>
-        <p:sp>
-          <p:nvSpPr>
-            <p:cNvPr id="64" name="Oval 63">
-              <a:extLst>
-                <a:ext uri="{FF2B5EF4-FFF2-40B4-BE49-F238E27FC236}">
-                  <a16:creationId xmlns:a16="http://schemas.microsoft.com/office/drawing/2014/main" id="{13B8A4E0-AFC3-4461-87BA-AD86B8ADC91F}"/>
-                </a:ext>
-              </a:extLst>
-            </p:cNvPr>
-            <p:cNvSpPr/>
-            <p:nvPr/>
-          </p:nvSpPr>
-          <p:spPr>
-            <a:xfrm>
-              <a:off x="2150838" y="1207242"/>
-              <a:ext cx="782453" cy="768207"/>
-            </a:xfrm>
-            <a:prstGeom prst="ellipse">
-              <a:avLst/>
-            </a:prstGeom>
-            <a:solidFill>
-              <a:schemeClr val="accent4"/>
-            </a:solidFill>
-            <a:ln w="25400">
-              <a:solidFill>
-                <a:schemeClr val="tx1"/>
-              </a:solidFill>
-            </a:ln>
-            <a:effectLst>
-              <a:outerShdw blurRad="63500" sx="102000" sy="102000" algn="ctr" rotWithShape="0">
-                <a:prstClr val="black">
-                  <a:alpha val="40000"/>
-                </a:prstClr>
-              </a:outerShdw>
-            </a:effectLst>
-          </p:spPr>
-          <p:style>
-            <a:lnRef idx="2">
-              <a:schemeClr val="accent1">
-                <a:shade val="50000"/>
-              </a:schemeClr>
-            </a:lnRef>
-            <a:fillRef idx="1">
-              <a:schemeClr val="accent1"/>
-            </a:fillRef>
-            <a:effectRef idx="0">
-              <a:schemeClr val="accent1"/>
-            </a:effectRef>
-            <a:fontRef idx="minor">
-              <a:schemeClr val="lt1"/>
-            </a:fontRef>
-          </p:style>
-          <p:txBody>
-            <a:bodyPr rot="0" spcFirstLastPara="0" vertOverflow="overflow" horzOverflow="overflow" vert="horz" wrap="square" lIns="74295" tIns="37148" rIns="74295" bIns="37148" numCol="1" spcCol="0" rtlCol="0" fromWordArt="0" anchor="ctr" anchorCtr="0" forceAA="0" compatLnSpc="1">
-              <a:prstTxWarp prst="textNoShape">
-                <a:avLst/>
-              </a:prstTxWarp>
-              <a:noAutofit/>
-            </a:bodyPr>
-            <a:lstStyle/>
-            <a:p>
-              <a:pPr algn="ctr"/>
-              <a:endParaRPr lang="en-US" sz="1463"/>
-            </a:p>
-          </p:txBody>
-        </p:sp>
-        <p:pic>
-          <p:nvPicPr>
-            <p:cNvPr id="65" name="Picture 64">
-              <a:extLst>
-                <a:ext uri="{FF2B5EF4-FFF2-40B4-BE49-F238E27FC236}">
-                  <a16:creationId xmlns:a16="http://schemas.microsoft.com/office/drawing/2014/main" id="{93B5B05F-58DF-4D68-B2F2-152689992F54}"/>
-                </a:ext>
-              </a:extLst>
-            </p:cNvPr>
-            <p:cNvPicPr>
-              <a:picLocks noChangeAspect="1"/>
-            </p:cNvPicPr>
-            <p:nvPr/>
-          </p:nvPicPr>
-          <p:blipFill>
-            <a:blip r:embed="rId8"/>
-            <a:stretch>
-              <a:fillRect/>
-            </a:stretch>
-          </p:blipFill>
-          <p:spPr>
-            <a:xfrm>
-              <a:off x="2492699" y="1409333"/>
-              <a:ext cx="367640" cy="367640"/>
-            </a:xfrm>
-            <a:prstGeom prst="ellipse">
-              <a:avLst/>
-            </a:prstGeom>
-            <a:ln w="25400">
-              <a:solidFill>
-                <a:schemeClr val="accent2"/>
-              </a:solidFill>
-            </a:ln>
-          </p:spPr>
-        </p:pic>
-        <p:sp>
-          <p:nvSpPr>
-            <p:cNvPr id="66" name="TextBox 65">
-              <a:extLst>
-                <a:ext uri="{FF2B5EF4-FFF2-40B4-BE49-F238E27FC236}">
-                  <a16:creationId xmlns:a16="http://schemas.microsoft.com/office/drawing/2014/main" id="{31B4344A-F38A-4BB7-9A9D-D432D9AA400C}"/>
-                </a:ext>
-              </a:extLst>
-            </p:cNvPr>
-            <p:cNvSpPr txBox="1"/>
-            <p:nvPr/>
-          </p:nvSpPr>
-          <p:spPr>
-            <a:xfrm>
-              <a:off x="2134230" y="1292931"/>
-              <a:ext cx="431528" cy="584775"/>
-            </a:xfrm>
-            <a:prstGeom prst="rect">
-              <a:avLst/>
-            </a:prstGeom>
-            <a:noFill/>
-          </p:spPr>
-          <p:txBody>
-            <a:bodyPr wrap="none" rtlCol="0">
-              <a:spAutoFit/>
-            </a:bodyPr>
-            <a:lstStyle/>
-            <a:p>
-              <a:r>
-                <a:rPr lang="nl-NL" sz="3200" dirty="0">
-                  <a:solidFill>
-                    <a:schemeClr val="accent2">
-                      <a:lumMod val="75000"/>
-                    </a:schemeClr>
-                  </a:solidFill>
-                  <a:latin typeface="Cooper Black" panose="0208090404030B020404" pitchFamily="18" charset="0"/>
-                </a:rPr>
-                <a:t>0</a:t>
-              </a:r>
-              <a:endParaRPr lang="en-US" sz="3200" dirty="0">
-                <a:solidFill>
-                  <a:schemeClr val="accent2">
-                    <a:lumMod val="75000"/>
-                  </a:schemeClr>
-                </a:solidFill>
-                <a:latin typeface="Cooper Black" panose="0208090404030B020404" pitchFamily="18" charset="0"/>
-              </a:endParaRPr>
-            </a:p>
-          </p:txBody>
-        </p:sp>
-      </p:grpSp>
       <p:grpSp>
         <p:nvGrpSpPr>
           <p:cNvPr id="104" name="Group 103">
@@ -5560,7 +4437,7 @@
             <p:nvPr/>
           </p:nvPicPr>
           <p:blipFill>
-            <a:blip r:embed="rId8"/>
+            <a:blip r:embed="rId7"/>
             <a:stretch>
               <a:fillRect/>
             </a:stretch>
@@ -5642,7 +4519,7 @@
           <p:nvPr/>
         </p:nvPicPr>
         <p:blipFill>
-          <a:blip r:embed="rId10" cstate="print">
+          <a:blip r:embed="rId9" cstate="print">
             <a:extLst>
               <a:ext uri="{28A0092B-C50C-407E-A947-70E740481C1C}">
                 <a14:useLocalDpi xmlns:a14="http://schemas.microsoft.com/office/drawing/2010/main" val="0"/>
@@ -5668,6 +4545,13 @@
               <a:srgbClr val="C00000"/>
             </a:solidFill>
           </a:ln>
+          <a:effectLst>
+            <a:outerShdw blurRad="63500" sx="115000" sy="115000" algn="ctr" rotWithShape="0">
+              <a:prstClr val="black">
+                <a:alpha val="40000"/>
+              </a:prstClr>
+            </a:outerShdw>
+          </a:effectLst>
           <a:extLst>
             <a:ext uri="{909E8E84-426E-40DD-AFC4-6F175D3DCCD1}">
               <a14:hiddenFill xmlns:a14="http://schemas.microsoft.com/office/drawing/2010/main">
@@ -5780,7 +4664,7 @@
             <p:nvPr/>
           </p:nvPicPr>
           <p:blipFill>
-            <a:blip r:embed="rId8"/>
+            <a:blip r:embed="rId7"/>
             <a:stretch>
               <a:fillRect/>
             </a:stretch>
@@ -5847,342 +4731,6 @@
           </p:txBody>
         </p:sp>
       </p:grpSp>
-      <p:grpSp>
-        <p:nvGrpSpPr>
-          <p:cNvPr id="114" name="Group 113">
-            <a:extLst>
-              <a:ext uri="{FF2B5EF4-FFF2-40B4-BE49-F238E27FC236}">
-                <a16:creationId xmlns:a16="http://schemas.microsoft.com/office/drawing/2014/main" id="{CF780B7C-4485-4882-A08D-C0784E58DA28}"/>
-              </a:ext>
-            </a:extLst>
-          </p:cNvPr>
-          <p:cNvGrpSpPr/>
-          <p:nvPr/>
-        </p:nvGrpSpPr>
-        <p:grpSpPr>
-          <a:xfrm>
-            <a:off x="8659364" y="2418634"/>
-            <a:ext cx="916081" cy="872182"/>
-            <a:chOff x="4500040" y="256852"/>
-            <a:chExt cx="916081" cy="872182"/>
-          </a:xfrm>
-        </p:grpSpPr>
-        <p:sp>
-          <p:nvSpPr>
-            <p:cNvPr id="115" name="Oval 114">
-              <a:extLst>
-                <a:ext uri="{FF2B5EF4-FFF2-40B4-BE49-F238E27FC236}">
-                  <a16:creationId xmlns:a16="http://schemas.microsoft.com/office/drawing/2014/main" id="{ACACF835-00F3-4B9F-AD21-0075AE995521}"/>
-                </a:ext>
-              </a:extLst>
-            </p:cNvPr>
-            <p:cNvSpPr/>
-            <p:nvPr/>
-          </p:nvSpPr>
-          <p:spPr>
-            <a:xfrm>
-              <a:off x="4504808" y="256852"/>
-              <a:ext cx="911313" cy="872182"/>
-            </a:xfrm>
-            <a:prstGeom prst="ellipse">
-              <a:avLst/>
-            </a:prstGeom>
-            <a:solidFill>
-              <a:schemeClr val="accent4"/>
-            </a:solidFill>
-            <a:ln w="25400">
-              <a:solidFill>
-                <a:schemeClr val="tx1"/>
-              </a:solidFill>
-            </a:ln>
-            <a:effectLst>
-              <a:outerShdw blurRad="63500" sx="102000" sy="102000" algn="ctr" rotWithShape="0">
-                <a:prstClr val="black">
-                  <a:alpha val="40000"/>
-                </a:prstClr>
-              </a:outerShdw>
-            </a:effectLst>
-          </p:spPr>
-          <p:style>
-            <a:lnRef idx="2">
-              <a:schemeClr val="accent1">
-                <a:shade val="50000"/>
-              </a:schemeClr>
-            </a:lnRef>
-            <a:fillRef idx="1">
-              <a:schemeClr val="accent1"/>
-            </a:fillRef>
-            <a:effectRef idx="0">
-              <a:schemeClr val="accent1"/>
-            </a:effectRef>
-            <a:fontRef idx="minor">
-              <a:schemeClr val="lt1"/>
-            </a:fontRef>
-          </p:style>
-          <p:txBody>
-            <a:bodyPr rot="0" spcFirstLastPara="0" vertOverflow="overflow" horzOverflow="overflow" vert="horz" wrap="square" lIns="74295" tIns="37148" rIns="74295" bIns="37148" numCol="1" spcCol="0" rtlCol="0" fromWordArt="0" anchor="ctr" anchorCtr="0" forceAA="0" compatLnSpc="1">
-              <a:prstTxWarp prst="textNoShape">
-                <a:avLst/>
-              </a:prstTxWarp>
-              <a:noAutofit/>
-            </a:bodyPr>
-            <a:lstStyle/>
-            <a:p>
-              <a:pPr algn="ctr"/>
-              <a:endParaRPr lang="en-US" sz="1463"/>
-            </a:p>
-          </p:txBody>
-        </p:sp>
-        <p:pic>
-          <p:nvPicPr>
-            <p:cNvPr id="116" name="Picture 115">
-              <a:extLst>
-                <a:ext uri="{FF2B5EF4-FFF2-40B4-BE49-F238E27FC236}">
-                  <a16:creationId xmlns:a16="http://schemas.microsoft.com/office/drawing/2014/main" id="{D0C29AA4-C6FE-47B9-819B-A77691CCCF6A}"/>
-                </a:ext>
-              </a:extLst>
-            </p:cNvPr>
-            <p:cNvPicPr>
-              <a:picLocks noChangeAspect="1"/>
-            </p:cNvPicPr>
-            <p:nvPr/>
-          </p:nvPicPr>
-          <p:blipFill>
-            <a:blip r:embed="rId8"/>
-            <a:stretch>
-              <a:fillRect/>
-            </a:stretch>
-          </p:blipFill>
-          <p:spPr>
-            <a:xfrm>
-              <a:off x="4947507" y="502972"/>
-              <a:ext cx="367640" cy="367640"/>
-            </a:xfrm>
-            <a:prstGeom prst="ellipse">
-              <a:avLst/>
-            </a:prstGeom>
-            <a:ln w="25400">
-              <a:solidFill>
-                <a:srgbClr val="C00000"/>
-              </a:solidFill>
-            </a:ln>
-          </p:spPr>
-        </p:pic>
-        <p:sp>
-          <p:nvSpPr>
-            <p:cNvPr id="117" name="TextBox 116">
-              <a:extLst>
-                <a:ext uri="{FF2B5EF4-FFF2-40B4-BE49-F238E27FC236}">
-                  <a16:creationId xmlns:a16="http://schemas.microsoft.com/office/drawing/2014/main" id="{7DB23433-9CA9-4AB9-9AB7-1607BB7071AF}"/>
-                </a:ext>
-              </a:extLst>
-            </p:cNvPr>
-            <p:cNvSpPr txBox="1"/>
-            <p:nvPr/>
-          </p:nvSpPr>
-          <p:spPr>
-            <a:xfrm>
-              <a:off x="4500040" y="386230"/>
-              <a:ext cx="548548" cy="584775"/>
-            </a:xfrm>
-            <a:prstGeom prst="rect">
-              <a:avLst/>
-            </a:prstGeom>
-            <a:noFill/>
-          </p:spPr>
-          <p:txBody>
-            <a:bodyPr wrap="none" rtlCol="0">
-              <a:spAutoFit/>
-            </a:bodyPr>
-            <a:lstStyle/>
-            <a:p>
-              <a:r>
-                <a:rPr lang="ru-RU" sz="3200" dirty="0">
-                  <a:solidFill>
-                    <a:srgbClr val="C00000"/>
-                  </a:solidFill>
-                  <a:latin typeface="Cooper Black" panose="0208090404030B020404" pitchFamily="18" charset="0"/>
-                </a:rPr>
-                <a:t>-1</a:t>
-              </a:r>
-              <a:endParaRPr lang="en-US" sz="3200" dirty="0">
-                <a:solidFill>
-                  <a:srgbClr val="C00000"/>
-                </a:solidFill>
-                <a:latin typeface="Cooper Black" panose="0208090404030B020404" pitchFamily="18" charset="0"/>
-              </a:endParaRPr>
-            </a:p>
-          </p:txBody>
-        </p:sp>
-      </p:grpSp>
-      <p:grpSp>
-        <p:nvGrpSpPr>
-          <p:cNvPr id="118" name="Group 117">
-            <a:extLst>
-              <a:ext uri="{FF2B5EF4-FFF2-40B4-BE49-F238E27FC236}">
-                <a16:creationId xmlns:a16="http://schemas.microsoft.com/office/drawing/2014/main" id="{A6B76F7D-9D22-42E7-8567-FE9941B2E7C8}"/>
-              </a:ext>
-            </a:extLst>
-          </p:cNvPr>
-          <p:cNvGrpSpPr/>
-          <p:nvPr/>
-        </p:nvGrpSpPr>
-        <p:grpSpPr>
-          <a:xfrm>
-            <a:off x="8616375" y="5575557"/>
-            <a:ext cx="916081" cy="872182"/>
-            <a:chOff x="4500040" y="256852"/>
-            <a:chExt cx="916081" cy="872182"/>
-          </a:xfrm>
-        </p:grpSpPr>
-        <p:sp>
-          <p:nvSpPr>
-            <p:cNvPr id="119" name="Oval 118">
-              <a:extLst>
-                <a:ext uri="{FF2B5EF4-FFF2-40B4-BE49-F238E27FC236}">
-                  <a16:creationId xmlns:a16="http://schemas.microsoft.com/office/drawing/2014/main" id="{3F72F804-EF0A-49A6-A6AF-8DDB46EFE38D}"/>
-                </a:ext>
-              </a:extLst>
-            </p:cNvPr>
-            <p:cNvSpPr/>
-            <p:nvPr/>
-          </p:nvSpPr>
-          <p:spPr>
-            <a:xfrm>
-              <a:off x="4504808" y="256852"/>
-              <a:ext cx="911313" cy="872182"/>
-            </a:xfrm>
-            <a:prstGeom prst="ellipse">
-              <a:avLst/>
-            </a:prstGeom>
-            <a:solidFill>
-              <a:schemeClr val="accent4"/>
-            </a:solidFill>
-            <a:ln w="25400">
-              <a:solidFill>
-                <a:schemeClr val="tx1"/>
-              </a:solidFill>
-            </a:ln>
-            <a:effectLst>
-              <a:outerShdw blurRad="63500" sx="102000" sy="102000" algn="ctr" rotWithShape="0">
-                <a:prstClr val="black">
-                  <a:alpha val="40000"/>
-                </a:prstClr>
-              </a:outerShdw>
-            </a:effectLst>
-          </p:spPr>
-          <p:style>
-            <a:lnRef idx="2">
-              <a:schemeClr val="accent1">
-                <a:shade val="50000"/>
-              </a:schemeClr>
-            </a:lnRef>
-            <a:fillRef idx="1">
-              <a:schemeClr val="accent1"/>
-            </a:fillRef>
-            <a:effectRef idx="0">
-              <a:schemeClr val="accent1"/>
-            </a:effectRef>
-            <a:fontRef idx="minor">
-              <a:schemeClr val="lt1"/>
-            </a:fontRef>
-          </p:style>
-          <p:txBody>
-            <a:bodyPr rot="0" spcFirstLastPara="0" vertOverflow="overflow" horzOverflow="overflow" vert="horz" wrap="square" lIns="74295" tIns="37148" rIns="74295" bIns="37148" numCol="1" spcCol="0" rtlCol="0" fromWordArt="0" anchor="ctr" anchorCtr="0" forceAA="0" compatLnSpc="1">
-              <a:prstTxWarp prst="textNoShape">
-                <a:avLst/>
-              </a:prstTxWarp>
-              <a:noAutofit/>
-            </a:bodyPr>
-            <a:lstStyle/>
-            <a:p>
-              <a:pPr algn="ctr"/>
-              <a:endParaRPr lang="en-US" sz="1463"/>
-            </a:p>
-          </p:txBody>
-        </p:sp>
-        <p:pic>
-          <p:nvPicPr>
-            <p:cNvPr id="120" name="Picture 119">
-              <a:extLst>
-                <a:ext uri="{FF2B5EF4-FFF2-40B4-BE49-F238E27FC236}">
-                  <a16:creationId xmlns:a16="http://schemas.microsoft.com/office/drawing/2014/main" id="{E69477E3-CEEF-418A-8473-2AA2FB7DEC7C}"/>
-                </a:ext>
-              </a:extLst>
-            </p:cNvPr>
-            <p:cNvPicPr>
-              <a:picLocks noChangeAspect="1"/>
-            </p:cNvPicPr>
-            <p:nvPr/>
-          </p:nvPicPr>
-          <p:blipFill>
-            <a:blip r:embed="rId8"/>
-            <a:stretch>
-              <a:fillRect/>
-            </a:stretch>
-          </p:blipFill>
-          <p:spPr>
-            <a:xfrm>
-              <a:off x="4947507" y="502972"/>
-              <a:ext cx="367640" cy="367640"/>
-            </a:xfrm>
-            <a:prstGeom prst="ellipse">
-              <a:avLst/>
-            </a:prstGeom>
-            <a:ln w="25400">
-              <a:solidFill>
-                <a:srgbClr val="C00000"/>
-              </a:solidFill>
-            </a:ln>
-          </p:spPr>
-        </p:pic>
-        <p:sp>
-          <p:nvSpPr>
-            <p:cNvPr id="121" name="TextBox 120">
-              <a:extLst>
-                <a:ext uri="{FF2B5EF4-FFF2-40B4-BE49-F238E27FC236}">
-                  <a16:creationId xmlns:a16="http://schemas.microsoft.com/office/drawing/2014/main" id="{1950399D-4D26-4CC5-8557-8AD4FA9AC5D3}"/>
-                </a:ext>
-              </a:extLst>
-            </p:cNvPr>
-            <p:cNvSpPr txBox="1"/>
-            <p:nvPr/>
-          </p:nvSpPr>
-          <p:spPr>
-            <a:xfrm>
-              <a:off x="4500040" y="386230"/>
-              <a:ext cx="548548" cy="584775"/>
-            </a:xfrm>
-            <a:prstGeom prst="rect">
-              <a:avLst/>
-            </a:prstGeom>
-            <a:noFill/>
-          </p:spPr>
-          <p:txBody>
-            <a:bodyPr wrap="none" rtlCol="0">
-              <a:spAutoFit/>
-            </a:bodyPr>
-            <a:lstStyle/>
-            <a:p>
-              <a:r>
-                <a:rPr lang="ru-RU" sz="3200" dirty="0">
-                  <a:solidFill>
-                    <a:srgbClr val="C00000"/>
-                  </a:solidFill>
-                  <a:latin typeface="Cooper Black" panose="0208090404030B020404" pitchFamily="18" charset="0"/>
-                </a:rPr>
-                <a:t>-1</a:t>
-              </a:r>
-              <a:endParaRPr lang="en-US" sz="3200" dirty="0">
-                <a:solidFill>
-                  <a:srgbClr val="C00000"/>
-                </a:solidFill>
-                <a:latin typeface="Cooper Black" panose="0208090404030B020404" pitchFamily="18" charset="0"/>
-              </a:endParaRPr>
-            </a:p>
-          </p:txBody>
-        </p:sp>
-      </p:grpSp>
       <p:sp>
         <p:nvSpPr>
           <p:cNvPr id="124" name="TextBox 123">
@@ -6298,7 +4846,7 @@
             <p:nvPr/>
           </p:nvPicPr>
           <p:blipFill>
-            <a:blip r:embed="rId8"/>
+            <a:blip r:embed="rId7"/>
             <a:stretch>
               <a:fillRect/>
             </a:stretch>
@@ -6367,47 +4915,6 @@
       </p:grpSp>
       <p:sp>
         <p:nvSpPr>
-          <p:cNvPr id="38" name="TextBox 37">
-            <a:extLst>
-              <a:ext uri="{FF2B5EF4-FFF2-40B4-BE49-F238E27FC236}">
-                <a16:creationId xmlns:a16="http://schemas.microsoft.com/office/drawing/2014/main" id="{51AEFC44-900C-4585-8CBF-027650E0F863}"/>
-              </a:ext>
-            </a:extLst>
-          </p:cNvPr>
-          <p:cNvSpPr txBox="1"/>
-          <p:nvPr/>
-        </p:nvSpPr>
-        <p:spPr>
-          <a:xfrm>
-            <a:off x="153667" y="2809621"/>
-            <a:ext cx="544922" cy="646331"/>
-          </a:xfrm>
-          <a:prstGeom prst="rect">
-            <a:avLst/>
-          </a:prstGeom>
-          <a:noFill/>
-        </p:spPr>
-        <p:txBody>
-          <a:bodyPr wrap="square" rtlCol="0">
-            <a:spAutoFit/>
-          </a:bodyPr>
-          <a:lstStyle/>
-          <a:p>
-            <a:r>
-              <a:rPr lang="en-US" dirty="0"/>
-              <a:t>Top</a:t>
-            </a:r>
-          </a:p>
-          <a:p>
-            <a:r>
-              <a:rPr lang="en-US" dirty="0"/>
-              <a:t>left</a:t>
-            </a:r>
-          </a:p>
-        </p:txBody>
-      </p:sp>
-      <p:sp>
-        <p:nvSpPr>
           <p:cNvPr id="3" name="Arrow: Striped Right 2">
             <a:extLst>
               <a:ext uri="{FF2B5EF4-FFF2-40B4-BE49-F238E27FC236}">
@@ -6419,8 +4926,8 @@
           <p:nvPr/>
         </p:nvSpPr>
         <p:spPr>
-          <a:xfrm rot="1605570">
-            <a:off x="1606801" y="1098992"/>
+          <a:xfrm rot="2360562">
+            <a:off x="1581785" y="1354379"/>
             <a:ext cx="572073" cy="414676"/>
           </a:xfrm>
           <a:prstGeom prst="stripedRightArrow">
@@ -6432,11 +4939,15 @@
           <a:solidFill>
             <a:schemeClr val="accent4"/>
           </a:solidFill>
-          <a:ln>
-            <a:noFill/>
+          <a:ln w="19050">
+            <a:solidFill>
+              <a:schemeClr val="accent4">
+                <a:lumMod val="75000"/>
+              </a:schemeClr>
+            </a:solidFill>
           </a:ln>
           <a:effectLst>
-            <a:outerShdw blurRad="50800" dist="38100" dir="10800000" sx="121000" sy="121000" algn="r" rotWithShape="0">
+            <a:outerShdw blurRad="50800" dist="38100" dir="10800000" sx="131000" sy="131000" algn="r" rotWithShape="0">
               <a:prstClr val="black">
                 <a:alpha val="40000"/>
               </a:prstClr>
@@ -6468,6 +4979,1418 @@
           </a:p>
         </p:txBody>
       </p:sp>
+      <p:sp>
+        <p:nvSpPr>
+          <p:cNvPr id="4" name="Left-Right Arrow 3"/>
+          <p:cNvSpPr/>
+          <p:nvPr/>
+        </p:nvSpPr>
+        <p:spPr>
+          <a:xfrm rot="18211973">
+            <a:off x="2557052" y="1192020"/>
+            <a:ext cx="558274" cy="389988"/>
+          </a:xfrm>
+          <a:prstGeom prst="leftRightArrow">
+            <a:avLst>
+              <a:gd name="adj1" fmla="val 62967"/>
+              <a:gd name="adj2" fmla="val 50000"/>
+            </a:avLst>
+          </a:prstGeom>
+          <a:solidFill>
+            <a:srgbClr val="FFC000"/>
+          </a:solidFill>
+          <a:ln w="19050">
+            <a:solidFill>
+              <a:schemeClr val="accent4">
+                <a:lumMod val="75000"/>
+              </a:schemeClr>
+            </a:solidFill>
+          </a:ln>
+          <a:effectLst>
+            <a:outerShdw blurRad="50800" dist="38100" dir="10800000" sx="118000" sy="118000" algn="r" rotWithShape="0">
+              <a:prstClr val="black">
+                <a:alpha val="40000"/>
+              </a:prstClr>
+            </a:outerShdw>
+          </a:effectLst>
+        </p:spPr>
+        <p:style>
+          <a:lnRef idx="2">
+            <a:schemeClr val="accent1">
+              <a:shade val="50000"/>
+            </a:schemeClr>
+          </a:lnRef>
+          <a:fillRef idx="1">
+            <a:schemeClr val="accent1"/>
+          </a:fillRef>
+          <a:effectRef idx="0">
+            <a:schemeClr val="accent1"/>
+          </a:effectRef>
+          <a:fontRef idx="minor">
+            <a:schemeClr val="lt1"/>
+          </a:fontRef>
+        </p:style>
+        <p:txBody>
+          <a:bodyPr rtlCol="0" anchor="ctr"/>
+          <a:lstStyle/>
+          <a:p>
+            <a:pPr algn="ctr"/>
+            <a:endParaRPr lang="en-US"/>
+          </a:p>
+        </p:txBody>
+      </p:sp>
+      <p:sp>
+        <p:nvSpPr>
+          <p:cNvPr id="96" name="Left-Right Arrow 95"/>
+          <p:cNvSpPr/>
+          <p:nvPr/>
+        </p:nvSpPr>
+        <p:spPr>
+          <a:xfrm>
+            <a:off x="3829041" y="517311"/>
+            <a:ext cx="558274" cy="389988"/>
+          </a:xfrm>
+          <a:prstGeom prst="leftRightArrow">
+            <a:avLst>
+              <a:gd name="adj1" fmla="val 62967"/>
+              <a:gd name="adj2" fmla="val 50000"/>
+            </a:avLst>
+          </a:prstGeom>
+          <a:solidFill>
+            <a:srgbClr val="FFC000"/>
+          </a:solidFill>
+          <a:ln w="19050">
+            <a:solidFill>
+              <a:schemeClr val="accent4">
+                <a:lumMod val="75000"/>
+              </a:schemeClr>
+            </a:solidFill>
+          </a:ln>
+          <a:effectLst>
+            <a:outerShdw blurRad="50800" dist="38100" dir="10800000" sx="115000" sy="115000" algn="r" rotWithShape="0">
+              <a:prstClr val="black">
+                <a:alpha val="40000"/>
+              </a:prstClr>
+            </a:outerShdw>
+          </a:effectLst>
+        </p:spPr>
+        <p:style>
+          <a:lnRef idx="2">
+            <a:schemeClr val="accent1">
+              <a:shade val="50000"/>
+            </a:schemeClr>
+          </a:lnRef>
+          <a:fillRef idx="1">
+            <a:schemeClr val="accent1"/>
+          </a:fillRef>
+          <a:effectRef idx="0">
+            <a:schemeClr val="accent1"/>
+          </a:effectRef>
+          <a:fontRef idx="minor">
+            <a:schemeClr val="lt1"/>
+          </a:fontRef>
+        </p:style>
+        <p:txBody>
+          <a:bodyPr rtlCol="0" anchor="ctr"/>
+          <a:lstStyle/>
+          <a:p>
+            <a:pPr algn="ctr"/>
+            <a:endParaRPr lang="en-US" dirty="0"/>
+          </a:p>
+        </p:txBody>
+      </p:sp>
+      <p:sp>
+        <p:nvSpPr>
+          <p:cNvPr id="101" name="Left-Right Arrow 100"/>
+          <p:cNvSpPr/>
+          <p:nvPr/>
+        </p:nvSpPr>
+        <p:spPr>
+          <a:xfrm rot="1079440">
+            <a:off x="5527459" y="689387"/>
+            <a:ext cx="558274" cy="389988"/>
+          </a:xfrm>
+          <a:prstGeom prst="leftRightArrow">
+            <a:avLst>
+              <a:gd name="adj1" fmla="val 62967"/>
+              <a:gd name="adj2" fmla="val 50000"/>
+            </a:avLst>
+          </a:prstGeom>
+          <a:solidFill>
+            <a:srgbClr val="FFC000"/>
+          </a:solidFill>
+          <a:ln w="19050">
+            <a:solidFill>
+              <a:schemeClr val="accent4">
+                <a:lumMod val="75000"/>
+              </a:schemeClr>
+            </a:solidFill>
+          </a:ln>
+          <a:effectLst>
+            <a:outerShdw blurRad="50800" dist="38100" dir="10800000" sx="115000" sy="115000" algn="r" rotWithShape="0">
+              <a:prstClr val="black">
+                <a:alpha val="40000"/>
+              </a:prstClr>
+            </a:outerShdw>
+          </a:effectLst>
+        </p:spPr>
+        <p:style>
+          <a:lnRef idx="2">
+            <a:schemeClr val="accent1">
+              <a:shade val="50000"/>
+            </a:schemeClr>
+          </a:lnRef>
+          <a:fillRef idx="1">
+            <a:schemeClr val="accent1"/>
+          </a:fillRef>
+          <a:effectRef idx="0">
+            <a:schemeClr val="accent1"/>
+          </a:effectRef>
+          <a:fontRef idx="minor">
+            <a:schemeClr val="lt1"/>
+          </a:fontRef>
+        </p:style>
+        <p:txBody>
+          <a:bodyPr rtlCol="0" anchor="ctr"/>
+          <a:lstStyle/>
+          <a:p>
+            <a:pPr algn="ctr"/>
+            <a:endParaRPr lang="en-US"/>
+          </a:p>
+        </p:txBody>
+      </p:sp>
+      <p:grpSp>
+        <p:nvGrpSpPr>
+          <p:cNvPr id="126" name="Group 125"/>
+          <p:cNvGrpSpPr/>
+          <p:nvPr/>
+        </p:nvGrpSpPr>
+        <p:grpSpPr>
+          <a:xfrm>
+            <a:off x="8860354" y="255346"/>
+            <a:ext cx="916081" cy="872182"/>
+            <a:chOff x="4500040" y="256852"/>
+            <a:chExt cx="916081" cy="872182"/>
+          </a:xfrm>
+        </p:grpSpPr>
+        <p:sp>
+          <p:nvSpPr>
+            <p:cNvPr id="127" name="Oval 126"/>
+            <p:cNvSpPr/>
+            <p:nvPr/>
+          </p:nvSpPr>
+          <p:spPr>
+            <a:xfrm>
+              <a:off x="4504808" y="256852"/>
+              <a:ext cx="911313" cy="872182"/>
+            </a:xfrm>
+            <a:prstGeom prst="ellipse">
+              <a:avLst/>
+            </a:prstGeom>
+            <a:solidFill>
+              <a:schemeClr val="accent4"/>
+            </a:solidFill>
+            <a:ln w="25400">
+              <a:noFill/>
+            </a:ln>
+            <a:effectLst>
+              <a:outerShdw blurRad="63500" sx="115000" sy="115000" algn="ctr" rotWithShape="0">
+                <a:prstClr val="black">
+                  <a:alpha val="40000"/>
+                </a:prstClr>
+              </a:outerShdw>
+            </a:effectLst>
+          </p:spPr>
+          <p:style>
+            <a:lnRef idx="2">
+              <a:schemeClr val="accent1">
+                <a:shade val="50000"/>
+              </a:schemeClr>
+            </a:lnRef>
+            <a:fillRef idx="1">
+              <a:schemeClr val="accent1"/>
+            </a:fillRef>
+            <a:effectRef idx="0">
+              <a:schemeClr val="accent1"/>
+            </a:effectRef>
+            <a:fontRef idx="minor">
+              <a:schemeClr val="lt1"/>
+            </a:fontRef>
+          </p:style>
+          <p:txBody>
+            <a:bodyPr rot="0" spcFirstLastPara="0" vertOverflow="overflow" horzOverflow="overflow" vert="horz" wrap="square" lIns="74295" tIns="37148" rIns="74295" bIns="37148" numCol="1" spcCol="0" rtlCol="0" fromWordArt="0" anchor="ctr" anchorCtr="0" forceAA="0" compatLnSpc="1">
+              <a:prstTxWarp prst="textNoShape">
+                <a:avLst/>
+              </a:prstTxWarp>
+              <a:noAutofit/>
+            </a:bodyPr>
+            <a:lstStyle/>
+            <a:p>
+              <a:pPr algn="ctr"/>
+              <a:endParaRPr lang="en-US" sz="1463"/>
+            </a:p>
+          </p:txBody>
+        </p:sp>
+        <p:pic>
+          <p:nvPicPr>
+            <p:cNvPr id="128" name="Picture 127"/>
+            <p:cNvPicPr>
+              <a:picLocks noChangeAspect="1"/>
+            </p:cNvPicPr>
+            <p:nvPr/>
+          </p:nvPicPr>
+          <p:blipFill>
+            <a:blip r:embed="rId7"/>
+            <a:stretch>
+              <a:fillRect/>
+            </a:stretch>
+          </p:blipFill>
+          <p:spPr>
+            <a:xfrm>
+              <a:off x="4947507" y="502972"/>
+              <a:ext cx="367640" cy="367640"/>
+            </a:xfrm>
+            <a:prstGeom prst="ellipse">
+              <a:avLst/>
+            </a:prstGeom>
+            <a:ln w="25400">
+              <a:solidFill>
+                <a:srgbClr val="C00000"/>
+              </a:solidFill>
+            </a:ln>
+          </p:spPr>
+        </p:pic>
+        <p:sp>
+          <p:nvSpPr>
+            <p:cNvPr id="132" name="TextBox 131"/>
+            <p:cNvSpPr txBox="1"/>
+            <p:nvPr/>
+          </p:nvSpPr>
+          <p:spPr>
+            <a:xfrm>
+              <a:off x="4500040" y="386230"/>
+              <a:ext cx="548548" cy="584775"/>
+            </a:xfrm>
+            <a:prstGeom prst="rect">
+              <a:avLst/>
+            </a:prstGeom>
+            <a:noFill/>
+          </p:spPr>
+          <p:txBody>
+            <a:bodyPr wrap="none" rtlCol="0">
+              <a:spAutoFit/>
+            </a:bodyPr>
+            <a:lstStyle/>
+            <a:p>
+              <a:r>
+                <a:rPr lang="ru-RU" sz="3200" dirty="0">
+                  <a:solidFill>
+                    <a:srgbClr val="C00000"/>
+                  </a:solidFill>
+                  <a:latin typeface="Cooper Black" panose="0208090404030B020404" pitchFamily="18" charset="0"/>
+                </a:rPr>
+                <a:t>-1</a:t>
+              </a:r>
+              <a:endParaRPr lang="en-US" sz="3200" dirty="0">
+                <a:solidFill>
+                  <a:srgbClr val="C00000"/>
+                </a:solidFill>
+                <a:latin typeface="Cooper Black" panose="0208090404030B020404" pitchFamily="18" charset="0"/>
+              </a:endParaRPr>
+            </a:p>
+          </p:txBody>
+        </p:sp>
+      </p:grpSp>
+      <p:grpSp>
+        <p:nvGrpSpPr>
+          <p:cNvPr id="133" name="Group 132"/>
+          <p:cNvGrpSpPr/>
+          <p:nvPr/>
+        </p:nvGrpSpPr>
+        <p:grpSpPr>
+          <a:xfrm>
+            <a:off x="8832610" y="2359950"/>
+            <a:ext cx="916081" cy="872182"/>
+            <a:chOff x="4500040" y="256852"/>
+            <a:chExt cx="916081" cy="872182"/>
+          </a:xfrm>
+        </p:grpSpPr>
+        <p:sp>
+          <p:nvSpPr>
+            <p:cNvPr id="134" name="Oval 133"/>
+            <p:cNvSpPr/>
+            <p:nvPr/>
+          </p:nvSpPr>
+          <p:spPr>
+            <a:xfrm>
+              <a:off x="4504808" y="256852"/>
+              <a:ext cx="911313" cy="872182"/>
+            </a:xfrm>
+            <a:prstGeom prst="ellipse">
+              <a:avLst/>
+            </a:prstGeom>
+            <a:solidFill>
+              <a:schemeClr val="accent4"/>
+            </a:solidFill>
+            <a:ln w="25400">
+              <a:noFill/>
+            </a:ln>
+            <a:effectLst>
+              <a:outerShdw blurRad="63500" sx="115000" sy="115000" algn="ctr" rotWithShape="0">
+                <a:prstClr val="black">
+                  <a:alpha val="40000"/>
+                </a:prstClr>
+              </a:outerShdw>
+            </a:effectLst>
+          </p:spPr>
+          <p:style>
+            <a:lnRef idx="2">
+              <a:schemeClr val="accent1">
+                <a:shade val="50000"/>
+              </a:schemeClr>
+            </a:lnRef>
+            <a:fillRef idx="1">
+              <a:schemeClr val="accent1"/>
+            </a:fillRef>
+            <a:effectRef idx="0">
+              <a:schemeClr val="accent1"/>
+            </a:effectRef>
+            <a:fontRef idx="minor">
+              <a:schemeClr val="lt1"/>
+            </a:fontRef>
+          </p:style>
+          <p:txBody>
+            <a:bodyPr rot="0" spcFirstLastPara="0" vertOverflow="overflow" horzOverflow="overflow" vert="horz" wrap="square" lIns="74295" tIns="37148" rIns="74295" bIns="37148" numCol="1" spcCol="0" rtlCol="0" fromWordArt="0" anchor="ctr" anchorCtr="0" forceAA="0" compatLnSpc="1">
+              <a:prstTxWarp prst="textNoShape">
+                <a:avLst/>
+              </a:prstTxWarp>
+              <a:noAutofit/>
+            </a:bodyPr>
+            <a:lstStyle/>
+            <a:p>
+              <a:pPr algn="ctr"/>
+              <a:endParaRPr lang="en-US" sz="1463"/>
+            </a:p>
+          </p:txBody>
+        </p:sp>
+        <p:pic>
+          <p:nvPicPr>
+            <p:cNvPr id="135" name="Picture 134"/>
+            <p:cNvPicPr>
+              <a:picLocks noChangeAspect="1"/>
+            </p:cNvPicPr>
+            <p:nvPr/>
+          </p:nvPicPr>
+          <p:blipFill>
+            <a:blip r:embed="rId7"/>
+            <a:stretch>
+              <a:fillRect/>
+            </a:stretch>
+          </p:blipFill>
+          <p:spPr>
+            <a:xfrm>
+              <a:off x="4947507" y="502972"/>
+              <a:ext cx="367640" cy="367640"/>
+            </a:xfrm>
+            <a:prstGeom prst="ellipse">
+              <a:avLst/>
+            </a:prstGeom>
+            <a:ln w="25400">
+              <a:solidFill>
+                <a:srgbClr val="C00000"/>
+              </a:solidFill>
+            </a:ln>
+          </p:spPr>
+        </p:pic>
+        <p:sp>
+          <p:nvSpPr>
+            <p:cNvPr id="136" name="TextBox 135"/>
+            <p:cNvSpPr txBox="1"/>
+            <p:nvPr/>
+          </p:nvSpPr>
+          <p:spPr>
+            <a:xfrm>
+              <a:off x="4500040" y="386230"/>
+              <a:ext cx="548548" cy="584775"/>
+            </a:xfrm>
+            <a:prstGeom prst="rect">
+              <a:avLst/>
+            </a:prstGeom>
+            <a:noFill/>
+          </p:spPr>
+          <p:txBody>
+            <a:bodyPr wrap="none" rtlCol="0">
+              <a:spAutoFit/>
+            </a:bodyPr>
+            <a:lstStyle/>
+            <a:p>
+              <a:r>
+                <a:rPr lang="ru-RU" sz="3200" dirty="0">
+                  <a:solidFill>
+                    <a:srgbClr val="C00000"/>
+                  </a:solidFill>
+                  <a:latin typeface="Cooper Black" panose="0208090404030B020404" pitchFamily="18" charset="0"/>
+                </a:rPr>
+                <a:t>-1</a:t>
+              </a:r>
+              <a:endParaRPr lang="en-US" sz="3200" dirty="0">
+                <a:solidFill>
+                  <a:srgbClr val="C00000"/>
+                </a:solidFill>
+                <a:latin typeface="Cooper Black" panose="0208090404030B020404" pitchFamily="18" charset="0"/>
+              </a:endParaRPr>
+            </a:p>
+          </p:txBody>
+        </p:sp>
+      </p:grpSp>
+      <p:grpSp>
+        <p:nvGrpSpPr>
+          <p:cNvPr id="137" name="Group 136"/>
+          <p:cNvGrpSpPr/>
+          <p:nvPr/>
+        </p:nvGrpSpPr>
+        <p:grpSpPr>
+          <a:xfrm>
+            <a:off x="8816281" y="5533702"/>
+            <a:ext cx="916081" cy="872182"/>
+            <a:chOff x="4500040" y="256852"/>
+            <a:chExt cx="916081" cy="872182"/>
+          </a:xfrm>
+        </p:grpSpPr>
+        <p:sp>
+          <p:nvSpPr>
+            <p:cNvPr id="138" name="Oval 137"/>
+            <p:cNvSpPr/>
+            <p:nvPr/>
+          </p:nvSpPr>
+          <p:spPr>
+            <a:xfrm>
+              <a:off x="4504808" y="256852"/>
+              <a:ext cx="911313" cy="872182"/>
+            </a:xfrm>
+            <a:prstGeom prst="ellipse">
+              <a:avLst/>
+            </a:prstGeom>
+            <a:solidFill>
+              <a:schemeClr val="accent4"/>
+            </a:solidFill>
+            <a:ln w="25400">
+              <a:noFill/>
+            </a:ln>
+            <a:effectLst>
+              <a:outerShdw blurRad="63500" sx="115000" sy="115000" algn="ctr" rotWithShape="0">
+                <a:prstClr val="black">
+                  <a:alpha val="40000"/>
+                </a:prstClr>
+              </a:outerShdw>
+            </a:effectLst>
+          </p:spPr>
+          <p:style>
+            <a:lnRef idx="2">
+              <a:schemeClr val="accent1">
+                <a:shade val="50000"/>
+              </a:schemeClr>
+            </a:lnRef>
+            <a:fillRef idx="1">
+              <a:schemeClr val="accent1"/>
+            </a:fillRef>
+            <a:effectRef idx="0">
+              <a:schemeClr val="accent1"/>
+            </a:effectRef>
+            <a:fontRef idx="minor">
+              <a:schemeClr val="lt1"/>
+            </a:fontRef>
+          </p:style>
+          <p:txBody>
+            <a:bodyPr rot="0" spcFirstLastPara="0" vertOverflow="overflow" horzOverflow="overflow" vert="horz" wrap="square" lIns="74295" tIns="37148" rIns="74295" bIns="37148" numCol="1" spcCol="0" rtlCol="0" fromWordArt="0" anchor="ctr" anchorCtr="0" forceAA="0" compatLnSpc="1">
+              <a:prstTxWarp prst="textNoShape">
+                <a:avLst/>
+              </a:prstTxWarp>
+              <a:noAutofit/>
+            </a:bodyPr>
+            <a:lstStyle/>
+            <a:p>
+              <a:pPr algn="ctr"/>
+              <a:endParaRPr lang="en-US" sz="1463"/>
+            </a:p>
+          </p:txBody>
+        </p:sp>
+        <p:pic>
+          <p:nvPicPr>
+            <p:cNvPr id="139" name="Picture 138"/>
+            <p:cNvPicPr>
+              <a:picLocks noChangeAspect="1"/>
+            </p:cNvPicPr>
+            <p:nvPr/>
+          </p:nvPicPr>
+          <p:blipFill>
+            <a:blip r:embed="rId7"/>
+            <a:stretch>
+              <a:fillRect/>
+            </a:stretch>
+          </p:blipFill>
+          <p:spPr>
+            <a:xfrm>
+              <a:off x="4947507" y="502972"/>
+              <a:ext cx="367640" cy="367640"/>
+            </a:xfrm>
+            <a:prstGeom prst="ellipse">
+              <a:avLst/>
+            </a:prstGeom>
+            <a:ln w="25400">
+              <a:solidFill>
+                <a:srgbClr val="C00000"/>
+              </a:solidFill>
+            </a:ln>
+          </p:spPr>
+        </p:pic>
+        <p:sp>
+          <p:nvSpPr>
+            <p:cNvPr id="140" name="TextBox 139"/>
+            <p:cNvSpPr txBox="1"/>
+            <p:nvPr/>
+          </p:nvSpPr>
+          <p:spPr>
+            <a:xfrm>
+              <a:off x="4500040" y="386230"/>
+              <a:ext cx="548548" cy="584775"/>
+            </a:xfrm>
+            <a:prstGeom prst="rect">
+              <a:avLst/>
+            </a:prstGeom>
+            <a:noFill/>
+          </p:spPr>
+          <p:txBody>
+            <a:bodyPr wrap="none" rtlCol="0">
+              <a:spAutoFit/>
+            </a:bodyPr>
+            <a:lstStyle/>
+            <a:p>
+              <a:r>
+                <a:rPr lang="ru-RU" sz="3200" dirty="0">
+                  <a:solidFill>
+                    <a:srgbClr val="C00000"/>
+                  </a:solidFill>
+                  <a:latin typeface="Cooper Black" panose="0208090404030B020404" pitchFamily="18" charset="0"/>
+                </a:rPr>
+                <a:t>-1</a:t>
+              </a:r>
+              <a:endParaRPr lang="en-US" sz="3200" dirty="0">
+                <a:solidFill>
+                  <a:srgbClr val="C00000"/>
+                </a:solidFill>
+                <a:latin typeface="Cooper Black" panose="0208090404030B020404" pitchFamily="18" charset="0"/>
+              </a:endParaRPr>
+            </a:p>
+          </p:txBody>
+        </p:sp>
+      </p:grpSp>
+      <p:sp>
+        <p:nvSpPr>
+          <p:cNvPr id="141" name="Arrow: Striped Right 2">
+            <a:extLst>
+              <a:ext uri="{FF2B5EF4-FFF2-40B4-BE49-F238E27FC236}">
+                <a16:creationId xmlns:a16="http://schemas.microsoft.com/office/drawing/2014/main" id="{2BA3DD6F-0EA0-498E-95D6-E444E66B2FD9}"/>
+              </a:ext>
+            </a:extLst>
+          </p:cNvPr>
+          <p:cNvSpPr/>
+          <p:nvPr/>
+        </p:nvSpPr>
+        <p:spPr>
+          <a:xfrm rot="20758495">
+            <a:off x="7814540" y="744060"/>
+            <a:ext cx="1010629" cy="414676"/>
+          </a:xfrm>
+          <a:prstGeom prst="stripedRightArrow">
+            <a:avLst>
+              <a:gd name="adj1" fmla="val 55376"/>
+              <a:gd name="adj2" fmla="val 40001"/>
+            </a:avLst>
+          </a:prstGeom>
+          <a:solidFill>
+            <a:schemeClr val="accent4"/>
+          </a:solidFill>
+          <a:ln w="19050">
+            <a:solidFill>
+              <a:schemeClr val="accent4">
+                <a:lumMod val="75000"/>
+              </a:schemeClr>
+            </a:solidFill>
+          </a:ln>
+          <a:effectLst>
+            <a:outerShdw blurRad="50800" dist="38100" dir="10800000" sx="131000" sy="131000" algn="r" rotWithShape="0">
+              <a:prstClr val="black">
+                <a:alpha val="40000"/>
+              </a:prstClr>
+            </a:outerShdw>
+          </a:effectLst>
+        </p:spPr>
+        <p:style>
+          <a:lnRef idx="2">
+            <a:schemeClr val="accent6">
+              <a:shade val="50000"/>
+            </a:schemeClr>
+          </a:lnRef>
+          <a:fillRef idx="1">
+            <a:schemeClr val="accent6"/>
+          </a:fillRef>
+          <a:effectRef idx="0">
+            <a:schemeClr val="accent6"/>
+          </a:effectRef>
+          <a:fontRef idx="minor">
+            <a:schemeClr val="lt1"/>
+          </a:fontRef>
+        </p:style>
+        <p:txBody>
+          <a:bodyPr rtlCol="0" anchor="ctr"/>
+          <a:lstStyle/>
+          <a:p>
+            <a:pPr algn="ctr"/>
+            <a:endParaRPr lang="en-US"/>
+          </a:p>
+        </p:txBody>
+      </p:sp>
+      <p:pic>
+        <p:nvPicPr>
+          <p:cNvPr id="1026" name="Picture 2" descr="Free Swamp icon | Swamp icons PNG, ICO or ICNS"/>
+          <p:cNvPicPr>
+            <a:picLocks noChangeAspect="1" noChangeArrowheads="1"/>
+          </p:cNvPicPr>
+          <p:nvPr/>
+        </p:nvPicPr>
+        <p:blipFill>
+          <a:blip r:embed="rId10" cstate="print">
+            <a:extLst>
+              <a:ext uri="{28A0092B-C50C-407E-A947-70E740481C1C}">
+                <a14:useLocalDpi xmlns:a14="http://schemas.microsoft.com/office/drawing/2010/main" val="0"/>
+              </a:ext>
+            </a:extLst>
+          </a:blip>
+          <a:srcRect/>
+          <a:stretch>
+            <a:fillRect/>
+          </a:stretch>
+        </p:blipFill>
+        <p:spPr bwMode="auto">
+          <a:xfrm>
+            <a:off x="6157575" y="545748"/>
+            <a:ext cx="1450637" cy="1409744"/>
+          </a:xfrm>
+          <a:prstGeom prst="ellipse">
+            <a:avLst/>
+          </a:prstGeom>
+          <a:noFill/>
+          <a:ln w="63500">
+            <a:solidFill>
+              <a:srgbClr val="C00000"/>
+            </a:solidFill>
+          </a:ln>
+          <a:effectLst>
+            <a:outerShdw blurRad="63500" sx="115000" sy="115000" algn="ctr" rotWithShape="0">
+              <a:prstClr val="black">
+                <a:alpha val="40000"/>
+              </a:prstClr>
+            </a:outerShdw>
+          </a:effectLst>
+          <a:scene3d>
+            <a:camera prst="orthographicFront"/>
+            <a:lightRig rig="threePt" dir="t"/>
+          </a:scene3d>
+          <a:sp3d>
+            <a:bevelT prst="angle"/>
+          </a:sp3d>
+          <a:extLst>
+            <a:ext uri="{909E8E84-426E-40DD-AFC4-6F175D3DCCD1}">
+              <a14:hiddenFill xmlns:a14="http://schemas.microsoft.com/office/drawing/2010/main">
+                <a:solidFill>
+                  <a:srgbClr val="FFFFFF"/>
+                </a:solidFill>
+              </a14:hiddenFill>
+            </a:ext>
+          </a:extLst>
+        </p:spPr>
+      </p:pic>
+      <p:sp>
+        <p:nvSpPr>
+          <p:cNvPr id="142" name="Arrow: Striped Right 2">
+            <a:extLst>
+              <a:ext uri="{FF2B5EF4-FFF2-40B4-BE49-F238E27FC236}">
+                <a16:creationId xmlns:a16="http://schemas.microsoft.com/office/drawing/2014/main" id="{2BA3DD6F-0EA0-498E-95D6-E444E66B2FD9}"/>
+              </a:ext>
+            </a:extLst>
+          </p:cNvPr>
+          <p:cNvSpPr/>
+          <p:nvPr/>
+        </p:nvSpPr>
+        <p:spPr>
+          <a:xfrm rot="6648264">
+            <a:off x="5837888" y="2299517"/>
+            <a:ext cx="1010629" cy="414676"/>
+          </a:xfrm>
+          <a:prstGeom prst="stripedRightArrow">
+            <a:avLst>
+              <a:gd name="adj1" fmla="val 55376"/>
+              <a:gd name="adj2" fmla="val 40001"/>
+            </a:avLst>
+          </a:prstGeom>
+          <a:solidFill>
+            <a:schemeClr val="accent4"/>
+          </a:solidFill>
+          <a:ln w="19050">
+            <a:solidFill>
+              <a:schemeClr val="accent4">
+                <a:lumMod val="75000"/>
+              </a:schemeClr>
+            </a:solidFill>
+          </a:ln>
+          <a:effectLst>
+            <a:outerShdw blurRad="50800" dist="38100" dir="10800000" sx="131000" sy="131000" algn="r" rotWithShape="0">
+              <a:prstClr val="black">
+                <a:alpha val="40000"/>
+              </a:prstClr>
+            </a:outerShdw>
+          </a:effectLst>
+        </p:spPr>
+        <p:style>
+          <a:lnRef idx="2">
+            <a:schemeClr val="accent6">
+              <a:shade val="50000"/>
+            </a:schemeClr>
+          </a:lnRef>
+          <a:fillRef idx="1">
+            <a:schemeClr val="accent6"/>
+          </a:fillRef>
+          <a:effectRef idx="0">
+            <a:schemeClr val="accent6"/>
+          </a:effectRef>
+          <a:fontRef idx="minor">
+            <a:schemeClr val="lt1"/>
+          </a:fontRef>
+        </p:style>
+        <p:txBody>
+          <a:bodyPr rtlCol="0" anchor="ctr"/>
+          <a:lstStyle/>
+          <a:p>
+            <a:pPr algn="ctr"/>
+            <a:endParaRPr lang="en-US"/>
+          </a:p>
+        </p:txBody>
+      </p:sp>
+      <p:grpSp>
+        <p:nvGrpSpPr>
+          <p:cNvPr id="143" name="Group 142"/>
+          <p:cNvGrpSpPr/>
+          <p:nvPr/>
+        </p:nvGrpSpPr>
+        <p:grpSpPr>
+          <a:xfrm>
+            <a:off x="5556201" y="3014359"/>
+            <a:ext cx="916081" cy="872182"/>
+            <a:chOff x="4500040" y="256852"/>
+            <a:chExt cx="916081" cy="872182"/>
+          </a:xfrm>
+        </p:grpSpPr>
+        <p:sp>
+          <p:nvSpPr>
+            <p:cNvPr id="144" name="Oval 143"/>
+            <p:cNvSpPr/>
+            <p:nvPr/>
+          </p:nvSpPr>
+          <p:spPr>
+            <a:xfrm>
+              <a:off x="4504808" y="256852"/>
+              <a:ext cx="911313" cy="872182"/>
+            </a:xfrm>
+            <a:prstGeom prst="ellipse">
+              <a:avLst/>
+            </a:prstGeom>
+            <a:solidFill>
+              <a:schemeClr val="accent4"/>
+            </a:solidFill>
+            <a:ln w="25400">
+              <a:noFill/>
+            </a:ln>
+            <a:effectLst>
+              <a:outerShdw blurRad="63500" sx="115000" sy="115000" algn="ctr" rotWithShape="0">
+                <a:prstClr val="black">
+                  <a:alpha val="40000"/>
+                </a:prstClr>
+              </a:outerShdw>
+            </a:effectLst>
+          </p:spPr>
+          <p:style>
+            <a:lnRef idx="2">
+              <a:schemeClr val="accent1">
+                <a:shade val="50000"/>
+              </a:schemeClr>
+            </a:lnRef>
+            <a:fillRef idx="1">
+              <a:schemeClr val="accent1"/>
+            </a:fillRef>
+            <a:effectRef idx="0">
+              <a:schemeClr val="accent1"/>
+            </a:effectRef>
+            <a:fontRef idx="minor">
+              <a:schemeClr val="lt1"/>
+            </a:fontRef>
+          </p:style>
+          <p:txBody>
+            <a:bodyPr rot="0" spcFirstLastPara="0" vertOverflow="overflow" horzOverflow="overflow" vert="horz" wrap="square" lIns="74295" tIns="37148" rIns="74295" bIns="37148" numCol="1" spcCol="0" rtlCol="0" fromWordArt="0" anchor="ctr" anchorCtr="0" forceAA="0" compatLnSpc="1">
+              <a:prstTxWarp prst="textNoShape">
+                <a:avLst/>
+              </a:prstTxWarp>
+              <a:noAutofit/>
+            </a:bodyPr>
+            <a:lstStyle/>
+            <a:p>
+              <a:pPr algn="ctr"/>
+              <a:endParaRPr lang="en-US" sz="1463"/>
+            </a:p>
+          </p:txBody>
+        </p:sp>
+        <p:pic>
+          <p:nvPicPr>
+            <p:cNvPr id="145" name="Picture 144"/>
+            <p:cNvPicPr>
+              <a:picLocks noChangeAspect="1"/>
+            </p:cNvPicPr>
+            <p:nvPr/>
+          </p:nvPicPr>
+          <p:blipFill>
+            <a:blip r:embed="rId7"/>
+            <a:stretch>
+              <a:fillRect/>
+            </a:stretch>
+          </p:blipFill>
+          <p:spPr>
+            <a:xfrm>
+              <a:off x="4947507" y="502972"/>
+              <a:ext cx="367640" cy="367640"/>
+            </a:xfrm>
+            <a:prstGeom prst="ellipse">
+              <a:avLst/>
+            </a:prstGeom>
+            <a:ln w="25400">
+              <a:solidFill>
+                <a:srgbClr val="C00000"/>
+              </a:solidFill>
+            </a:ln>
+          </p:spPr>
+        </p:pic>
+        <p:sp>
+          <p:nvSpPr>
+            <p:cNvPr id="146" name="TextBox 145"/>
+            <p:cNvSpPr txBox="1"/>
+            <p:nvPr/>
+          </p:nvSpPr>
+          <p:spPr>
+            <a:xfrm>
+              <a:off x="4500040" y="386230"/>
+              <a:ext cx="548548" cy="584775"/>
+            </a:xfrm>
+            <a:prstGeom prst="rect">
+              <a:avLst/>
+            </a:prstGeom>
+            <a:noFill/>
+          </p:spPr>
+          <p:txBody>
+            <a:bodyPr wrap="none" rtlCol="0">
+              <a:spAutoFit/>
+            </a:bodyPr>
+            <a:lstStyle/>
+            <a:p>
+              <a:r>
+                <a:rPr lang="ru-RU" sz="3200" dirty="0">
+                  <a:solidFill>
+                    <a:srgbClr val="C00000"/>
+                  </a:solidFill>
+                  <a:latin typeface="Cooper Black" panose="0208090404030B020404" pitchFamily="18" charset="0"/>
+                </a:rPr>
+                <a:t>-1</a:t>
+              </a:r>
+              <a:endParaRPr lang="en-US" sz="3200" dirty="0">
+                <a:solidFill>
+                  <a:srgbClr val="C00000"/>
+                </a:solidFill>
+                <a:latin typeface="Cooper Black" panose="0208090404030B020404" pitchFamily="18" charset="0"/>
+              </a:endParaRPr>
+            </a:p>
+          </p:txBody>
+        </p:sp>
+      </p:grpSp>
+      <p:sp>
+        <p:nvSpPr>
+          <p:cNvPr id="147" name="Left-Right Arrow 146"/>
+          <p:cNvSpPr/>
+          <p:nvPr/>
+        </p:nvSpPr>
+        <p:spPr>
+          <a:xfrm rot="1079440">
+            <a:off x="4947881" y="3037138"/>
+            <a:ext cx="558274" cy="389988"/>
+          </a:xfrm>
+          <a:prstGeom prst="leftRightArrow">
+            <a:avLst>
+              <a:gd name="adj1" fmla="val 62967"/>
+              <a:gd name="adj2" fmla="val 50000"/>
+            </a:avLst>
+          </a:prstGeom>
+          <a:solidFill>
+            <a:srgbClr val="FFC000"/>
+          </a:solidFill>
+          <a:ln w="19050">
+            <a:solidFill>
+              <a:schemeClr val="accent4">
+                <a:lumMod val="75000"/>
+              </a:schemeClr>
+            </a:solidFill>
+          </a:ln>
+          <a:effectLst>
+            <a:outerShdw blurRad="50800" dist="38100" dir="10800000" sx="115000" sy="115000" algn="r" rotWithShape="0">
+              <a:prstClr val="black">
+                <a:alpha val="40000"/>
+              </a:prstClr>
+            </a:outerShdw>
+          </a:effectLst>
+        </p:spPr>
+        <p:style>
+          <a:lnRef idx="2">
+            <a:schemeClr val="accent1">
+              <a:shade val="50000"/>
+            </a:schemeClr>
+          </a:lnRef>
+          <a:fillRef idx="1">
+            <a:schemeClr val="accent1"/>
+          </a:fillRef>
+          <a:effectRef idx="0">
+            <a:schemeClr val="accent1"/>
+          </a:effectRef>
+          <a:fontRef idx="minor">
+            <a:schemeClr val="lt1"/>
+          </a:fontRef>
+        </p:style>
+        <p:txBody>
+          <a:bodyPr rtlCol="0" anchor="ctr"/>
+          <a:lstStyle/>
+          <a:p>
+            <a:pPr algn="ctr"/>
+            <a:endParaRPr lang="en-US"/>
+          </a:p>
+        </p:txBody>
+      </p:sp>
+      <p:grpSp>
+        <p:nvGrpSpPr>
+          <p:cNvPr id="149" name="Group 148"/>
+          <p:cNvGrpSpPr/>
+          <p:nvPr/>
+        </p:nvGrpSpPr>
+        <p:grpSpPr>
+          <a:xfrm>
+            <a:off x="2019801" y="3244015"/>
+            <a:ext cx="799061" cy="768207"/>
+            <a:chOff x="2134230" y="1207242"/>
+            <a:chExt cx="799061" cy="768207"/>
+          </a:xfrm>
+        </p:grpSpPr>
+        <p:sp>
+          <p:nvSpPr>
+            <p:cNvPr id="150" name="Oval 149"/>
+            <p:cNvSpPr/>
+            <p:nvPr/>
+          </p:nvSpPr>
+          <p:spPr>
+            <a:xfrm>
+              <a:off x="2150838" y="1207242"/>
+              <a:ext cx="782453" cy="768207"/>
+            </a:xfrm>
+            <a:prstGeom prst="ellipse">
+              <a:avLst/>
+            </a:prstGeom>
+            <a:solidFill>
+              <a:schemeClr val="accent4"/>
+            </a:solidFill>
+            <a:ln w="25400">
+              <a:noFill/>
+            </a:ln>
+            <a:effectLst>
+              <a:outerShdw blurRad="63500" sx="115000" sy="115000" algn="ctr" rotWithShape="0">
+                <a:prstClr val="black">
+                  <a:alpha val="40000"/>
+                </a:prstClr>
+              </a:outerShdw>
+            </a:effectLst>
+          </p:spPr>
+          <p:style>
+            <a:lnRef idx="2">
+              <a:schemeClr val="accent1">
+                <a:shade val="50000"/>
+              </a:schemeClr>
+            </a:lnRef>
+            <a:fillRef idx="1">
+              <a:schemeClr val="accent1"/>
+            </a:fillRef>
+            <a:effectRef idx="0">
+              <a:schemeClr val="accent1"/>
+            </a:effectRef>
+            <a:fontRef idx="minor">
+              <a:schemeClr val="lt1"/>
+            </a:fontRef>
+          </p:style>
+          <p:txBody>
+            <a:bodyPr rot="0" spcFirstLastPara="0" vertOverflow="overflow" horzOverflow="overflow" vert="horz" wrap="square" lIns="74295" tIns="37148" rIns="74295" bIns="37148" numCol="1" spcCol="0" rtlCol="0" fromWordArt="0" anchor="ctr" anchorCtr="0" forceAA="0" compatLnSpc="1">
+              <a:prstTxWarp prst="textNoShape">
+                <a:avLst/>
+              </a:prstTxWarp>
+              <a:noAutofit/>
+            </a:bodyPr>
+            <a:lstStyle/>
+            <a:p>
+              <a:pPr algn="ctr"/>
+              <a:endParaRPr lang="en-US" sz="1463"/>
+            </a:p>
+          </p:txBody>
+        </p:sp>
+        <p:pic>
+          <p:nvPicPr>
+            <p:cNvPr id="151" name="Picture 150"/>
+            <p:cNvPicPr>
+              <a:picLocks noChangeAspect="1"/>
+            </p:cNvPicPr>
+            <p:nvPr/>
+          </p:nvPicPr>
+          <p:blipFill>
+            <a:blip r:embed="rId7"/>
+            <a:stretch>
+              <a:fillRect/>
+            </a:stretch>
+          </p:blipFill>
+          <p:spPr>
+            <a:xfrm>
+              <a:off x="2492699" y="1409333"/>
+              <a:ext cx="367640" cy="367640"/>
+            </a:xfrm>
+            <a:prstGeom prst="ellipse">
+              <a:avLst/>
+            </a:prstGeom>
+            <a:ln w="25400">
+              <a:solidFill>
+                <a:schemeClr val="accent2"/>
+              </a:solidFill>
+            </a:ln>
+          </p:spPr>
+        </p:pic>
+        <p:sp>
+          <p:nvSpPr>
+            <p:cNvPr id="152" name="TextBox 151"/>
+            <p:cNvSpPr txBox="1"/>
+            <p:nvPr/>
+          </p:nvSpPr>
+          <p:spPr>
+            <a:xfrm>
+              <a:off x="2134230" y="1292931"/>
+              <a:ext cx="431528" cy="584775"/>
+            </a:xfrm>
+            <a:prstGeom prst="rect">
+              <a:avLst/>
+            </a:prstGeom>
+            <a:noFill/>
+          </p:spPr>
+          <p:txBody>
+            <a:bodyPr wrap="none" rtlCol="0">
+              <a:spAutoFit/>
+            </a:bodyPr>
+            <a:lstStyle/>
+            <a:p>
+              <a:r>
+                <a:rPr lang="nl-NL" sz="3200" dirty="0">
+                  <a:solidFill>
+                    <a:schemeClr val="accent2">
+                      <a:lumMod val="75000"/>
+                    </a:schemeClr>
+                  </a:solidFill>
+                  <a:latin typeface="Cooper Black" panose="0208090404030B020404" pitchFamily="18" charset="0"/>
+                </a:rPr>
+                <a:t>0</a:t>
+              </a:r>
+              <a:endParaRPr lang="en-US" sz="3200" dirty="0">
+                <a:solidFill>
+                  <a:schemeClr val="accent2">
+                    <a:lumMod val="75000"/>
+                  </a:schemeClr>
+                </a:solidFill>
+                <a:latin typeface="Cooper Black" panose="0208090404030B020404" pitchFamily="18" charset="0"/>
+              </a:endParaRPr>
+            </a:p>
+          </p:txBody>
+        </p:sp>
+      </p:grpSp>
+      <p:sp>
+        <p:nvSpPr>
+          <p:cNvPr id="157" name="Left-Right Arrow 156"/>
+          <p:cNvSpPr/>
+          <p:nvPr/>
+        </p:nvSpPr>
+        <p:spPr>
+          <a:xfrm rot="19830186">
+            <a:off x="2835869" y="3090969"/>
+            <a:ext cx="558274" cy="389988"/>
+          </a:xfrm>
+          <a:prstGeom prst="leftRightArrow">
+            <a:avLst>
+              <a:gd name="adj1" fmla="val 62967"/>
+              <a:gd name="adj2" fmla="val 50000"/>
+            </a:avLst>
+          </a:prstGeom>
+          <a:solidFill>
+            <a:srgbClr val="FFC000"/>
+          </a:solidFill>
+          <a:ln w="19050">
+            <a:solidFill>
+              <a:schemeClr val="accent4">
+                <a:lumMod val="75000"/>
+              </a:schemeClr>
+            </a:solidFill>
+          </a:ln>
+          <a:effectLst>
+            <a:outerShdw blurRad="50800" dist="38100" dir="10800000" sx="115000" sy="115000" algn="r" rotWithShape="0">
+              <a:prstClr val="black">
+                <a:alpha val="40000"/>
+              </a:prstClr>
+            </a:outerShdw>
+          </a:effectLst>
+        </p:spPr>
+        <p:style>
+          <a:lnRef idx="2">
+            <a:schemeClr val="accent1">
+              <a:shade val="50000"/>
+            </a:schemeClr>
+          </a:lnRef>
+          <a:fillRef idx="1">
+            <a:schemeClr val="accent1"/>
+          </a:fillRef>
+          <a:effectRef idx="0">
+            <a:schemeClr val="accent1"/>
+          </a:effectRef>
+          <a:fontRef idx="minor">
+            <a:schemeClr val="lt1"/>
+          </a:fontRef>
+        </p:style>
+        <p:txBody>
+          <a:bodyPr rtlCol="0" anchor="ctr"/>
+          <a:lstStyle/>
+          <a:p>
+            <a:pPr algn="ctr"/>
+            <a:endParaRPr lang="en-US" dirty="0"/>
+          </a:p>
+        </p:txBody>
+      </p:sp>
+      <p:grpSp>
+        <p:nvGrpSpPr>
+          <p:cNvPr id="158" name="Group 157"/>
+          <p:cNvGrpSpPr/>
+          <p:nvPr/>
+        </p:nvGrpSpPr>
+        <p:grpSpPr>
+          <a:xfrm>
+            <a:off x="2621147" y="4626725"/>
+            <a:ext cx="799061" cy="768207"/>
+            <a:chOff x="2134230" y="1207242"/>
+            <a:chExt cx="799061" cy="768207"/>
+          </a:xfrm>
+        </p:grpSpPr>
+        <p:sp>
+          <p:nvSpPr>
+            <p:cNvPr id="159" name="Oval 158"/>
+            <p:cNvSpPr/>
+            <p:nvPr/>
+          </p:nvSpPr>
+          <p:spPr>
+            <a:xfrm>
+              <a:off x="2150838" y="1207242"/>
+              <a:ext cx="782453" cy="768207"/>
+            </a:xfrm>
+            <a:prstGeom prst="ellipse">
+              <a:avLst/>
+            </a:prstGeom>
+            <a:solidFill>
+              <a:schemeClr val="accent4"/>
+            </a:solidFill>
+            <a:ln w="25400">
+              <a:noFill/>
+            </a:ln>
+            <a:effectLst>
+              <a:outerShdw blurRad="63500" sx="115000" sy="115000" algn="ctr" rotWithShape="0">
+                <a:prstClr val="black">
+                  <a:alpha val="40000"/>
+                </a:prstClr>
+              </a:outerShdw>
+            </a:effectLst>
+          </p:spPr>
+          <p:style>
+            <a:lnRef idx="2">
+              <a:schemeClr val="accent1">
+                <a:shade val="50000"/>
+              </a:schemeClr>
+            </a:lnRef>
+            <a:fillRef idx="1">
+              <a:schemeClr val="accent1"/>
+            </a:fillRef>
+            <a:effectRef idx="0">
+              <a:schemeClr val="accent1"/>
+            </a:effectRef>
+            <a:fontRef idx="minor">
+              <a:schemeClr val="lt1"/>
+            </a:fontRef>
+          </p:style>
+          <p:txBody>
+            <a:bodyPr rot="0" spcFirstLastPara="0" vertOverflow="overflow" horzOverflow="overflow" vert="horz" wrap="square" lIns="74295" tIns="37148" rIns="74295" bIns="37148" numCol="1" spcCol="0" rtlCol="0" fromWordArt="0" anchor="ctr" anchorCtr="0" forceAA="0" compatLnSpc="1">
+              <a:prstTxWarp prst="textNoShape">
+                <a:avLst/>
+              </a:prstTxWarp>
+              <a:noAutofit/>
+            </a:bodyPr>
+            <a:lstStyle/>
+            <a:p>
+              <a:pPr algn="ctr"/>
+              <a:endParaRPr lang="en-US" sz="1463"/>
+            </a:p>
+          </p:txBody>
+        </p:sp>
+        <p:pic>
+          <p:nvPicPr>
+            <p:cNvPr id="160" name="Picture 159"/>
+            <p:cNvPicPr>
+              <a:picLocks noChangeAspect="1"/>
+            </p:cNvPicPr>
+            <p:nvPr/>
+          </p:nvPicPr>
+          <p:blipFill>
+            <a:blip r:embed="rId7"/>
+            <a:stretch>
+              <a:fillRect/>
+            </a:stretch>
+          </p:blipFill>
+          <p:spPr>
+            <a:xfrm>
+              <a:off x="2492699" y="1409333"/>
+              <a:ext cx="367640" cy="367640"/>
+            </a:xfrm>
+            <a:prstGeom prst="ellipse">
+              <a:avLst/>
+            </a:prstGeom>
+            <a:ln w="25400">
+              <a:solidFill>
+                <a:schemeClr val="accent2"/>
+              </a:solidFill>
+            </a:ln>
+          </p:spPr>
+        </p:pic>
+        <p:sp>
+          <p:nvSpPr>
+            <p:cNvPr id="161" name="TextBox 160"/>
+            <p:cNvSpPr txBox="1"/>
+            <p:nvPr/>
+          </p:nvSpPr>
+          <p:spPr>
+            <a:xfrm>
+              <a:off x="2134230" y="1292931"/>
+              <a:ext cx="431528" cy="584775"/>
+            </a:xfrm>
+            <a:prstGeom prst="rect">
+              <a:avLst/>
+            </a:prstGeom>
+            <a:noFill/>
+          </p:spPr>
+          <p:txBody>
+            <a:bodyPr wrap="none" rtlCol="0">
+              <a:spAutoFit/>
+            </a:bodyPr>
+            <a:lstStyle/>
+            <a:p>
+              <a:r>
+                <a:rPr lang="nl-NL" sz="3200" dirty="0">
+                  <a:solidFill>
+                    <a:schemeClr val="accent2">
+                      <a:lumMod val="75000"/>
+                    </a:schemeClr>
+                  </a:solidFill>
+                  <a:latin typeface="Cooper Black" panose="0208090404030B020404" pitchFamily="18" charset="0"/>
+                </a:rPr>
+                <a:t>0</a:t>
+              </a:r>
+              <a:endParaRPr lang="en-US" sz="3200" dirty="0">
+                <a:solidFill>
+                  <a:schemeClr val="accent2">
+                    <a:lumMod val="75000"/>
+                  </a:schemeClr>
+                </a:solidFill>
+                <a:latin typeface="Cooper Black" panose="0208090404030B020404" pitchFamily="18" charset="0"/>
+              </a:endParaRPr>
+            </a:p>
+          </p:txBody>
+        </p:sp>
+      </p:grpSp>
+      <p:sp>
+        <p:nvSpPr>
+          <p:cNvPr id="166" name="Left-Right Arrow 165"/>
+          <p:cNvSpPr/>
+          <p:nvPr/>
+        </p:nvSpPr>
+        <p:spPr>
+          <a:xfrm rot="18529188">
+            <a:off x="1504069" y="3555975"/>
+            <a:ext cx="558274" cy="389988"/>
+          </a:xfrm>
+          <a:prstGeom prst="leftRightArrow">
+            <a:avLst>
+              <a:gd name="adj1" fmla="val 62967"/>
+              <a:gd name="adj2" fmla="val 50000"/>
+            </a:avLst>
+          </a:prstGeom>
+          <a:solidFill>
+            <a:srgbClr val="FFC000"/>
+          </a:solidFill>
+          <a:ln w="19050">
+            <a:solidFill>
+              <a:schemeClr val="accent4">
+                <a:lumMod val="75000"/>
+              </a:schemeClr>
+            </a:solidFill>
+          </a:ln>
+          <a:effectLst>
+            <a:outerShdw blurRad="50800" dist="38100" dir="10800000" sx="115000" sy="115000" algn="r" rotWithShape="0">
+              <a:prstClr val="black">
+                <a:alpha val="40000"/>
+              </a:prstClr>
+            </a:outerShdw>
+          </a:effectLst>
+        </p:spPr>
+        <p:style>
+          <a:lnRef idx="2">
+            <a:schemeClr val="accent1">
+              <a:shade val="50000"/>
+            </a:schemeClr>
+          </a:lnRef>
+          <a:fillRef idx="1">
+            <a:schemeClr val="accent1"/>
+          </a:fillRef>
+          <a:effectRef idx="0">
+            <a:schemeClr val="accent1"/>
+          </a:effectRef>
+          <a:fontRef idx="minor">
+            <a:schemeClr val="lt1"/>
+          </a:fontRef>
+        </p:style>
+        <p:txBody>
+          <a:bodyPr rtlCol="0" anchor="ctr"/>
+          <a:lstStyle/>
+          <a:p>
+            <a:pPr algn="ctr"/>
+            <a:endParaRPr lang="en-US" dirty="0"/>
+          </a:p>
+        </p:txBody>
+      </p:sp>
     </p:spTree>
     <p:extLst>
       <p:ext uri="{BB962C8B-B14F-4D97-AF65-F5344CB8AC3E}">
@@ -6478,6 +6401,13 @@
   <p:clrMapOvr>
     <a:masterClrMapping/>
   </p:clrMapOvr>
+  <p:timing>
+    <p:tnLst>
+      <p:par>
+        <p:cTn id="1" dur="indefinite" restart="never" nodeType="tmRoot"/>
+      </p:par>
+    </p:tnLst>
+  </p:timing>
 </p:sld>
 </file>
 
@@ -10207,6 +10137,13 @@
   <p:clrMapOvr>
     <a:masterClrMapping/>
   </p:clrMapOvr>
+  <p:timing>
+    <p:tnLst>
+      <p:par>
+        <p:cTn id="1" dur="indefinite" restart="never" nodeType="tmRoot"/>
+      </p:par>
+    </p:tnLst>
+  </p:timing>
 </p:sld>
 </file>
 
